--- a/Longhorn_Energy_Club_Presentation.pptx
+++ b/Longhorn_Energy_Club_Presentation.pptx
@@ -6,15 +6,19 @@
     <p:sldMasterId id="2147483678" r:id="rId2"/>
   </p:sldMasterIdLst>
   <p:notesMasterIdLst>
-    <p:notesMasterId r:id="rId9"/>
+    <p:notesMasterId r:id="rId13"/>
   </p:notesMasterIdLst>
   <p:sldIdLst>
     <p:sldId id="263" r:id="rId3"/>
     <p:sldId id="264" r:id="rId4"/>
     <p:sldId id="265" r:id="rId5"/>
     <p:sldId id="266" r:id="rId6"/>
-    <p:sldId id="267" r:id="rId7"/>
-    <p:sldId id="268" r:id="rId8"/>
+    <p:sldId id="269" r:id="rId7"/>
+    <p:sldId id="270" r:id="rId8"/>
+    <p:sldId id="271" r:id="rId9"/>
+    <p:sldId id="272" r:id="rId10"/>
+    <p:sldId id="267" r:id="rId11"/>
+    <p:sldId id="268" r:id="rId12"/>
   </p:sldIdLst>
   <p:sldSz cx="9144000" cy="6858000" type="screen4x3"/>
   <p:notesSz cx="6858000" cy="9144000"/>
@@ -511,6 +515,903 @@
 </p:notesMaster>
 </file>
 
+<file path=ppt/notesSlides/notesSlide1.xml><?xml version="1.0" encoding="utf-8"?>
+<p:notes xmlns:a="http://schemas.openxmlformats.org/drawingml/2006/main" xmlns:r="http://schemas.openxmlformats.org/officeDocument/2006/relationships" xmlns:p="http://schemas.openxmlformats.org/presentationml/2006/main">
+  <p:cSld>
+    <p:spTree>
+      <p:nvGrpSpPr>
+        <p:cNvPr id="1" name=""/>
+        <p:cNvGrpSpPr/>
+        <p:nvPr/>
+      </p:nvGrpSpPr>
+      <p:grpSpPr>
+        <a:xfrm>
+          <a:off x="0" y="0"/>
+          <a:ext cx="0" cy="0"/>
+          <a:chOff x="0" y="0"/>
+          <a:chExt cx="0" cy="0"/>
+        </a:xfrm>
+      </p:grpSpPr>
+      <p:sp>
+        <p:nvSpPr>
+          <p:cNvPr id="2" name="Slide Image Placeholder 1"/>
+          <p:cNvSpPr>
+            <a:spLocks noGrp="1" noRot="1" noChangeAspect="1"/>
+          </p:cNvSpPr>
+          <p:nvPr>
+            <p:ph type="sldImg"/>
+          </p:nvPr>
+        </p:nvSpPr>
+        <p:spPr/>
+      </p:sp>
+      <p:sp>
+        <p:nvSpPr>
+          <p:cNvPr id="3" name="Notes Placeholder 2"/>
+          <p:cNvSpPr>
+            <a:spLocks noGrp="1"/>
+          </p:cNvSpPr>
+          <p:nvPr>
+            <p:ph type="body" idx="1"/>
+          </p:nvPr>
+        </p:nvSpPr>
+        <p:spPr/>
+        <p:txBody>
+          <a:bodyPr/>
+          <a:lstStyle/>
+          <a:p>
+            <a:r>
+              <a:rPr lang="en-US" dirty="0"/>
+              <a:t>Add pictures of heat maps, add green map with AI depletion regions. Also show correlation and production wells, last one of 3 dots</a:t>
+            </a:r>
+          </a:p>
+        </p:txBody>
+      </p:sp>
+      <p:sp>
+        <p:nvSpPr>
+          <p:cNvPr id="4" name="Slide Number Placeholder 3"/>
+          <p:cNvSpPr>
+            <a:spLocks noGrp="1"/>
+          </p:cNvSpPr>
+          <p:nvPr>
+            <p:ph type="sldNum" sz="quarter" idx="5"/>
+          </p:nvPr>
+        </p:nvSpPr>
+        <p:spPr/>
+        <p:txBody>
+          <a:bodyPr/>
+          <a:lstStyle/>
+          <a:p>
+            <a:fld id="{D11CC7E6-B446-F548-8841-94B308AA320D}" type="slidenum">
+              <a:rPr lang="en-US" smtClean="0"/>
+              <a:t>2</a:t>
+            </a:fld>
+            <a:endParaRPr lang="en-US"/>
+          </a:p>
+        </p:txBody>
+      </p:sp>
+    </p:spTree>
+    <p:extLst>
+      <p:ext uri="{BB962C8B-B14F-4D97-AF65-F5344CB8AC3E}">
+        <p14:creationId xmlns:p14="http://schemas.microsoft.com/office/powerpoint/2010/main" val="422072003"/>
+      </p:ext>
+    </p:extLst>
+  </p:cSld>
+  <p:clrMapOvr>
+    <a:masterClrMapping/>
+  </p:clrMapOvr>
+</p:notes>
+</file>
+
+<file path=ppt/notesSlides/notesSlide2.xml><?xml version="1.0" encoding="utf-8"?>
+<p:notes xmlns:a="http://schemas.openxmlformats.org/drawingml/2006/main" xmlns:r="http://schemas.openxmlformats.org/officeDocument/2006/relationships" xmlns:p="http://schemas.openxmlformats.org/presentationml/2006/main">
+  <p:cSld>
+    <p:spTree>
+      <p:nvGrpSpPr>
+        <p:cNvPr id="1" name=""/>
+        <p:cNvGrpSpPr/>
+        <p:nvPr/>
+      </p:nvGrpSpPr>
+      <p:grpSpPr>
+        <a:xfrm>
+          <a:off x="0" y="0"/>
+          <a:ext cx="0" cy="0"/>
+          <a:chOff x="0" y="0"/>
+          <a:chExt cx="0" cy="0"/>
+        </a:xfrm>
+      </p:grpSpPr>
+      <p:sp>
+        <p:nvSpPr>
+          <p:cNvPr id="2" name="Slide Image Placeholder 1"/>
+          <p:cNvSpPr>
+            <a:spLocks noGrp="1" noRot="1" noChangeAspect="1"/>
+          </p:cNvSpPr>
+          <p:nvPr>
+            <p:ph type="sldImg"/>
+          </p:nvPr>
+        </p:nvSpPr>
+        <p:spPr/>
+      </p:sp>
+      <p:sp>
+        <p:nvSpPr>
+          <p:cNvPr id="3" name="Notes Placeholder 2"/>
+          <p:cNvSpPr>
+            <a:spLocks noGrp="1"/>
+          </p:cNvSpPr>
+          <p:nvPr>
+            <p:ph type="body" idx="1"/>
+          </p:nvPr>
+        </p:nvSpPr>
+        <p:spPr/>
+        <p:txBody>
+          <a:bodyPr/>
+          <a:lstStyle/>
+          <a:p>
+            <a:pPr algn="ctr"/>
+            <a:r>
+              <a:rPr lang="en-US" sz="1200" b="1" dirty="0">
+                <a:latin typeface="+mn-lt"/>
+                <a:cs typeface="Arial" panose="020B0604020202020204" pitchFamily="34" charset="0"/>
+              </a:rPr>
+              <a:t>Showcase Interesting and Innovative Aspects of Your Workflow.</a:t>
+            </a:r>
+          </a:p>
+          <a:p>
+            <a:pPr algn="ctr"/>
+            <a:endParaRPr lang="en-US" sz="1200" b="1" dirty="0">
+              <a:latin typeface="+mn-lt"/>
+              <a:cs typeface="Arial" panose="020B0604020202020204" pitchFamily="34" charset="0"/>
+            </a:endParaRPr>
+          </a:p>
+          <a:p>
+            <a:pPr algn="ctr"/>
+            <a:r>
+              <a:rPr lang="en-US" sz="1200" b="1" dirty="0">
+                <a:latin typeface="+mn-lt"/>
+                <a:cs typeface="Arial" panose="020B0604020202020204" pitchFamily="34" charset="0"/>
+              </a:rPr>
+              <a:t>State and Defend Modeling Decisions</a:t>
+            </a:r>
+          </a:p>
+          <a:p>
+            <a:pPr algn="ctr"/>
+            <a:endParaRPr lang="en-US" sz="1200" b="1" dirty="0">
+              <a:latin typeface="+mn-lt"/>
+              <a:cs typeface="Arial" panose="020B0604020202020204" pitchFamily="34" charset="0"/>
+            </a:endParaRPr>
+          </a:p>
+          <a:p>
+            <a:pPr algn="ctr"/>
+            <a:r>
+              <a:rPr lang="en-US" sz="1200" b="1" dirty="0">
+                <a:latin typeface="+mn-lt"/>
+                <a:cs typeface="Arial" panose="020B0604020202020204" pitchFamily="34" charset="0"/>
+              </a:rPr>
+              <a:t>Discuss Critical Results and Learnings for Workflow Steps</a:t>
+            </a:r>
+          </a:p>
+          <a:p>
+            <a:pPr algn="ctr"/>
+            <a:endParaRPr lang="en-US" sz="1200" b="1" dirty="0">
+              <a:latin typeface="+mn-lt"/>
+              <a:cs typeface="Arial" panose="020B0604020202020204" pitchFamily="34" charset="0"/>
+            </a:endParaRPr>
+          </a:p>
+          <a:p>
+            <a:pPr algn="ctr"/>
+            <a:r>
+              <a:rPr lang="en-US" sz="1200" b="1" dirty="0">
+                <a:latin typeface="+mn-lt"/>
+                <a:cs typeface="Arial" panose="020B0604020202020204" pitchFamily="34" charset="0"/>
+              </a:rPr>
+              <a:t>Captions for all Figures</a:t>
+            </a:r>
+          </a:p>
+          <a:p>
+            <a:pPr algn="ctr"/>
+            <a:endParaRPr lang="en-US" sz="1200" b="1" dirty="0">
+              <a:latin typeface="+mn-lt"/>
+              <a:cs typeface="Arial" panose="020B0604020202020204" pitchFamily="34" charset="0"/>
+            </a:endParaRPr>
+          </a:p>
+          <a:p>
+            <a:pPr algn="ctr"/>
+            <a:r>
+              <a:rPr lang="en-US" sz="1200" b="1" dirty="0">
+                <a:latin typeface="+mn-lt"/>
+                <a:cs typeface="Arial" panose="020B0604020202020204" pitchFamily="34" charset="0"/>
+              </a:rPr>
+              <a:t>Concise Text on Slides to Explain the Main Points</a:t>
+            </a:r>
+          </a:p>
+          <a:p>
+            <a:endParaRPr lang="en-US" dirty="0"/>
+          </a:p>
+        </p:txBody>
+      </p:sp>
+      <p:sp>
+        <p:nvSpPr>
+          <p:cNvPr id="4" name="Slide Number Placeholder 3"/>
+          <p:cNvSpPr>
+            <a:spLocks noGrp="1"/>
+          </p:cNvSpPr>
+          <p:nvPr>
+            <p:ph type="sldNum" sz="quarter" idx="5"/>
+          </p:nvPr>
+        </p:nvSpPr>
+        <p:spPr/>
+        <p:txBody>
+          <a:bodyPr/>
+          <a:lstStyle/>
+          <a:p>
+            <a:fld id="{D11CC7E6-B446-F548-8841-94B308AA320D}" type="slidenum">
+              <a:rPr lang="en-US" smtClean="0"/>
+              <a:t>4</a:t>
+            </a:fld>
+            <a:endParaRPr lang="en-US"/>
+          </a:p>
+        </p:txBody>
+      </p:sp>
+    </p:spTree>
+    <p:extLst>
+      <p:ext uri="{BB962C8B-B14F-4D97-AF65-F5344CB8AC3E}">
+        <p14:creationId xmlns:p14="http://schemas.microsoft.com/office/powerpoint/2010/main" val="2321910091"/>
+      </p:ext>
+    </p:extLst>
+  </p:cSld>
+  <p:clrMapOvr>
+    <a:masterClrMapping/>
+  </p:clrMapOvr>
+</p:notes>
+</file>
+
+<file path=ppt/notesSlides/notesSlide3.xml><?xml version="1.0" encoding="utf-8"?>
+<p:notes xmlns:a="http://schemas.openxmlformats.org/drawingml/2006/main" xmlns:r="http://schemas.openxmlformats.org/officeDocument/2006/relationships" xmlns:p="http://schemas.openxmlformats.org/presentationml/2006/main">
+  <p:cSld>
+    <p:spTree>
+      <p:nvGrpSpPr>
+        <p:cNvPr id="1" name=""/>
+        <p:cNvGrpSpPr/>
+        <p:nvPr/>
+      </p:nvGrpSpPr>
+      <p:grpSpPr>
+        <a:xfrm>
+          <a:off x="0" y="0"/>
+          <a:ext cx="0" cy="0"/>
+          <a:chOff x="0" y="0"/>
+          <a:chExt cx="0" cy="0"/>
+        </a:xfrm>
+      </p:grpSpPr>
+      <p:sp>
+        <p:nvSpPr>
+          <p:cNvPr id="2" name="Slide Image Placeholder 1"/>
+          <p:cNvSpPr>
+            <a:spLocks noGrp="1" noRot="1" noChangeAspect="1"/>
+          </p:cNvSpPr>
+          <p:nvPr>
+            <p:ph type="sldImg"/>
+          </p:nvPr>
+        </p:nvSpPr>
+        <p:spPr/>
+      </p:sp>
+      <p:sp>
+        <p:nvSpPr>
+          <p:cNvPr id="3" name="Notes Placeholder 2"/>
+          <p:cNvSpPr>
+            <a:spLocks noGrp="1"/>
+          </p:cNvSpPr>
+          <p:nvPr>
+            <p:ph type="body" idx="1"/>
+          </p:nvPr>
+        </p:nvSpPr>
+        <p:spPr/>
+        <p:txBody>
+          <a:bodyPr/>
+          <a:lstStyle/>
+          <a:p>
+            <a:pPr algn="ctr"/>
+            <a:r>
+              <a:rPr lang="en-US" sz="1200" b="1" dirty="0">
+                <a:latin typeface="+mn-lt"/>
+                <a:cs typeface="Arial" panose="020B0604020202020204" pitchFamily="34" charset="0"/>
+              </a:rPr>
+              <a:t>Showcase Interesting and Innovative Aspects of Your Workflow.</a:t>
+            </a:r>
+          </a:p>
+          <a:p>
+            <a:pPr algn="ctr"/>
+            <a:endParaRPr lang="en-US" sz="1200" b="1" dirty="0">
+              <a:latin typeface="+mn-lt"/>
+              <a:cs typeface="Arial" panose="020B0604020202020204" pitchFamily="34" charset="0"/>
+            </a:endParaRPr>
+          </a:p>
+          <a:p>
+            <a:pPr algn="ctr"/>
+            <a:r>
+              <a:rPr lang="en-US" sz="1200" b="1" dirty="0">
+                <a:latin typeface="+mn-lt"/>
+                <a:cs typeface="Arial" panose="020B0604020202020204" pitchFamily="34" charset="0"/>
+              </a:rPr>
+              <a:t>State and Defend Modeling Decisions</a:t>
+            </a:r>
+          </a:p>
+          <a:p>
+            <a:pPr algn="ctr"/>
+            <a:endParaRPr lang="en-US" sz="1200" b="1" dirty="0">
+              <a:latin typeface="+mn-lt"/>
+              <a:cs typeface="Arial" panose="020B0604020202020204" pitchFamily="34" charset="0"/>
+            </a:endParaRPr>
+          </a:p>
+          <a:p>
+            <a:pPr algn="ctr"/>
+            <a:r>
+              <a:rPr lang="en-US" sz="1200" b="1" dirty="0">
+                <a:latin typeface="+mn-lt"/>
+                <a:cs typeface="Arial" panose="020B0604020202020204" pitchFamily="34" charset="0"/>
+              </a:rPr>
+              <a:t>Discuss Critical Results and Learnings for Workflow Steps</a:t>
+            </a:r>
+          </a:p>
+          <a:p>
+            <a:pPr algn="ctr"/>
+            <a:endParaRPr lang="en-US" sz="1200" b="1" dirty="0">
+              <a:latin typeface="+mn-lt"/>
+              <a:cs typeface="Arial" panose="020B0604020202020204" pitchFamily="34" charset="0"/>
+            </a:endParaRPr>
+          </a:p>
+          <a:p>
+            <a:pPr algn="ctr"/>
+            <a:r>
+              <a:rPr lang="en-US" sz="1200" b="1" dirty="0">
+                <a:latin typeface="+mn-lt"/>
+                <a:cs typeface="Arial" panose="020B0604020202020204" pitchFamily="34" charset="0"/>
+              </a:rPr>
+              <a:t>Captions for all Figures</a:t>
+            </a:r>
+          </a:p>
+          <a:p>
+            <a:pPr algn="ctr"/>
+            <a:endParaRPr lang="en-US" sz="1200" b="1" dirty="0">
+              <a:latin typeface="+mn-lt"/>
+              <a:cs typeface="Arial" panose="020B0604020202020204" pitchFamily="34" charset="0"/>
+            </a:endParaRPr>
+          </a:p>
+          <a:p>
+            <a:pPr algn="ctr"/>
+            <a:r>
+              <a:rPr lang="en-US" sz="1200" b="1" dirty="0">
+                <a:latin typeface="+mn-lt"/>
+                <a:cs typeface="Arial" panose="020B0604020202020204" pitchFamily="34" charset="0"/>
+              </a:rPr>
+              <a:t>Concise Text on Slides to Explain the Main Points</a:t>
+            </a:r>
+          </a:p>
+          <a:p>
+            <a:endParaRPr lang="en-US" dirty="0"/>
+          </a:p>
+        </p:txBody>
+      </p:sp>
+      <p:sp>
+        <p:nvSpPr>
+          <p:cNvPr id="4" name="Slide Number Placeholder 3"/>
+          <p:cNvSpPr>
+            <a:spLocks noGrp="1"/>
+          </p:cNvSpPr>
+          <p:nvPr>
+            <p:ph type="sldNum" sz="quarter" idx="5"/>
+          </p:nvPr>
+        </p:nvSpPr>
+        <p:spPr/>
+        <p:txBody>
+          <a:bodyPr/>
+          <a:lstStyle/>
+          <a:p>
+            <a:fld id="{D11CC7E6-B446-F548-8841-94B308AA320D}" type="slidenum">
+              <a:rPr lang="en-US" smtClean="0"/>
+              <a:t>5</a:t>
+            </a:fld>
+            <a:endParaRPr lang="en-US"/>
+          </a:p>
+        </p:txBody>
+      </p:sp>
+    </p:spTree>
+    <p:extLst>
+      <p:ext uri="{BB962C8B-B14F-4D97-AF65-F5344CB8AC3E}">
+        <p14:creationId xmlns:p14="http://schemas.microsoft.com/office/powerpoint/2010/main" val="1104930004"/>
+      </p:ext>
+    </p:extLst>
+  </p:cSld>
+  <p:clrMapOvr>
+    <a:masterClrMapping/>
+  </p:clrMapOvr>
+</p:notes>
+</file>
+
+<file path=ppt/notesSlides/notesSlide4.xml><?xml version="1.0" encoding="utf-8"?>
+<p:notes xmlns:a="http://schemas.openxmlformats.org/drawingml/2006/main" xmlns:r="http://schemas.openxmlformats.org/officeDocument/2006/relationships" xmlns:p="http://schemas.openxmlformats.org/presentationml/2006/main">
+  <p:cSld>
+    <p:spTree>
+      <p:nvGrpSpPr>
+        <p:cNvPr id="1" name=""/>
+        <p:cNvGrpSpPr/>
+        <p:nvPr/>
+      </p:nvGrpSpPr>
+      <p:grpSpPr>
+        <a:xfrm>
+          <a:off x="0" y="0"/>
+          <a:ext cx="0" cy="0"/>
+          <a:chOff x="0" y="0"/>
+          <a:chExt cx="0" cy="0"/>
+        </a:xfrm>
+      </p:grpSpPr>
+      <p:sp>
+        <p:nvSpPr>
+          <p:cNvPr id="2" name="Slide Image Placeholder 1"/>
+          <p:cNvSpPr>
+            <a:spLocks noGrp="1" noRot="1" noChangeAspect="1"/>
+          </p:cNvSpPr>
+          <p:nvPr>
+            <p:ph type="sldImg"/>
+          </p:nvPr>
+        </p:nvSpPr>
+        <p:spPr/>
+      </p:sp>
+      <p:sp>
+        <p:nvSpPr>
+          <p:cNvPr id="3" name="Notes Placeholder 2"/>
+          <p:cNvSpPr>
+            <a:spLocks noGrp="1"/>
+          </p:cNvSpPr>
+          <p:nvPr>
+            <p:ph type="body" idx="1"/>
+          </p:nvPr>
+        </p:nvSpPr>
+        <p:spPr/>
+        <p:txBody>
+          <a:bodyPr/>
+          <a:lstStyle/>
+          <a:p>
+            <a:pPr algn="ctr"/>
+            <a:r>
+              <a:rPr lang="en-US" sz="1200" b="1" dirty="0">
+                <a:latin typeface="+mn-lt"/>
+                <a:cs typeface="Arial" panose="020B0604020202020204" pitchFamily="34" charset="0"/>
+              </a:rPr>
+              <a:t>Showcase Interesting and Innovative Aspects of Your Workflow.</a:t>
+            </a:r>
+          </a:p>
+          <a:p>
+            <a:pPr algn="ctr"/>
+            <a:endParaRPr lang="en-US" sz="1200" b="1" dirty="0">
+              <a:latin typeface="+mn-lt"/>
+              <a:cs typeface="Arial" panose="020B0604020202020204" pitchFamily="34" charset="0"/>
+            </a:endParaRPr>
+          </a:p>
+          <a:p>
+            <a:pPr algn="ctr"/>
+            <a:r>
+              <a:rPr lang="en-US" sz="1200" b="1" dirty="0">
+                <a:latin typeface="+mn-lt"/>
+                <a:cs typeface="Arial" panose="020B0604020202020204" pitchFamily="34" charset="0"/>
+              </a:rPr>
+              <a:t>State and Defend Modeling Decisions</a:t>
+            </a:r>
+          </a:p>
+          <a:p>
+            <a:pPr algn="ctr"/>
+            <a:endParaRPr lang="en-US" sz="1200" b="1" dirty="0">
+              <a:latin typeface="+mn-lt"/>
+              <a:cs typeface="Arial" panose="020B0604020202020204" pitchFamily="34" charset="0"/>
+            </a:endParaRPr>
+          </a:p>
+          <a:p>
+            <a:pPr algn="ctr"/>
+            <a:r>
+              <a:rPr lang="en-US" sz="1200" b="1" dirty="0">
+                <a:latin typeface="+mn-lt"/>
+                <a:cs typeface="Arial" panose="020B0604020202020204" pitchFamily="34" charset="0"/>
+              </a:rPr>
+              <a:t>Discuss Critical Results and Learnings for Workflow Steps</a:t>
+            </a:r>
+          </a:p>
+          <a:p>
+            <a:pPr algn="ctr"/>
+            <a:endParaRPr lang="en-US" sz="1200" b="1" dirty="0">
+              <a:latin typeface="+mn-lt"/>
+              <a:cs typeface="Arial" panose="020B0604020202020204" pitchFamily="34" charset="0"/>
+            </a:endParaRPr>
+          </a:p>
+          <a:p>
+            <a:pPr algn="ctr"/>
+            <a:r>
+              <a:rPr lang="en-US" sz="1200" b="1" dirty="0">
+                <a:latin typeface="+mn-lt"/>
+                <a:cs typeface="Arial" panose="020B0604020202020204" pitchFamily="34" charset="0"/>
+              </a:rPr>
+              <a:t>Captions for all Figures</a:t>
+            </a:r>
+          </a:p>
+          <a:p>
+            <a:pPr algn="ctr"/>
+            <a:endParaRPr lang="en-US" sz="1200" b="1" dirty="0">
+              <a:latin typeface="+mn-lt"/>
+              <a:cs typeface="Arial" panose="020B0604020202020204" pitchFamily="34" charset="0"/>
+            </a:endParaRPr>
+          </a:p>
+          <a:p>
+            <a:pPr algn="ctr"/>
+            <a:r>
+              <a:rPr lang="en-US" sz="1200" b="1" dirty="0">
+                <a:latin typeface="+mn-lt"/>
+                <a:cs typeface="Arial" panose="020B0604020202020204" pitchFamily="34" charset="0"/>
+              </a:rPr>
+              <a:t>Concise Text on Slides to Explain the Main Points</a:t>
+            </a:r>
+          </a:p>
+          <a:p>
+            <a:endParaRPr lang="en-US" dirty="0"/>
+          </a:p>
+        </p:txBody>
+      </p:sp>
+      <p:sp>
+        <p:nvSpPr>
+          <p:cNvPr id="4" name="Slide Number Placeholder 3"/>
+          <p:cNvSpPr>
+            <a:spLocks noGrp="1"/>
+          </p:cNvSpPr>
+          <p:nvPr>
+            <p:ph type="sldNum" sz="quarter" idx="5"/>
+          </p:nvPr>
+        </p:nvSpPr>
+        <p:spPr/>
+        <p:txBody>
+          <a:bodyPr/>
+          <a:lstStyle/>
+          <a:p>
+            <a:fld id="{D11CC7E6-B446-F548-8841-94B308AA320D}" type="slidenum">
+              <a:rPr lang="en-US" smtClean="0"/>
+              <a:t>6</a:t>
+            </a:fld>
+            <a:endParaRPr lang="en-US"/>
+          </a:p>
+        </p:txBody>
+      </p:sp>
+    </p:spTree>
+    <p:extLst>
+      <p:ext uri="{BB962C8B-B14F-4D97-AF65-F5344CB8AC3E}">
+        <p14:creationId xmlns:p14="http://schemas.microsoft.com/office/powerpoint/2010/main" val="3553755173"/>
+      </p:ext>
+    </p:extLst>
+  </p:cSld>
+  <p:clrMapOvr>
+    <a:masterClrMapping/>
+  </p:clrMapOvr>
+</p:notes>
+</file>
+
+<file path=ppt/notesSlides/notesSlide5.xml><?xml version="1.0" encoding="utf-8"?>
+<p:notes xmlns:a="http://schemas.openxmlformats.org/drawingml/2006/main" xmlns:r="http://schemas.openxmlformats.org/officeDocument/2006/relationships" xmlns:p="http://schemas.openxmlformats.org/presentationml/2006/main">
+  <p:cSld>
+    <p:spTree>
+      <p:nvGrpSpPr>
+        <p:cNvPr id="1" name=""/>
+        <p:cNvGrpSpPr/>
+        <p:nvPr/>
+      </p:nvGrpSpPr>
+      <p:grpSpPr>
+        <a:xfrm>
+          <a:off x="0" y="0"/>
+          <a:ext cx="0" cy="0"/>
+          <a:chOff x="0" y="0"/>
+          <a:chExt cx="0" cy="0"/>
+        </a:xfrm>
+      </p:grpSpPr>
+      <p:sp>
+        <p:nvSpPr>
+          <p:cNvPr id="2" name="Slide Image Placeholder 1"/>
+          <p:cNvSpPr>
+            <a:spLocks noGrp="1" noRot="1" noChangeAspect="1"/>
+          </p:cNvSpPr>
+          <p:nvPr>
+            <p:ph type="sldImg"/>
+          </p:nvPr>
+        </p:nvSpPr>
+        <p:spPr/>
+      </p:sp>
+      <p:sp>
+        <p:nvSpPr>
+          <p:cNvPr id="3" name="Notes Placeholder 2"/>
+          <p:cNvSpPr>
+            <a:spLocks noGrp="1"/>
+          </p:cNvSpPr>
+          <p:nvPr>
+            <p:ph type="body" idx="1"/>
+          </p:nvPr>
+        </p:nvSpPr>
+        <p:spPr/>
+        <p:txBody>
+          <a:bodyPr/>
+          <a:lstStyle/>
+          <a:p>
+            <a:pPr algn="ctr"/>
+            <a:r>
+              <a:rPr lang="en-US" sz="1200" b="1" dirty="0">
+                <a:latin typeface="+mn-lt"/>
+                <a:cs typeface="Arial" panose="020B0604020202020204" pitchFamily="34" charset="0"/>
+              </a:rPr>
+              <a:t>Showcase Interesting and Innovative Aspects of Your Workflow.</a:t>
+            </a:r>
+          </a:p>
+          <a:p>
+            <a:pPr algn="ctr"/>
+            <a:endParaRPr lang="en-US" sz="1200" b="1" dirty="0">
+              <a:latin typeface="+mn-lt"/>
+              <a:cs typeface="Arial" panose="020B0604020202020204" pitchFamily="34" charset="0"/>
+            </a:endParaRPr>
+          </a:p>
+          <a:p>
+            <a:pPr algn="ctr"/>
+            <a:r>
+              <a:rPr lang="en-US" sz="1200" b="1" dirty="0">
+                <a:latin typeface="+mn-lt"/>
+                <a:cs typeface="Arial" panose="020B0604020202020204" pitchFamily="34" charset="0"/>
+              </a:rPr>
+              <a:t>State and Defend Modeling Decisions</a:t>
+            </a:r>
+          </a:p>
+          <a:p>
+            <a:pPr algn="ctr"/>
+            <a:endParaRPr lang="en-US" sz="1200" b="1" dirty="0">
+              <a:latin typeface="+mn-lt"/>
+              <a:cs typeface="Arial" panose="020B0604020202020204" pitchFamily="34" charset="0"/>
+            </a:endParaRPr>
+          </a:p>
+          <a:p>
+            <a:pPr algn="ctr"/>
+            <a:r>
+              <a:rPr lang="en-US" sz="1200" b="1" dirty="0">
+                <a:latin typeface="+mn-lt"/>
+                <a:cs typeface="Arial" panose="020B0604020202020204" pitchFamily="34" charset="0"/>
+              </a:rPr>
+              <a:t>Discuss Critical Results and Learnings for Workflow Steps</a:t>
+            </a:r>
+          </a:p>
+          <a:p>
+            <a:pPr algn="ctr"/>
+            <a:endParaRPr lang="en-US" sz="1200" b="1" dirty="0">
+              <a:latin typeface="+mn-lt"/>
+              <a:cs typeface="Arial" panose="020B0604020202020204" pitchFamily="34" charset="0"/>
+            </a:endParaRPr>
+          </a:p>
+          <a:p>
+            <a:pPr algn="ctr"/>
+            <a:r>
+              <a:rPr lang="en-US" sz="1200" b="1" dirty="0">
+                <a:latin typeface="+mn-lt"/>
+                <a:cs typeface="Arial" panose="020B0604020202020204" pitchFamily="34" charset="0"/>
+              </a:rPr>
+              <a:t>Captions for all Figures</a:t>
+            </a:r>
+          </a:p>
+          <a:p>
+            <a:pPr algn="ctr"/>
+            <a:endParaRPr lang="en-US" sz="1200" b="1" dirty="0">
+              <a:latin typeface="+mn-lt"/>
+              <a:cs typeface="Arial" panose="020B0604020202020204" pitchFamily="34" charset="0"/>
+            </a:endParaRPr>
+          </a:p>
+          <a:p>
+            <a:pPr algn="ctr"/>
+            <a:r>
+              <a:rPr lang="en-US" sz="1200" b="1" dirty="0">
+                <a:latin typeface="+mn-lt"/>
+                <a:cs typeface="Arial" panose="020B0604020202020204" pitchFamily="34" charset="0"/>
+              </a:rPr>
+              <a:t>Concise Text on Slides to Explain the Main Points</a:t>
+            </a:r>
+          </a:p>
+          <a:p>
+            <a:endParaRPr lang="en-US" dirty="0"/>
+          </a:p>
+        </p:txBody>
+      </p:sp>
+      <p:sp>
+        <p:nvSpPr>
+          <p:cNvPr id="4" name="Slide Number Placeholder 3"/>
+          <p:cNvSpPr>
+            <a:spLocks noGrp="1"/>
+          </p:cNvSpPr>
+          <p:nvPr>
+            <p:ph type="sldNum" sz="quarter" idx="5"/>
+          </p:nvPr>
+        </p:nvSpPr>
+        <p:spPr/>
+        <p:txBody>
+          <a:bodyPr/>
+          <a:lstStyle/>
+          <a:p>
+            <a:fld id="{D11CC7E6-B446-F548-8841-94B308AA320D}" type="slidenum">
+              <a:rPr lang="en-US" smtClean="0"/>
+              <a:t>7</a:t>
+            </a:fld>
+            <a:endParaRPr lang="en-US"/>
+          </a:p>
+        </p:txBody>
+      </p:sp>
+    </p:spTree>
+    <p:extLst>
+      <p:ext uri="{BB962C8B-B14F-4D97-AF65-F5344CB8AC3E}">
+        <p14:creationId xmlns:p14="http://schemas.microsoft.com/office/powerpoint/2010/main" val="2623302391"/>
+      </p:ext>
+    </p:extLst>
+  </p:cSld>
+  <p:clrMapOvr>
+    <a:masterClrMapping/>
+  </p:clrMapOvr>
+</p:notes>
+</file>
+
+<file path=ppt/notesSlides/notesSlide6.xml><?xml version="1.0" encoding="utf-8"?>
+<p:notes xmlns:a="http://schemas.openxmlformats.org/drawingml/2006/main" xmlns:r="http://schemas.openxmlformats.org/officeDocument/2006/relationships" xmlns:p="http://schemas.openxmlformats.org/presentationml/2006/main">
+  <p:cSld>
+    <p:spTree>
+      <p:nvGrpSpPr>
+        <p:cNvPr id="1" name=""/>
+        <p:cNvGrpSpPr/>
+        <p:nvPr/>
+      </p:nvGrpSpPr>
+      <p:grpSpPr>
+        <a:xfrm>
+          <a:off x="0" y="0"/>
+          <a:ext cx="0" cy="0"/>
+          <a:chOff x="0" y="0"/>
+          <a:chExt cx="0" cy="0"/>
+        </a:xfrm>
+      </p:grpSpPr>
+      <p:sp>
+        <p:nvSpPr>
+          <p:cNvPr id="2" name="Slide Image Placeholder 1"/>
+          <p:cNvSpPr>
+            <a:spLocks noGrp="1" noRot="1" noChangeAspect="1"/>
+          </p:cNvSpPr>
+          <p:nvPr>
+            <p:ph type="sldImg"/>
+          </p:nvPr>
+        </p:nvSpPr>
+        <p:spPr/>
+      </p:sp>
+      <p:sp>
+        <p:nvSpPr>
+          <p:cNvPr id="3" name="Notes Placeholder 2"/>
+          <p:cNvSpPr>
+            <a:spLocks noGrp="1"/>
+          </p:cNvSpPr>
+          <p:nvPr>
+            <p:ph type="body" idx="1"/>
+          </p:nvPr>
+        </p:nvSpPr>
+        <p:spPr/>
+        <p:txBody>
+          <a:bodyPr/>
+          <a:lstStyle/>
+          <a:p>
+            <a:pPr algn="ctr"/>
+            <a:r>
+              <a:rPr lang="en-US" sz="1200" b="1" dirty="0">
+                <a:latin typeface="+mn-lt"/>
+                <a:cs typeface="Arial" panose="020B0604020202020204" pitchFamily="34" charset="0"/>
+              </a:rPr>
+              <a:t>Showcase Interesting and Innovative Aspects of Your Workflow.</a:t>
+            </a:r>
+          </a:p>
+          <a:p>
+            <a:pPr algn="ctr"/>
+            <a:endParaRPr lang="en-US" sz="1200" b="1" dirty="0">
+              <a:latin typeface="+mn-lt"/>
+              <a:cs typeface="Arial" panose="020B0604020202020204" pitchFamily="34" charset="0"/>
+            </a:endParaRPr>
+          </a:p>
+          <a:p>
+            <a:pPr algn="ctr"/>
+            <a:r>
+              <a:rPr lang="en-US" sz="1200" b="1" dirty="0">
+                <a:latin typeface="+mn-lt"/>
+                <a:cs typeface="Arial" panose="020B0604020202020204" pitchFamily="34" charset="0"/>
+              </a:rPr>
+              <a:t>State and Defend Modeling Decisions</a:t>
+            </a:r>
+          </a:p>
+          <a:p>
+            <a:pPr algn="ctr"/>
+            <a:endParaRPr lang="en-US" sz="1200" b="1" dirty="0">
+              <a:latin typeface="+mn-lt"/>
+              <a:cs typeface="Arial" panose="020B0604020202020204" pitchFamily="34" charset="0"/>
+            </a:endParaRPr>
+          </a:p>
+          <a:p>
+            <a:pPr algn="ctr"/>
+            <a:r>
+              <a:rPr lang="en-US" sz="1200" b="1" dirty="0">
+                <a:latin typeface="+mn-lt"/>
+                <a:cs typeface="Arial" panose="020B0604020202020204" pitchFamily="34" charset="0"/>
+              </a:rPr>
+              <a:t>Discuss Critical Results and Learnings for Workflow Steps</a:t>
+            </a:r>
+          </a:p>
+          <a:p>
+            <a:pPr algn="ctr"/>
+            <a:endParaRPr lang="en-US" sz="1200" b="1" dirty="0">
+              <a:latin typeface="+mn-lt"/>
+              <a:cs typeface="Arial" panose="020B0604020202020204" pitchFamily="34" charset="0"/>
+            </a:endParaRPr>
+          </a:p>
+          <a:p>
+            <a:pPr algn="ctr"/>
+            <a:r>
+              <a:rPr lang="en-US" sz="1200" b="1" dirty="0">
+                <a:latin typeface="+mn-lt"/>
+                <a:cs typeface="Arial" panose="020B0604020202020204" pitchFamily="34" charset="0"/>
+              </a:rPr>
+              <a:t>Captions for all Figures</a:t>
+            </a:r>
+          </a:p>
+          <a:p>
+            <a:pPr algn="ctr"/>
+            <a:endParaRPr lang="en-US" sz="1200" b="1" dirty="0">
+              <a:latin typeface="+mn-lt"/>
+              <a:cs typeface="Arial" panose="020B0604020202020204" pitchFamily="34" charset="0"/>
+            </a:endParaRPr>
+          </a:p>
+          <a:p>
+            <a:pPr algn="ctr"/>
+            <a:r>
+              <a:rPr lang="en-US" sz="1200" b="1" dirty="0">
+                <a:latin typeface="+mn-lt"/>
+                <a:cs typeface="Arial" panose="020B0604020202020204" pitchFamily="34" charset="0"/>
+              </a:rPr>
+              <a:t>Concise Text on Slides to Explain the Main Points</a:t>
+            </a:r>
+          </a:p>
+          <a:p>
+            <a:endParaRPr lang="en-US" dirty="0"/>
+          </a:p>
+        </p:txBody>
+      </p:sp>
+      <p:sp>
+        <p:nvSpPr>
+          <p:cNvPr id="4" name="Slide Number Placeholder 3"/>
+          <p:cNvSpPr>
+            <a:spLocks noGrp="1"/>
+          </p:cNvSpPr>
+          <p:nvPr>
+            <p:ph type="sldNum" sz="quarter" idx="5"/>
+          </p:nvPr>
+        </p:nvSpPr>
+        <p:spPr/>
+        <p:txBody>
+          <a:bodyPr/>
+          <a:lstStyle/>
+          <a:p>
+            <a:fld id="{D11CC7E6-B446-F548-8841-94B308AA320D}" type="slidenum">
+              <a:rPr lang="en-US" smtClean="0"/>
+              <a:t>8</a:t>
+            </a:fld>
+            <a:endParaRPr lang="en-US"/>
+          </a:p>
+        </p:txBody>
+      </p:sp>
+    </p:spTree>
+    <p:extLst>
+      <p:ext uri="{BB962C8B-B14F-4D97-AF65-F5344CB8AC3E}">
+        <p14:creationId xmlns:p14="http://schemas.microsoft.com/office/powerpoint/2010/main" val="1673111240"/>
+      </p:ext>
+    </p:extLst>
+  </p:cSld>
+  <p:clrMapOvr>
+    <a:masterClrMapping/>
+  </p:clrMapOvr>
+</p:notes>
+</file>
+
 <file path=ppt/slideLayouts/slideLayout1.xml><?xml version="1.0" encoding="utf-8"?>
 <p:sldLayout xmlns:a="http://schemas.openxmlformats.org/drawingml/2006/main" xmlns:r="http://schemas.openxmlformats.org/officeDocument/2006/relationships" xmlns:p="http://schemas.openxmlformats.org/presentationml/2006/main" preserve="1" userDrawn="1">
   <p:cSld name="Title Slide">
@@ -886,17 +1787,17 @@
           <a:noFill/>
           <a:extLst>
             <a:ext uri="{FAA26D3D-D897-4be2-8F04-BA451C77F1D7}">
-              <ma14:placeholderFlag xmlns:ma14="http://schemas.microsoft.com/office/mac/drawingml/2011/main" xmlns="" val="1"/>
+              <ma14:placeholderFlag xmlns="" xmlns:ma14="http://schemas.microsoft.com/office/mac/drawingml/2011/main" val="1"/>
             </a:ext>
             <a:ext uri="{909E8E84-426E-40dd-AFC4-6F175D3DCCD1}">
-              <a14:hiddenFill xmlns="" xmlns:a14="http://schemas.microsoft.com/office/drawing/2010/main">
+              <a14:hiddenFill xmlns:a14="http://schemas.microsoft.com/office/drawing/2010/main" xmlns="">
                 <a:solidFill>
                   <a:srgbClr val="FFFFFF"/>
                 </a:solidFill>
               </a14:hiddenFill>
             </a:ext>
             <a:ext uri="{91240B29-F687-4f45-9708-019B960494DF}">
-              <a14:hiddenLine xmlns="" xmlns:a14="http://schemas.microsoft.com/office/drawing/2010/main" w="9525">
+              <a14:hiddenLine xmlns:a14="http://schemas.microsoft.com/office/drawing/2010/main" xmlns="" w="9525">
                 <a:solidFill>
                   <a:srgbClr val="000000"/>
                 </a:solidFill>
@@ -1038,17 +1939,17 @@
           <a:noFill/>
           <a:extLst>
             <a:ext uri="{FAA26D3D-D897-4be2-8F04-BA451C77F1D7}">
-              <ma14:placeholderFlag xmlns:ma14="http://schemas.microsoft.com/office/mac/drawingml/2011/main" xmlns="" val="1"/>
+              <ma14:placeholderFlag xmlns="" xmlns:ma14="http://schemas.microsoft.com/office/mac/drawingml/2011/main" val="1"/>
             </a:ext>
             <a:ext uri="{909E8E84-426E-40dd-AFC4-6F175D3DCCD1}">
-              <a14:hiddenFill xmlns="" xmlns:a14="http://schemas.microsoft.com/office/drawing/2010/main">
+              <a14:hiddenFill xmlns:a14="http://schemas.microsoft.com/office/drawing/2010/main" xmlns="">
                 <a:solidFill>
                   <a:srgbClr val="FFFFFF"/>
                 </a:solidFill>
               </a14:hiddenFill>
             </a:ext>
             <a:ext uri="{91240B29-F687-4f45-9708-019B960494DF}">
-              <a14:hiddenLine xmlns="" xmlns:a14="http://schemas.microsoft.com/office/drawing/2010/main" w="9525">
+              <a14:hiddenLine xmlns:a14="http://schemas.microsoft.com/office/drawing/2010/main" xmlns="" w="9525">
                 <a:solidFill>
                   <a:srgbClr val="000000"/>
                 </a:solidFill>
@@ -1189,17 +2090,17 @@
           <a:noFill/>
           <a:extLst>
             <a:ext uri="{FAA26D3D-D897-4be2-8F04-BA451C77F1D7}">
-              <ma14:placeholderFlag xmlns:ma14="http://schemas.microsoft.com/office/mac/drawingml/2011/main" xmlns="" val="1"/>
+              <ma14:placeholderFlag xmlns="" xmlns:ma14="http://schemas.microsoft.com/office/mac/drawingml/2011/main" val="1"/>
             </a:ext>
             <a:ext uri="{909E8E84-426E-40dd-AFC4-6F175D3DCCD1}">
-              <a14:hiddenFill xmlns="" xmlns:a14="http://schemas.microsoft.com/office/drawing/2010/main">
+              <a14:hiddenFill xmlns:a14="http://schemas.microsoft.com/office/drawing/2010/main" xmlns="">
                 <a:solidFill>
                   <a:srgbClr val="FFFFFF"/>
                 </a:solidFill>
               </a14:hiddenFill>
             </a:ext>
             <a:ext uri="{91240B29-F687-4f45-9708-019B960494DF}">
-              <a14:hiddenLine xmlns="" xmlns:a14="http://schemas.microsoft.com/office/drawing/2010/main" w="9525">
+              <a14:hiddenLine xmlns:a14="http://schemas.microsoft.com/office/drawing/2010/main" xmlns="" w="9525">
                 <a:solidFill>
                   <a:srgbClr val="000000"/>
                 </a:solidFill>
@@ -1478,14 +2379,14 @@
           </a:ln>
           <a:extLst>
             <a:ext uri="{909E8E84-426E-40dd-AFC4-6F175D3DCCD1}">
-              <a14:hiddenFill xmlns="" xmlns:a14="http://schemas.microsoft.com/office/drawing/2010/main">
+              <a14:hiddenFill xmlns:a14="http://schemas.microsoft.com/office/drawing/2010/main" xmlns="">
                 <a:solidFill>
                   <a:srgbClr val="FFFFFF"/>
                 </a:solidFill>
               </a14:hiddenFill>
             </a:ext>
             <a:ext uri="{91240B29-F687-4f45-9708-019B960494DF}">
-              <a14:hiddenLine xmlns="" xmlns:a14="http://schemas.microsoft.com/office/drawing/2010/main" w="9525">
+              <a14:hiddenLine xmlns:a14="http://schemas.microsoft.com/office/drawing/2010/main" xmlns="" w="9525">
                 <a:solidFill>
                   <a:srgbClr val="000000"/>
                 </a:solidFill>
@@ -1548,17 +2449,17 @@
           <a:noFill/>
           <a:extLst>
             <a:ext uri="{FAA26D3D-D897-4be2-8F04-BA451C77F1D7}">
-              <ma14:placeholderFlag xmlns:ma14="http://schemas.microsoft.com/office/mac/drawingml/2011/main" xmlns="" val="1"/>
+              <ma14:placeholderFlag xmlns="" xmlns:ma14="http://schemas.microsoft.com/office/mac/drawingml/2011/main" val="1"/>
             </a:ext>
             <a:ext uri="{909E8E84-426E-40dd-AFC4-6F175D3DCCD1}">
-              <a14:hiddenFill xmlns="" xmlns:a14="http://schemas.microsoft.com/office/drawing/2010/main">
+              <a14:hiddenFill xmlns:a14="http://schemas.microsoft.com/office/drawing/2010/main" xmlns="">
                 <a:solidFill>
                   <a:srgbClr val="FFFFFF"/>
                 </a:solidFill>
               </a14:hiddenFill>
             </a:ext>
             <a:ext uri="{91240B29-F687-4f45-9708-019B960494DF}">
-              <a14:hiddenLine xmlns="" xmlns:a14="http://schemas.microsoft.com/office/drawing/2010/main" w="9525">
+              <a14:hiddenLine xmlns:a14="http://schemas.microsoft.com/office/drawing/2010/main" xmlns="" w="9525">
                 <a:solidFill>
                   <a:srgbClr val="000000"/>
                 </a:solidFill>
@@ -1699,17 +2600,17 @@
           <a:noFill/>
           <a:extLst>
             <a:ext uri="{FAA26D3D-D897-4be2-8F04-BA451C77F1D7}">
-              <ma14:placeholderFlag xmlns:ma14="http://schemas.microsoft.com/office/mac/drawingml/2011/main" xmlns="" val="1"/>
+              <ma14:placeholderFlag xmlns="" xmlns:ma14="http://schemas.microsoft.com/office/mac/drawingml/2011/main" val="1"/>
             </a:ext>
             <a:ext uri="{909E8E84-426E-40dd-AFC4-6F175D3DCCD1}">
-              <a14:hiddenFill xmlns="" xmlns:a14="http://schemas.microsoft.com/office/drawing/2010/main">
+              <a14:hiddenFill xmlns:a14="http://schemas.microsoft.com/office/drawing/2010/main" xmlns="">
                 <a:solidFill>
                   <a:srgbClr val="FFFFFF"/>
                 </a:solidFill>
               </a14:hiddenFill>
             </a:ext>
             <a:ext uri="{91240B29-F687-4f45-9708-019B960494DF}">
-              <a14:hiddenLine xmlns="" xmlns:a14="http://schemas.microsoft.com/office/drawing/2010/main" w="9525">
+              <a14:hiddenLine xmlns:a14="http://schemas.microsoft.com/office/drawing/2010/main" xmlns="" w="9525">
                 <a:solidFill>
                   <a:srgbClr val="000000"/>
                 </a:solidFill>
@@ -1881,17 +2782,17 @@
           <a:noFill/>
           <a:extLst>
             <a:ext uri="{FAA26D3D-D897-4be2-8F04-BA451C77F1D7}">
-              <ma14:placeholderFlag xmlns:ma14="http://schemas.microsoft.com/office/mac/drawingml/2011/main" xmlns="" val="1"/>
+              <ma14:placeholderFlag xmlns="" xmlns:ma14="http://schemas.microsoft.com/office/mac/drawingml/2011/main" val="1"/>
             </a:ext>
             <a:ext uri="{909E8E84-426E-40dd-AFC4-6F175D3DCCD1}">
-              <a14:hiddenFill xmlns="" xmlns:a14="http://schemas.microsoft.com/office/drawing/2010/main">
+              <a14:hiddenFill xmlns:a14="http://schemas.microsoft.com/office/drawing/2010/main" xmlns="">
                 <a:solidFill>
                   <a:srgbClr val="FFFFFF"/>
                 </a:solidFill>
               </a14:hiddenFill>
             </a:ext>
             <a:ext uri="{91240B29-F687-4f45-9708-019B960494DF}">
-              <a14:hiddenLine xmlns="" xmlns:a14="http://schemas.microsoft.com/office/drawing/2010/main" w="9525">
+              <a14:hiddenLine xmlns:a14="http://schemas.microsoft.com/office/drawing/2010/main" xmlns="" w="9525">
                 <a:solidFill>
                   <a:srgbClr val="000000"/>
                 </a:solidFill>
@@ -3216,6 +4117,140 @@
 </p:sld>
 </file>
 
+<file path=ppt/slides/slide10.xml><?xml version="1.0" encoding="utf-8"?>
+<p:sld xmlns:a="http://schemas.openxmlformats.org/drawingml/2006/main" xmlns:r="http://schemas.openxmlformats.org/officeDocument/2006/relationships" xmlns:p="http://schemas.openxmlformats.org/presentationml/2006/main">
+  <p:cSld>
+    <p:spTree>
+      <p:nvGrpSpPr>
+        <p:cNvPr id="1" name=""/>
+        <p:cNvGrpSpPr/>
+        <p:nvPr/>
+      </p:nvGrpSpPr>
+      <p:grpSpPr>
+        <a:xfrm>
+          <a:off x="0" y="0"/>
+          <a:ext cx="0" cy="0"/>
+          <a:chOff x="0" y="0"/>
+          <a:chExt cx="0" cy="0"/>
+        </a:xfrm>
+      </p:grpSpPr>
+      <p:sp>
+        <p:nvSpPr>
+          <p:cNvPr id="9" name="TextBox 8">
+            <a:extLst>
+              <a:ext uri="{FF2B5EF4-FFF2-40B4-BE49-F238E27FC236}">
+                <a16:creationId xmlns:a16="http://schemas.microsoft.com/office/drawing/2014/main" id="{C3CAC856-1BBB-45BD-8E9F-47D8B49C9EFA}"/>
+              </a:ext>
+            </a:extLst>
+          </p:cNvPr>
+          <p:cNvSpPr txBox="1"/>
+          <p:nvPr/>
+        </p:nvSpPr>
+        <p:spPr>
+          <a:xfrm>
+            <a:off x="506027" y="857928"/>
+            <a:ext cx="8043169" cy="2985433"/>
+          </a:xfrm>
+          <a:prstGeom prst="rect">
+            <a:avLst/>
+          </a:prstGeom>
+          <a:noFill/>
+        </p:spPr>
+        <p:txBody>
+          <a:bodyPr wrap="square">
+            <a:spAutoFit/>
+          </a:bodyPr>
+          <a:lstStyle/>
+          <a:p>
+            <a:pPr algn="ctr"/>
+            <a:r>
+              <a:rPr lang="en-US" sz="2800" b="1" dirty="0">
+                <a:latin typeface="+mn-lt"/>
+                <a:cs typeface="Arial" panose="020B0604020202020204" pitchFamily="34" charset="0"/>
+              </a:rPr>
+              <a:t>Feedback</a:t>
+            </a:r>
+          </a:p>
+          <a:p>
+            <a:pPr algn="ctr"/>
+            <a:endParaRPr lang="en-US" sz="2000" b="1" dirty="0">
+              <a:latin typeface="+mn-lt"/>
+              <a:cs typeface="Arial" panose="020B0604020202020204" pitchFamily="34" charset="0"/>
+            </a:endParaRPr>
+          </a:p>
+          <a:p>
+            <a:pPr algn="ctr"/>
+            <a:endParaRPr lang="en-US" sz="2000" b="1" dirty="0">
+              <a:latin typeface="+mn-lt"/>
+              <a:cs typeface="Arial" panose="020B0604020202020204" pitchFamily="34" charset="0"/>
+            </a:endParaRPr>
+          </a:p>
+          <a:p>
+            <a:pPr algn="ctr"/>
+            <a:r>
+              <a:rPr lang="en-US" sz="2000" b="1" dirty="0">
+                <a:latin typeface="+mn-lt"/>
+                <a:cs typeface="Arial" panose="020B0604020202020204" pitchFamily="34" charset="0"/>
+              </a:rPr>
+              <a:t>What did your team learn?</a:t>
+            </a:r>
+          </a:p>
+          <a:p>
+            <a:pPr algn="ctr"/>
+            <a:endParaRPr lang="en-US" sz="2000" b="1" dirty="0">
+              <a:latin typeface="+mn-lt"/>
+              <a:cs typeface="Arial" panose="020B0604020202020204" pitchFamily="34" charset="0"/>
+            </a:endParaRPr>
+          </a:p>
+          <a:p>
+            <a:pPr algn="ctr"/>
+            <a:r>
+              <a:rPr lang="en-US" sz="2000" b="1" dirty="0">
+                <a:latin typeface="+mn-lt"/>
+                <a:cs typeface="Arial" panose="020B0604020202020204" pitchFamily="34" charset="0"/>
+              </a:rPr>
+              <a:t>What did your team like?</a:t>
+            </a:r>
+          </a:p>
+          <a:p>
+            <a:pPr algn="ctr"/>
+            <a:endParaRPr lang="en-US" sz="2000" b="1" dirty="0">
+              <a:latin typeface="+mn-lt"/>
+              <a:cs typeface="Arial" panose="020B0604020202020204" pitchFamily="34" charset="0"/>
+            </a:endParaRPr>
+          </a:p>
+          <a:p>
+            <a:pPr algn="ctr"/>
+            <a:r>
+              <a:rPr lang="en-US" sz="2000" b="1" dirty="0">
+                <a:latin typeface="+mn-lt"/>
+                <a:cs typeface="Arial" panose="020B0604020202020204" pitchFamily="34" charset="0"/>
+              </a:rPr>
+              <a:t>What could we do to improve next year?</a:t>
+            </a:r>
+          </a:p>
+          <a:p>
+            <a:pPr algn="ctr"/>
+            <a:endParaRPr lang="en-US" sz="2000" b="1" dirty="0">
+              <a:latin typeface="+mn-lt"/>
+              <a:cs typeface="Arial" panose="020B0604020202020204" pitchFamily="34" charset="0"/>
+            </a:endParaRPr>
+          </a:p>
+        </p:txBody>
+      </p:sp>
+    </p:spTree>
+    <p:extLst>
+      <p:ext uri="{BB962C8B-B14F-4D97-AF65-F5344CB8AC3E}">
+        <p14:creationId xmlns:p14="http://schemas.microsoft.com/office/powerpoint/2010/main" val="2099159860"/>
+      </p:ext>
+    </p:extLst>
+  </p:cSld>
+  <p:clrMapOvr>
+    <a:masterClrMapping/>
+  </p:clrMapOvr>
+</p:sld>
+</file>
+
 <file path=ppt/slides/slide2.xml><?xml version="1.0" encoding="utf-8"?>
 <p:sld xmlns:a="http://schemas.openxmlformats.org/drawingml/2006/main" xmlns:r="http://schemas.openxmlformats.org/officeDocument/2006/relationships" xmlns:p="http://schemas.openxmlformats.org/presentationml/2006/main">
   <p:cSld>
@@ -3247,8 +4282,8 @@
         </p:nvSpPr>
         <p:spPr>
           <a:xfrm>
-            <a:off x="506027" y="857928"/>
-            <a:ext cx="8043169" cy="2954655"/>
+            <a:off x="506027" y="848096"/>
+            <a:ext cx="8043169" cy="5755422"/>
           </a:xfrm>
           <a:prstGeom prst="rect">
             <a:avLst/>
@@ -3269,16 +4304,30 @@
               </a:rPr>
               <a:t>Executive Summary</a:t>
             </a:r>
-          </a:p>
-          <a:p>
-            <a:pPr algn="ctr"/>
             <a:endParaRPr lang="en-US" sz="2000" b="1" dirty="0">
               <a:latin typeface="+mn-lt"/>
               <a:cs typeface="Arial" panose="020B0604020202020204" pitchFamily="34" charset="0"/>
             </a:endParaRPr>
           </a:p>
           <a:p>
-            <a:pPr algn="ctr"/>
+            <a:r>
+              <a:rPr lang="en-US" sz="2000" b="1" dirty="0">
+                <a:latin typeface="+mn-lt"/>
+                <a:cs typeface="Arial" panose="020B0604020202020204" pitchFamily="34" charset="0"/>
+              </a:rPr>
+              <a:t>The Problem:</a:t>
+            </a:r>
+          </a:p>
+          <a:p>
+            <a:r>
+              <a:rPr lang="en-US" sz="2000" dirty="0">
+                <a:latin typeface="+mn-lt"/>
+                <a:cs typeface="Arial" panose="020B0604020202020204" pitchFamily="34" charset="0"/>
+              </a:rPr>
+              <a:t>Determine the optimum drilling spot for 3 new wells to maximize production over the next two years</a:t>
+            </a:r>
+          </a:p>
+          <a:p>
             <a:endParaRPr lang="en-US" sz="2000" b="1" dirty="0">
               <a:latin typeface="+mn-lt"/>
               <a:cs typeface="Arial" panose="020B0604020202020204" pitchFamily="34" charset="0"/>
@@ -3290,46 +4339,113 @@
                 <a:latin typeface="+mn-lt"/>
                 <a:cs typeface="Arial" panose="020B0604020202020204" pitchFamily="34" charset="0"/>
               </a:rPr>
-              <a:t>1. What is the problem?</a:t>
-            </a:r>
-          </a:p>
-          <a:p>
-            <a:r>
-              <a:rPr lang="en-US" sz="2000" b="1" dirty="0">
-                <a:latin typeface="+mn-lt"/>
-                <a:cs typeface="Arial" panose="020B0604020202020204" pitchFamily="34" charset="0"/>
-              </a:rPr>
-              <a:t>2. What did your team do to address the problem?</a:t>
-            </a:r>
-          </a:p>
-          <a:p>
-            <a:r>
-              <a:rPr lang="en-US" sz="2000" b="1" dirty="0">
-                <a:latin typeface="+mn-lt"/>
-                <a:cs typeface="Arial" panose="020B0604020202020204" pitchFamily="34" charset="0"/>
-              </a:rPr>
-              <a:t>3. What did your team learn?</a:t>
-            </a:r>
-          </a:p>
-          <a:p>
-            <a:r>
-              <a:rPr lang="en-US" sz="2000" b="1" dirty="0">
-                <a:latin typeface="+mn-lt"/>
-                <a:cs typeface="Arial" panose="020B0604020202020204" pitchFamily="34" charset="0"/>
-              </a:rPr>
-              <a:t>4. What does your team recommend going forward?</a:t>
-            </a:r>
-          </a:p>
-          <a:p>
-            <a:pPr algn="ctr"/>
+              <a:t>Our Approach:</a:t>
+            </a:r>
+          </a:p>
+          <a:p>
+            <a:pPr marL="342900" indent="-342900">
+              <a:buFont typeface="Arial" panose="020B0604020202020204" pitchFamily="34" charset="0"/>
+              <a:buChar char="•"/>
+            </a:pPr>
+            <a:r>
+              <a:rPr lang="en-US" sz="2000" dirty="0">
+                <a:latin typeface="+mn-lt"/>
+                <a:cs typeface="Arial" panose="020B0604020202020204" pitchFamily="34" charset="0"/>
+              </a:rPr>
+              <a:t>Analyzed AI data to see reservoir depletion trends </a:t>
+            </a:r>
+          </a:p>
+          <a:p>
+            <a:pPr marL="342900" indent="-342900">
+              <a:buFont typeface="Arial" panose="020B0604020202020204" pitchFamily="34" charset="0"/>
+              <a:buChar char="•"/>
+            </a:pPr>
+            <a:r>
+              <a:rPr lang="en-US" sz="2000" dirty="0">
+                <a:latin typeface="+mn-lt"/>
+                <a:cs typeface="Arial" panose="020B0604020202020204" pitchFamily="34" charset="0"/>
+              </a:rPr>
+              <a:t>Performed correlation analysis between features</a:t>
+            </a:r>
+          </a:p>
+          <a:p>
+            <a:pPr marL="342900" indent="-342900">
+              <a:buFont typeface="Arial" panose="020B0604020202020204" pitchFamily="34" charset="0"/>
+              <a:buChar char="•"/>
+            </a:pPr>
+            <a:r>
+              <a:rPr lang="en-US" sz="2000" dirty="0">
+                <a:latin typeface="+mn-lt"/>
+                <a:cs typeface="Arial" panose="020B0604020202020204" pitchFamily="34" charset="0"/>
+              </a:rPr>
+              <a:t>Created a model using interpolation and linear regression to predict the optimum new well locations</a:t>
+            </a:r>
+          </a:p>
+          <a:p>
             <a:endParaRPr lang="en-US" sz="2000" b="1" dirty="0">
               <a:latin typeface="+mn-lt"/>
               <a:cs typeface="Arial" panose="020B0604020202020204" pitchFamily="34" charset="0"/>
             </a:endParaRPr>
           </a:p>
           <a:p>
-            <a:pPr algn="ctr"/>
-            <a:endParaRPr lang="en-US" sz="1800" b="1" dirty="0">
+            <a:r>
+              <a:rPr lang="en-US" sz="2000" b="1" dirty="0">
+                <a:latin typeface="+mn-lt"/>
+                <a:cs typeface="Arial" panose="020B0604020202020204" pitchFamily="34" charset="0"/>
+              </a:rPr>
+              <a:t>What did we learn?</a:t>
+            </a:r>
+          </a:p>
+          <a:p>
+            <a:pPr marL="342900" indent="-342900">
+              <a:buFont typeface="Arial" panose="020B0604020202020204" pitchFamily="34" charset="0"/>
+              <a:buChar char="•"/>
+            </a:pPr>
+            <a:r>
+              <a:rPr lang="en-US" sz="2000" dirty="0">
+                <a:latin typeface="+mn-lt"/>
+                <a:cs typeface="Arial" panose="020B0604020202020204" pitchFamily="34" charset="0"/>
+              </a:rPr>
+              <a:t>The lower zone generally has higher production</a:t>
+            </a:r>
+          </a:p>
+          <a:p>
+            <a:pPr marL="342900" indent="-342900">
+              <a:buFont typeface="Arial" panose="020B0604020202020204" pitchFamily="34" charset="0"/>
+              <a:buChar char="•"/>
+            </a:pPr>
+            <a:r>
+              <a:rPr lang="en-US" sz="2000" dirty="0">
+                <a:latin typeface="+mn-lt"/>
+                <a:cs typeface="Arial" panose="020B0604020202020204" pitchFamily="34" charset="0"/>
+              </a:rPr>
+              <a:t>Some features (…) have a seemingly greater impact on production than others</a:t>
+            </a:r>
+          </a:p>
+          <a:p>
+            <a:endParaRPr lang="en-US" sz="2000" b="1" dirty="0">
+              <a:latin typeface="+mn-lt"/>
+              <a:cs typeface="Arial" panose="020B0604020202020204" pitchFamily="34" charset="0"/>
+            </a:endParaRPr>
+          </a:p>
+          <a:p>
+            <a:r>
+              <a:rPr lang="en-US" sz="2000" b="1" dirty="0">
+                <a:latin typeface="+mn-lt"/>
+                <a:cs typeface="Arial" panose="020B0604020202020204" pitchFamily="34" charset="0"/>
+              </a:rPr>
+              <a:t>Our Recommendation</a:t>
+            </a:r>
+          </a:p>
+          <a:p>
+            <a:r>
+              <a:rPr lang="en-US" sz="2000" dirty="0">
+                <a:latin typeface="+mn-lt"/>
+                <a:cs typeface="Arial" panose="020B0604020202020204" pitchFamily="34" charset="0"/>
+              </a:rPr>
+              <a:t>Drilling the 3 new wells in the lower zone at XX, XX, and XX</a:t>
+            </a:r>
+            <a:endParaRPr lang="en-US" sz="2000" b="1" dirty="0">
               <a:latin typeface="+mn-lt"/>
               <a:cs typeface="Arial" panose="020B0604020202020204" pitchFamily="34" charset="0"/>
             </a:endParaRPr>
@@ -3381,7 +4497,7 @@
         <p:spPr>
           <a:xfrm>
             <a:off x="506027" y="857928"/>
-            <a:ext cx="8043169" cy="1723549"/>
+            <a:ext cx="8043169" cy="3939540"/>
           </a:xfrm>
           <a:prstGeom prst="rect">
             <a:avLst/>
@@ -3425,6 +4541,80 @@
                 <a:cs typeface="Arial" panose="020B0604020202020204" pitchFamily="34" charset="0"/>
               </a:rPr>
               <a:t>Overview with Steps / Flow Chart</a:t>
+            </a:r>
+          </a:p>
+          <a:p>
+            <a:pPr marL="342900" indent="-342900" algn="ctr">
+              <a:buAutoNum type="arabicPeriod"/>
+            </a:pPr>
+            <a:r>
+              <a:rPr lang="en-US" sz="1800" b="1" dirty="0">
+                <a:latin typeface="+mn-lt"/>
+                <a:cs typeface="Arial" panose="020B0604020202020204" pitchFamily="34" charset="0"/>
+              </a:rPr>
+              <a:t>Examined AI Data (Data completeness too?)</a:t>
+            </a:r>
+          </a:p>
+          <a:p>
+            <a:pPr marL="342900" indent="-342900" algn="ctr">
+              <a:buAutoNum type="arabicPeriod"/>
+            </a:pPr>
+            <a:r>
+              <a:rPr lang="en-US" sz="1800" b="1" dirty="0">
+                <a:latin typeface="+mn-lt"/>
+                <a:cs typeface="Arial" panose="020B0604020202020204" pitchFamily="34" charset="0"/>
+              </a:rPr>
+              <a:t>Production heat map</a:t>
+            </a:r>
+          </a:p>
+          <a:p>
+            <a:pPr algn="ctr"/>
+            <a:r>
+              <a:rPr lang="en-US" sz="1800" b="1" dirty="0">
+                <a:latin typeface="+mn-lt"/>
+                <a:cs typeface="Arial" panose="020B0604020202020204" pitchFamily="34" charset="0"/>
+              </a:rPr>
+              <a:t>3. Synthesized Well log data </a:t>
+            </a:r>
+          </a:p>
+          <a:p>
+            <a:pPr algn="ctr"/>
+            <a:r>
+              <a:rPr lang="en-US" sz="1800" b="1" dirty="0">
+                <a:latin typeface="+mn-lt"/>
+                <a:cs typeface="Arial" panose="020B0604020202020204" pitchFamily="34" charset="0"/>
+              </a:rPr>
+              <a:t>4. Combined well log data with production ( Combine with 3)</a:t>
+            </a:r>
+          </a:p>
+          <a:p>
+            <a:pPr algn="ctr"/>
+            <a:r>
+              <a:rPr lang="en-US" sz="1800" b="1" dirty="0">
+                <a:latin typeface="+mn-lt"/>
+                <a:cs typeface="Arial" panose="020B0604020202020204" pitchFamily="34" charset="0"/>
+              </a:rPr>
+              <a:t>5. Bivariate distribution with features (Mention data completeness?)</a:t>
+            </a:r>
+          </a:p>
+          <a:p>
+            <a:pPr algn="ctr"/>
+            <a:r>
+              <a:rPr lang="en-US" sz="1800" b="1" dirty="0">
+                <a:latin typeface="+mn-lt"/>
+                <a:cs typeface="Arial" panose="020B0604020202020204" pitchFamily="34" charset="0"/>
+              </a:rPr>
+              <a:t>6. Selected features with strongest correlation to production (removed redundancies)</a:t>
+            </a:r>
+          </a:p>
+          <a:p>
+            <a:pPr algn="ctr"/>
+            <a:r>
+              <a:rPr lang="en-US" sz="1800" b="1" dirty="0">
+                <a:latin typeface="+mn-lt"/>
+                <a:cs typeface="Arial" panose="020B0604020202020204" pitchFamily="34" charset="0"/>
+              </a:rPr>
+              <a:t>7. Created model</a:t>
             </a:r>
           </a:p>
           <a:p>
@@ -3481,7 +4671,7 @@
         <p:spPr>
           <a:xfrm>
             <a:off x="506027" y="857928"/>
-            <a:ext cx="8043169" cy="4493538"/>
+            <a:ext cx="8043169" cy="677108"/>
           </a:xfrm>
           <a:prstGeom prst="rect">
             <a:avLst/>
@@ -3496,111 +4686,12 @@
           <a:p>
             <a:pPr algn="ctr"/>
             <a:r>
-              <a:rPr lang="en-US" sz="2800" b="1" dirty="0">
-                <a:latin typeface="+mn-lt"/>
-                <a:cs typeface="Arial" panose="020B0604020202020204" pitchFamily="34" charset="0"/>
-              </a:rPr>
-              <a:t>Workflow (Multiple Slides)</a:t>
-            </a:r>
-          </a:p>
-          <a:p>
-            <a:pPr algn="ctr"/>
-            <a:endParaRPr lang="en-US" sz="2000" b="1" dirty="0">
-              <a:latin typeface="+mn-lt"/>
-              <a:cs typeface="Arial" panose="020B0604020202020204" pitchFamily="34" charset="0"/>
-            </a:endParaRPr>
-          </a:p>
-          <a:p>
-            <a:pPr algn="ctr"/>
-            <a:endParaRPr lang="en-US" sz="2000" b="1" dirty="0">
-              <a:latin typeface="+mn-lt"/>
-              <a:cs typeface="Arial" panose="020B0604020202020204" pitchFamily="34" charset="0"/>
-            </a:endParaRPr>
-          </a:p>
-          <a:p>
-            <a:pPr algn="ctr"/>
-            <a:r>
               <a:rPr lang="en-US" sz="2000" b="1" dirty="0">
                 <a:latin typeface="+mn-lt"/>
                 <a:cs typeface="Arial" panose="020B0604020202020204" pitchFamily="34" charset="0"/>
               </a:rPr>
-              <a:t>Showcase Interesting and Innovative Aspects of Your Workflow.</a:t>
-            </a:r>
-          </a:p>
-          <a:p>
-            <a:pPr algn="ctr"/>
-            <a:endParaRPr lang="en-US" sz="2000" b="1" dirty="0">
-              <a:latin typeface="+mn-lt"/>
-              <a:cs typeface="Arial" panose="020B0604020202020204" pitchFamily="34" charset="0"/>
-            </a:endParaRPr>
-          </a:p>
-          <a:p>
-            <a:pPr algn="ctr"/>
-            <a:r>
-              <a:rPr lang="en-US" sz="2000" b="1" dirty="0">
-                <a:latin typeface="+mn-lt"/>
-                <a:cs typeface="Arial" panose="020B0604020202020204" pitchFamily="34" charset="0"/>
-              </a:rPr>
-              <a:t>State and Defend Modeling Decisions</a:t>
-            </a:r>
-          </a:p>
-          <a:p>
-            <a:pPr algn="ctr"/>
-            <a:endParaRPr lang="en-US" sz="2000" b="1" dirty="0">
-              <a:latin typeface="+mn-lt"/>
-              <a:cs typeface="Arial" panose="020B0604020202020204" pitchFamily="34" charset="0"/>
-            </a:endParaRPr>
-          </a:p>
-          <a:p>
-            <a:pPr algn="ctr"/>
-            <a:r>
-              <a:rPr lang="en-US" sz="2000" b="1" dirty="0">
-                <a:latin typeface="+mn-lt"/>
-                <a:cs typeface="Arial" panose="020B0604020202020204" pitchFamily="34" charset="0"/>
-              </a:rPr>
-              <a:t>Discuss Critical Results and Learnings for Workflow Steps</a:t>
-            </a:r>
-          </a:p>
-          <a:p>
-            <a:pPr algn="ctr"/>
-            <a:endParaRPr lang="en-US" sz="2000" b="1" dirty="0">
-              <a:latin typeface="+mn-lt"/>
-              <a:cs typeface="Arial" panose="020B0604020202020204" pitchFamily="34" charset="0"/>
-            </a:endParaRPr>
-          </a:p>
-          <a:p>
-            <a:pPr algn="ctr"/>
-            <a:r>
-              <a:rPr lang="en-US" sz="2000" b="1" dirty="0">
-                <a:latin typeface="+mn-lt"/>
-                <a:cs typeface="Arial" panose="020B0604020202020204" pitchFamily="34" charset="0"/>
-              </a:rPr>
-              <a:t>Captions for all Figures</a:t>
-            </a:r>
-          </a:p>
-          <a:p>
-            <a:pPr algn="ctr"/>
-            <a:endParaRPr lang="en-US" sz="2000" b="1" dirty="0">
-              <a:latin typeface="+mn-lt"/>
-              <a:cs typeface="Arial" panose="020B0604020202020204" pitchFamily="34" charset="0"/>
-            </a:endParaRPr>
-          </a:p>
-          <a:p>
-            <a:pPr algn="ctr"/>
-            <a:r>
-              <a:rPr lang="en-US" sz="2000" b="1" dirty="0">
-                <a:latin typeface="+mn-lt"/>
-                <a:cs typeface="Arial" panose="020B0604020202020204" pitchFamily="34" charset="0"/>
-              </a:rPr>
-              <a:t>Concise Text on Slides to Explain the Main Points</a:t>
-            </a:r>
-          </a:p>
-          <a:p>
-            <a:pPr algn="ctr"/>
-            <a:endParaRPr lang="en-US" sz="2000" b="1" dirty="0">
-              <a:latin typeface="+mn-lt"/>
-              <a:cs typeface="Arial" panose="020B0604020202020204" pitchFamily="34" charset="0"/>
-            </a:endParaRPr>
+              <a:t>Examining AI Data</a:t>
+            </a:r>
           </a:p>
           <a:p>
             <a:pPr algn="ctr"/>
@@ -3656,7 +4747,7 @@
         <p:spPr>
           <a:xfrm>
             <a:off x="506027" y="857928"/>
-            <a:ext cx="8043169" cy="2677656"/>
+            <a:ext cx="8043169" cy="677108"/>
           </a:xfrm>
           <a:prstGeom prst="rect">
             <a:avLst/>
@@ -3671,71 +4762,15 @@
           <a:p>
             <a:pPr algn="ctr"/>
             <a:r>
-              <a:rPr lang="en-US" sz="2800" b="1" dirty="0">
-                <a:latin typeface="+mn-lt"/>
-                <a:cs typeface="Arial" panose="020B0604020202020204" pitchFamily="34" charset="0"/>
-              </a:rPr>
-              <a:t>Results and Discussions</a:t>
-            </a:r>
-          </a:p>
-          <a:p>
-            <a:pPr algn="ctr"/>
-            <a:endParaRPr lang="en-US" sz="2000" b="1" dirty="0">
-              <a:latin typeface="+mn-lt"/>
-              <a:cs typeface="Arial" panose="020B0604020202020204" pitchFamily="34" charset="0"/>
-            </a:endParaRPr>
-          </a:p>
-          <a:p>
-            <a:pPr algn="ctr"/>
-            <a:endParaRPr lang="en-US" sz="2000" b="1" dirty="0">
-              <a:latin typeface="+mn-lt"/>
-              <a:cs typeface="Arial" panose="020B0604020202020204" pitchFamily="34" charset="0"/>
-            </a:endParaRPr>
-          </a:p>
-          <a:p>
-            <a:pPr algn="ctr"/>
-            <a:r>
               <a:rPr lang="en-US" sz="2000" b="1" dirty="0">
                 <a:latin typeface="+mn-lt"/>
                 <a:cs typeface="Arial" panose="020B0604020202020204" pitchFamily="34" charset="0"/>
               </a:rPr>
-              <a:t>Present </a:t>
-            </a:r>
-            <a:r>
-              <a:rPr lang="en-US" sz="2000" b="1">
-                <a:latin typeface="+mn-lt"/>
-                <a:cs typeface="Arial" panose="020B0604020202020204" pitchFamily="34" charset="0"/>
-              </a:rPr>
-              <a:t>your 3 infill well locations (location map) and predicted 2 year production for your wells. </a:t>
-            </a:r>
-            <a:endParaRPr lang="en-US" sz="2000" b="1" dirty="0">
-              <a:latin typeface="+mn-lt"/>
-              <a:cs typeface="Arial" panose="020B0604020202020204" pitchFamily="34" charset="0"/>
-            </a:endParaRPr>
-          </a:p>
-          <a:p>
-            <a:pPr algn="ctr"/>
-            <a:endParaRPr lang="en-US" sz="2000" b="1" dirty="0">
-              <a:latin typeface="+mn-lt"/>
-              <a:cs typeface="Arial" panose="020B0604020202020204" pitchFamily="34" charset="0"/>
-            </a:endParaRPr>
-          </a:p>
-          <a:p>
-            <a:pPr algn="ctr"/>
-            <a:r>
-              <a:rPr lang="en-US" sz="2000" b="1" dirty="0">
-                <a:latin typeface="+mn-lt"/>
-                <a:cs typeface="Arial" panose="020B0604020202020204" pitchFamily="34" charset="0"/>
-              </a:rPr>
-              <a:t>Use table / map / distributions to communicate the </a:t>
-            </a:r>
-            <a:r>
-              <a:rPr lang="en-US" sz="2000" b="1">
-                <a:latin typeface="+mn-lt"/>
-                <a:cs typeface="Arial" panose="020B0604020202020204" pitchFamily="34" charset="0"/>
-              </a:rPr>
-              <a:t>model predictions, modeling tuning etc.</a:t>
-            </a:r>
+              <a:t>Oil Production Heat Map</a:t>
+            </a:r>
+          </a:p>
+          <a:p>
+            <a:pPr algn="ctr"/>
             <a:endParaRPr lang="en-US" sz="1800" b="1" dirty="0">
               <a:latin typeface="+mn-lt"/>
               <a:cs typeface="Arial" panose="020B0604020202020204" pitchFamily="34" charset="0"/>
@@ -3746,7 +4781,7 @@
     </p:spTree>
     <p:extLst>
       <p:ext uri="{BB962C8B-B14F-4D97-AF65-F5344CB8AC3E}">
-        <p14:creationId xmlns:p14="http://schemas.microsoft.com/office/powerpoint/2010/main" val="2036120476"/>
+        <p14:creationId xmlns:p14="http://schemas.microsoft.com/office/powerpoint/2010/main" val="2101660161"/>
       </p:ext>
     </p:extLst>
   </p:cSld>
@@ -3788,7 +4823,7 @@
         <p:spPr>
           <a:xfrm>
             <a:off x="506027" y="857928"/>
-            <a:ext cx="8043169" cy="2985433"/>
+            <a:ext cx="8043169" cy="677108"/>
           </a:xfrm>
           <a:prstGeom prst="rect">
             <a:avLst/>
@@ -3803,74 +4838,16 @@
           <a:p>
             <a:pPr algn="ctr"/>
             <a:r>
-              <a:rPr lang="en-US" sz="2800" b="1" dirty="0">
-                <a:latin typeface="+mn-lt"/>
-                <a:cs typeface="Arial" panose="020B0604020202020204" pitchFamily="34" charset="0"/>
-              </a:rPr>
-              <a:t>Feedback</a:t>
-            </a:r>
-          </a:p>
-          <a:p>
-            <a:pPr algn="ctr"/>
-            <a:endParaRPr lang="en-US" sz="2000" b="1" dirty="0">
-              <a:latin typeface="+mn-lt"/>
-              <a:cs typeface="Arial" panose="020B0604020202020204" pitchFamily="34" charset="0"/>
-            </a:endParaRPr>
-          </a:p>
-          <a:p>
-            <a:pPr algn="ctr"/>
-            <a:endParaRPr lang="en-US" sz="2000" b="1" dirty="0">
-              <a:latin typeface="+mn-lt"/>
-              <a:cs typeface="Arial" panose="020B0604020202020204" pitchFamily="34" charset="0"/>
-            </a:endParaRPr>
-          </a:p>
-          <a:p>
-            <a:pPr algn="ctr"/>
-            <a:r>
               <a:rPr lang="en-US" sz="2000" b="1" dirty="0">
                 <a:latin typeface="+mn-lt"/>
                 <a:cs typeface="Arial" panose="020B0604020202020204" pitchFamily="34" charset="0"/>
               </a:rPr>
-              <a:t>What did your team learn?</a:t>
-            </a:r>
-          </a:p>
-          <a:p>
-            <a:pPr algn="ctr"/>
-            <a:endParaRPr lang="en-US" sz="2000" b="1" dirty="0">
-              <a:latin typeface="+mn-lt"/>
-              <a:cs typeface="Arial" panose="020B0604020202020204" pitchFamily="34" charset="0"/>
-            </a:endParaRPr>
-          </a:p>
-          <a:p>
-            <a:pPr algn="ctr"/>
-            <a:r>
-              <a:rPr lang="en-US" sz="2000" b="1" dirty="0">
-                <a:latin typeface="+mn-lt"/>
-                <a:cs typeface="Arial" panose="020B0604020202020204" pitchFamily="34" charset="0"/>
-              </a:rPr>
-              <a:t>What did your team like?</a:t>
-            </a:r>
-          </a:p>
-          <a:p>
-            <a:pPr algn="ctr"/>
-            <a:endParaRPr lang="en-US" sz="2000" b="1" dirty="0">
-              <a:latin typeface="+mn-lt"/>
-              <a:cs typeface="Arial" panose="020B0604020202020204" pitchFamily="34" charset="0"/>
-            </a:endParaRPr>
-          </a:p>
-          <a:p>
-            <a:pPr algn="ctr"/>
-            <a:r>
-              <a:rPr lang="en-US" sz="2000" b="1" dirty="0">
-                <a:latin typeface="+mn-lt"/>
-                <a:cs typeface="Arial" panose="020B0604020202020204" pitchFamily="34" charset="0"/>
-              </a:rPr>
-              <a:t>What could we do to improve next year?</a:t>
-            </a:r>
-          </a:p>
-          <a:p>
-            <a:pPr algn="ctr"/>
-            <a:endParaRPr lang="en-US" sz="2000" b="1" dirty="0">
+              <a:t>Synthesizing Well Log Data</a:t>
+            </a:r>
+          </a:p>
+          <a:p>
+            <a:pPr algn="ctr"/>
+            <a:endParaRPr lang="en-US" sz="1800" b="1" dirty="0">
               <a:latin typeface="+mn-lt"/>
               <a:cs typeface="Arial" panose="020B0604020202020204" pitchFamily="34" charset="0"/>
             </a:endParaRPr>
@@ -3880,7 +4857,291 @@
     </p:spTree>
     <p:extLst>
       <p:ext uri="{BB962C8B-B14F-4D97-AF65-F5344CB8AC3E}">
-        <p14:creationId xmlns:p14="http://schemas.microsoft.com/office/powerpoint/2010/main" val="2099159860"/>
+        <p14:creationId xmlns:p14="http://schemas.microsoft.com/office/powerpoint/2010/main" val="3570919980"/>
+      </p:ext>
+    </p:extLst>
+  </p:cSld>
+  <p:clrMapOvr>
+    <a:masterClrMapping/>
+  </p:clrMapOvr>
+</p:sld>
+</file>
+
+<file path=ppt/slides/slide7.xml><?xml version="1.0" encoding="utf-8"?>
+<p:sld xmlns:a="http://schemas.openxmlformats.org/drawingml/2006/main" xmlns:r="http://schemas.openxmlformats.org/officeDocument/2006/relationships" xmlns:p="http://schemas.openxmlformats.org/presentationml/2006/main">
+  <p:cSld>
+    <p:spTree>
+      <p:nvGrpSpPr>
+        <p:cNvPr id="1" name=""/>
+        <p:cNvGrpSpPr/>
+        <p:nvPr/>
+      </p:nvGrpSpPr>
+      <p:grpSpPr>
+        <a:xfrm>
+          <a:off x="0" y="0"/>
+          <a:ext cx="0" cy="0"/>
+          <a:chOff x="0" y="0"/>
+          <a:chExt cx="0" cy="0"/>
+        </a:xfrm>
+      </p:grpSpPr>
+      <p:sp>
+        <p:nvSpPr>
+          <p:cNvPr id="9" name="TextBox 8">
+            <a:extLst>
+              <a:ext uri="{FF2B5EF4-FFF2-40B4-BE49-F238E27FC236}">
+                <a16:creationId xmlns:a16="http://schemas.microsoft.com/office/drawing/2014/main" id="{C3CAC856-1BBB-45BD-8E9F-47D8B49C9EFA}"/>
+              </a:ext>
+            </a:extLst>
+          </p:cNvPr>
+          <p:cNvSpPr txBox="1"/>
+          <p:nvPr/>
+        </p:nvSpPr>
+        <p:spPr>
+          <a:xfrm>
+            <a:off x="506027" y="857928"/>
+            <a:ext cx="8043169" cy="677108"/>
+          </a:xfrm>
+          <a:prstGeom prst="rect">
+            <a:avLst/>
+          </a:prstGeom>
+          <a:noFill/>
+        </p:spPr>
+        <p:txBody>
+          <a:bodyPr wrap="square">
+            <a:spAutoFit/>
+          </a:bodyPr>
+          <a:lstStyle/>
+          <a:p>
+            <a:pPr algn="ctr"/>
+            <a:r>
+              <a:rPr lang="en-US" sz="2000" b="1" dirty="0">
+                <a:latin typeface="+mn-lt"/>
+                <a:cs typeface="Arial" panose="020B0604020202020204" pitchFamily="34" charset="0"/>
+              </a:rPr>
+              <a:t>Bivariate Distribution of Features</a:t>
+            </a:r>
+          </a:p>
+          <a:p>
+            <a:pPr algn="ctr"/>
+            <a:endParaRPr lang="en-US" sz="1800" b="1" dirty="0">
+              <a:latin typeface="+mn-lt"/>
+              <a:cs typeface="Arial" panose="020B0604020202020204" pitchFamily="34" charset="0"/>
+            </a:endParaRPr>
+          </a:p>
+        </p:txBody>
+      </p:sp>
+    </p:spTree>
+    <p:extLst>
+      <p:ext uri="{BB962C8B-B14F-4D97-AF65-F5344CB8AC3E}">
+        <p14:creationId xmlns:p14="http://schemas.microsoft.com/office/powerpoint/2010/main" val="811780624"/>
+      </p:ext>
+    </p:extLst>
+  </p:cSld>
+  <p:clrMapOvr>
+    <a:masterClrMapping/>
+  </p:clrMapOvr>
+</p:sld>
+</file>
+
+<file path=ppt/slides/slide8.xml><?xml version="1.0" encoding="utf-8"?>
+<p:sld xmlns:a="http://schemas.openxmlformats.org/drawingml/2006/main" xmlns:r="http://schemas.openxmlformats.org/officeDocument/2006/relationships" xmlns:p="http://schemas.openxmlformats.org/presentationml/2006/main">
+  <p:cSld>
+    <p:spTree>
+      <p:nvGrpSpPr>
+        <p:cNvPr id="1" name=""/>
+        <p:cNvGrpSpPr/>
+        <p:nvPr/>
+      </p:nvGrpSpPr>
+      <p:grpSpPr>
+        <a:xfrm>
+          <a:off x="0" y="0"/>
+          <a:ext cx="0" cy="0"/>
+          <a:chOff x="0" y="0"/>
+          <a:chExt cx="0" cy="0"/>
+        </a:xfrm>
+      </p:grpSpPr>
+      <p:sp>
+        <p:nvSpPr>
+          <p:cNvPr id="9" name="TextBox 8">
+            <a:extLst>
+              <a:ext uri="{FF2B5EF4-FFF2-40B4-BE49-F238E27FC236}">
+                <a16:creationId xmlns:a16="http://schemas.microsoft.com/office/drawing/2014/main" id="{C3CAC856-1BBB-45BD-8E9F-47D8B49C9EFA}"/>
+              </a:ext>
+            </a:extLst>
+          </p:cNvPr>
+          <p:cNvSpPr txBox="1"/>
+          <p:nvPr/>
+        </p:nvSpPr>
+        <p:spPr>
+          <a:xfrm>
+            <a:off x="506027" y="857928"/>
+            <a:ext cx="8043169" cy="677108"/>
+          </a:xfrm>
+          <a:prstGeom prst="rect">
+            <a:avLst/>
+          </a:prstGeom>
+          <a:noFill/>
+        </p:spPr>
+        <p:txBody>
+          <a:bodyPr wrap="square">
+            <a:spAutoFit/>
+          </a:bodyPr>
+          <a:lstStyle/>
+          <a:p>
+            <a:pPr algn="ctr"/>
+            <a:r>
+              <a:rPr lang="en-US" sz="2000" b="1" dirty="0">
+                <a:latin typeface="+mn-lt"/>
+                <a:cs typeface="Arial" panose="020B0604020202020204" pitchFamily="34" charset="0"/>
+              </a:rPr>
+              <a:t>Developing Model </a:t>
+            </a:r>
+          </a:p>
+          <a:p>
+            <a:pPr algn="ctr"/>
+            <a:endParaRPr lang="en-US" sz="1800" b="1" dirty="0">
+              <a:latin typeface="+mn-lt"/>
+              <a:cs typeface="Arial" panose="020B0604020202020204" pitchFamily="34" charset="0"/>
+            </a:endParaRPr>
+          </a:p>
+        </p:txBody>
+      </p:sp>
+    </p:spTree>
+    <p:extLst>
+      <p:ext uri="{BB962C8B-B14F-4D97-AF65-F5344CB8AC3E}">
+        <p14:creationId xmlns:p14="http://schemas.microsoft.com/office/powerpoint/2010/main" val="88845361"/>
+      </p:ext>
+    </p:extLst>
+  </p:cSld>
+  <p:clrMapOvr>
+    <a:masterClrMapping/>
+  </p:clrMapOvr>
+</p:sld>
+</file>
+
+<file path=ppt/slides/slide9.xml><?xml version="1.0" encoding="utf-8"?>
+<p:sld xmlns:a="http://schemas.openxmlformats.org/drawingml/2006/main" xmlns:r="http://schemas.openxmlformats.org/officeDocument/2006/relationships" xmlns:p="http://schemas.openxmlformats.org/presentationml/2006/main">
+  <p:cSld>
+    <p:spTree>
+      <p:nvGrpSpPr>
+        <p:cNvPr id="1" name=""/>
+        <p:cNvGrpSpPr/>
+        <p:nvPr/>
+      </p:nvGrpSpPr>
+      <p:grpSpPr>
+        <a:xfrm>
+          <a:off x="0" y="0"/>
+          <a:ext cx="0" cy="0"/>
+          <a:chOff x="0" y="0"/>
+          <a:chExt cx="0" cy="0"/>
+        </a:xfrm>
+      </p:grpSpPr>
+      <p:sp>
+        <p:nvSpPr>
+          <p:cNvPr id="9" name="TextBox 8">
+            <a:extLst>
+              <a:ext uri="{FF2B5EF4-FFF2-40B4-BE49-F238E27FC236}">
+                <a16:creationId xmlns:a16="http://schemas.microsoft.com/office/drawing/2014/main" id="{C3CAC856-1BBB-45BD-8E9F-47D8B49C9EFA}"/>
+              </a:ext>
+            </a:extLst>
+          </p:cNvPr>
+          <p:cNvSpPr txBox="1"/>
+          <p:nvPr/>
+        </p:nvSpPr>
+        <p:spPr>
+          <a:xfrm>
+            <a:off x="506027" y="857928"/>
+            <a:ext cx="8043169" cy="2677656"/>
+          </a:xfrm>
+          <a:prstGeom prst="rect">
+            <a:avLst/>
+          </a:prstGeom>
+          <a:noFill/>
+        </p:spPr>
+        <p:txBody>
+          <a:bodyPr wrap="square">
+            <a:spAutoFit/>
+          </a:bodyPr>
+          <a:lstStyle/>
+          <a:p>
+            <a:pPr algn="ctr"/>
+            <a:r>
+              <a:rPr lang="en-US" sz="2800" b="1" dirty="0">
+                <a:latin typeface="+mn-lt"/>
+                <a:cs typeface="Arial" panose="020B0604020202020204" pitchFamily="34" charset="0"/>
+              </a:rPr>
+              <a:t>Results and Discussions</a:t>
+            </a:r>
+          </a:p>
+          <a:p>
+            <a:pPr algn="ctr"/>
+            <a:endParaRPr lang="en-US" sz="2000" b="1" dirty="0">
+              <a:latin typeface="+mn-lt"/>
+              <a:cs typeface="Arial" panose="020B0604020202020204" pitchFamily="34" charset="0"/>
+            </a:endParaRPr>
+          </a:p>
+          <a:p>
+            <a:pPr algn="ctr"/>
+            <a:endParaRPr lang="en-US" sz="2000" b="1" dirty="0">
+              <a:latin typeface="+mn-lt"/>
+              <a:cs typeface="Arial" panose="020B0604020202020204" pitchFamily="34" charset="0"/>
+            </a:endParaRPr>
+          </a:p>
+          <a:p>
+            <a:pPr algn="ctr"/>
+            <a:r>
+              <a:rPr lang="en-US" sz="2000" b="1" dirty="0">
+                <a:latin typeface="+mn-lt"/>
+                <a:cs typeface="Arial" panose="020B0604020202020204" pitchFamily="34" charset="0"/>
+              </a:rPr>
+              <a:t>Present </a:t>
+            </a:r>
+            <a:r>
+              <a:rPr lang="en-US" sz="2000" b="1">
+                <a:latin typeface="+mn-lt"/>
+                <a:cs typeface="Arial" panose="020B0604020202020204" pitchFamily="34" charset="0"/>
+              </a:rPr>
+              <a:t>your 3 infill well locations (location map) and predicted 2 year production for your wells. </a:t>
+            </a:r>
+            <a:endParaRPr lang="en-US" sz="2000" b="1" dirty="0">
+              <a:latin typeface="+mn-lt"/>
+              <a:cs typeface="Arial" panose="020B0604020202020204" pitchFamily="34" charset="0"/>
+            </a:endParaRPr>
+          </a:p>
+          <a:p>
+            <a:pPr algn="ctr"/>
+            <a:endParaRPr lang="en-US" sz="2000" b="1" dirty="0">
+              <a:latin typeface="+mn-lt"/>
+              <a:cs typeface="Arial" panose="020B0604020202020204" pitchFamily="34" charset="0"/>
+            </a:endParaRPr>
+          </a:p>
+          <a:p>
+            <a:pPr algn="ctr"/>
+            <a:r>
+              <a:rPr lang="en-US" sz="2000" b="1" dirty="0">
+                <a:latin typeface="+mn-lt"/>
+                <a:cs typeface="Arial" panose="020B0604020202020204" pitchFamily="34" charset="0"/>
+              </a:rPr>
+              <a:t>Use table / map / distributions to communicate the </a:t>
+            </a:r>
+            <a:r>
+              <a:rPr lang="en-US" sz="2000" b="1">
+                <a:latin typeface="+mn-lt"/>
+                <a:cs typeface="Arial" panose="020B0604020202020204" pitchFamily="34" charset="0"/>
+              </a:rPr>
+              <a:t>model predictions, modeling tuning etc.</a:t>
+            </a:r>
+            <a:endParaRPr lang="en-US" sz="1800" b="1" dirty="0">
+              <a:latin typeface="+mn-lt"/>
+              <a:cs typeface="Arial" panose="020B0604020202020204" pitchFamily="34" charset="0"/>
+            </a:endParaRPr>
+          </a:p>
+        </p:txBody>
+      </p:sp>
+    </p:spTree>
+    <p:extLst>
+      <p:ext uri="{BB962C8B-B14F-4D97-AF65-F5344CB8AC3E}">
+        <p14:creationId xmlns:p14="http://schemas.microsoft.com/office/powerpoint/2010/main" val="2036120476"/>
       </p:ext>
     </p:extLst>
   </p:cSld>

--- a/Longhorn_Energy_Club_Presentation.pptx
+++ b/Longhorn_Energy_Club_Presentation.pptx
@@ -1787,17 +1787,17 @@
           <a:noFill/>
           <a:extLst>
             <a:ext uri="{FAA26D3D-D897-4be2-8F04-BA451C77F1D7}">
-              <ma14:placeholderFlag xmlns="" xmlns:ma14="http://schemas.microsoft.com/office/mac/drawingml/2011/main" val="1"/>
+              <ma14:placeholderFlag xmlns:ma14="http://schemas.microsoft.com/office/mac/drawingml/2011/main" xmlns="" val="1"/>
             </a:ext>
             <a:ext uri="{909E8E84-426E-40dd-AFC4-6F175D3DCCD1}">
-              <a14:hiddenFill xmlns:a14="http://schemas.microsoft.com/office/drawing/2010/main" xmlns="">
+              <a14:hiddenFill xmlns="" xmlns:a14="http://schemas.microsoft.com/office/drawing/2010/main">
                 <a:solidFill>
                   <a:srgbClr val="FFFFFF"/>
                 </a:solidFill>
               </a14:hiddenFill>
             </a:ext>
             <a:ext uri="{91240B29-F687-4f45-9708-019B960494DF}">
-              <a14:hiddenLine xmlns:a14="http://schemas.microsoft.com/office/drawing/2010/main" xmlns="" w="9525">
+              <a14:hiddenLine xmlns="" xmlns:a14="http://schemas.microsoft.com/office/drawing/2010/main" w="9525">
                 <a:solidFill>
                   <a:srgbClr val="000000"/>
                 </a:solidFill>
@@ -1939,17 +1939,17 @@
           <a:noFill/>
           <a:extLst>
             <a:ext uri="{FAA26D3D-D897-4be2-8F04-BA451C77F1D7}">
-              <ma14:placeholderFlag xmlns="" xmlns:ma14="http://schemas.microsoft.com/office/mac/drawingml/2011/main" val="1"/>
+              <ma14:placeholderFlag xmlns:ma14="http://schemas.microsoft.com/office/mac/drawingml/2011/main" xmlns="" val="1"/>
             </a:ext>
             <a:ext uri="{909E8E84-426E-40dd-AFC4-6F175D3DCCD1}">
-              <a14:hiddenFill xmlns:a14="http://schemas.microsoft.com/office/drawing/2010/main" xmlns="">
+              <a14:hiddenFill xmlns="" xmlns:a14="http://schemas.microsoft.com/office/drawing/2010/main">
                 <a:solidFill>
                   <a:srgbClr val="FFFFFF"/>
                 </a:solidFill>
               </a14:hiddenFill>
             </a:ext>
             <a:ext uri="{91240B29-F687-4f45-9708-019B960494DF}">
-              <a14:hiddenLine xmlns:a14="http://schemas.microsoft.com/office/drawing/2010/main" xmlns="" w="9525">
+              <a14:hiddenLine xmlns="" xmlns:a14="http://schemas.microsoft.com/office/drawing/2010/main" w="9525">
                 <a:solidFill>
                   <a:srgbClr val="000000"/>
                 </a:solidFill>
@@ -2090,17 +2090,17 @@
           <a:noFill/>
           <a:extLst>
             <a:ext uri="{FAA26D3D-D897-4be2-8F04-BA451C77F1D7}">
-              <ma14:placeholderFlag xmlns="" xmlns:ma14="http://schemas.microsoft.com/office/mac/drawingml/2011/main" val="1"/>
+              <ma14:placeholderFlag xmlns:ma14="http://schemas.microsoft.com/office/mac/drawingml/2011/main" xmlns="" val="1"/>
             </a:ext>
             <a:ext uri="{909E8E84-426E-40dd-AFC4-6F175D3DCCD1}">
-              <a14:hiddenFill xmlns:a14="http://schemas.microsoft.com/office/drawing/2010/main" xmlns="">
+              <a14:hiddenFill xmlns="" xmlns:a14="http://schemas.microsoft.com/office/drawing/2010/main">
                 <a:solidFill>
                   <a:srgbClr val="FFFFFF"/>
                 </a:solidFill>
               </a14:hiddenFill>
             </a:ext>
             <a:ext uri="{91240B29-F687-4f45-9708-019B960494DF}">
-              <a14:hiddenLine xmlns:a14="http://schemas.microsoft.com/office/drawing/2010/main" xmlns="" w="9525">
+              <a14:hiddenLine xmlns="" xmlns:a14="http://schemas.microsoft.com/office/drawing/2010/main" w="9525">
                 <a:solidFill>
                   <a:srgbClr val="000000"/>
                 </a:solidFill>
@@ -2379,14 +2379,14 @@
           </a:ln>
           <a:extLst>
             <a:ext uri="{909E8E84-426E-40dd-AFC4-6F175D3DCCD1}">
-              <a14:hiddenFill xmlns:a14="http://schemas.microsoft.com/office/drawing/2010/main" xmlns="">
+              <a14:hiddenFill xmlns="" xmlns:a14="http://schemas.microsoft.com/office/drawing/2010/main">
                 <a:solidFill>
                   <a:srgbClr val="FFFFFF"/>
                 </a:solidFill>
               </a14:hiddenFill>
             </a:ext>
             <a:ext uri="{91240B29-F687-4f45-9708-019B960494DF}">
-              <a14:hiddenLine xmlns:a14="http://schemas.microsoft.com/office/drawing/2010/main" xmlns="" w="9525">
+              <a14:hiddenLine xmlns="" xmlns:a14="http://schemas.microsoft.com/office/drawing/2010/main" w="9525">
                 <a:solidFill>
                   <a:srgbClr val="000000"/>
                 </a:solidFill>
@@ -2449,17 +2449,17 @@
           <a:noFill/>
           <a:extLst>
             <a:ext uri="{FAA26D3D-D897-4be2-8F04-BA451C77F1D7}">
-              <ma14:placeholderFlag xmlns="" xmlns:ma14="http://schemas.microsoft.com/office/mac/drawingml/2011/main" val="1"/>
+              <ma14:placeholderFlag xmlns:ma14="http://schemas.microsoft.com/office/mac/drawingml/2011/main" xmlns="" val="1"/>
             </a:ext>
             <a:ext uri="{909E8E84-426E-40dd-AFC4-6F175D3DCCD1}">
-              <a14:hiddenFill xmlns:a14="http://schemas.microsoft.com/office/drawing/2010/main" xmlns="">
+              <a14:hiddenFill xmlns="" xmlns:a14="http://schemas.microsoft.com/office/drawing/2010/main">
                 <a:solidFill>
                   <a:srgbClr val="FFFFFF"/>
                 </a:solidFill>
               </a14:hiddenFill>
             </a:ext>
             <a:ext uri="{91240B29-F687-4f45-9708-019B960494DF}">
-              <a14:hiddenLine xmlns:a14="http://schemas.microsoft.com/office/drawing/2010/main" xmlns="" w="9525">
+              <a14:hiddenLine xmlns="" xmlns:a14="http://schemas.microsoft.com/office/drawing/2010/main" w="9525">
                 <a:solidFill>
                   <a:srgbClr val="000000"/>
                 </a:solidFill>
@@ -2600,17 +2600,17 @@
           <a:noFill/>
           <a:extLst>
             <a:ext uri="{FAA26D3D-D897-4be2-8F04-BA451C77F1D7}">
-              <ma14:placeholderFlag xmlns="" xmlns:ma14="http://schemas.microsoft.com/office/mac/drawingml/2011/main" val="1"/>
+              <ma14:placeholderFlag xmlns:ma14="http://schemas.microsoft.com/office/mac/drawingml/2011/main" xmlns="" val="1"/>
             </a:ext>
             <a:ext uri="{909E8E84-426E-40dd-AFC4-6F175D3DCCD1}">
-              <a14:hiddenFill xmlns:a14="http://schemas.microsoft.com/office/drawing/2010/main" xmlns="">
+              <a14:hiddenFill xmlns="" xmlns:a14="http://schemas.microsoft.com/office/drawing/2010/main">
                 <a:solidFill>
                   <a:srgbClr val="FFFFFF"/>
                 </a:solidFill>
               </a14:hiddenFill>
             </a:ext>
             <a:ext uri="{91240B29-F687-4f45-9708-019B960494DF}">
-              <a14:hiddenLine xmlns:a14="http://schemas.microsoft.com/office/drawing/2010/main" xmlns="" w="9525">
+              <a14:hiddenLine xmlns="" xmlns:a14="http://schemas.microsoft.com/office/drawing/2010/main" w="9525">
                 <a:solidFill>
                   <a:srgbClr val="000000"/>
                 </a:solidFill>
@@ -2782,17 +2782,17 @@
           <a:noFill/>
           <a:extLst>
             <a:ext uri="{FAA26D3D-D897-4be2-8F04-BA451C77F1D7}">
-              <ma14:placeholderFlag xmlns="" xmlns:ma14="http://schemas.microsoft.com/office/mac/drawingml/2011/main" val="1"/>
+              <ma14:placeholderFlag xmlns:ma14="http://schemas.microsoft.com/office/mac/drawingml/2011/main" xmlns="" val="1"/>
             </a:ext>
             <a:ext uri="{909E8E84-426E-40dd-AFC4-6F175D3DCCD1}">
-              <a14:hiddenFill xmlns:a14="http://schemas.microsoft.com/office/drawing/2010/main" xmlns="">
+              <a14:hiddenFill xmlns="" xmlns:a14="http://schemas.microsoft.com/office/drawing/2010/main">
                 <a:solidFill>
                   <a:srgbClr val="FFFFFF"/>
                 </a:solidFill>
               </a14:hiddenFill>
             </a:ext>
             <a:ext uri="{91240B29-F687-4f45-9708-019B960494DF}">
-              <a14:hiddenLine xmlns:a14="http://schemas.microsoft.com/office/drawing/2010/main" xmlns="" w="9525">
+              <a14:hiddenLine xmlns="" xmlns:a14="http://schemas.microsoft.com/office/drawing/2010/main" w="9525">
                 <a:solidFill>
                   <a:srgbClr val="000000"/>
                 </a:solidFill>
@@ -4149,7 +4149,7 @@
         <p:spPr>
           <a:xfrm>
             <a:off x="506027" y="857928"/>
-            <a:ext cx="8043169" cy="2985433"/>
+            <a:ext cx="8043169" cy="5447645"/>
           </a:xfrm>
           <a:prstGeom prst="rect">
             <a:avLst/>
@@ -4170,47 +4170,128 @@
               </a:rPr>
               <a:t>Feedback</a:t>
             </a:r>
-          </a:p>
-          <a:p>
-            <a:pPr algn="ctr"/>
             <a:endParaRPr lang="en-US" sz="2000" b="1" dirty="0">
               <a:latin typeface="+mn-lt"/>
               <a:cs typeface="Arial" panose="020B0604020202020204" pitchFamily="34" charset="0"/>
             </a:endParaRPr>
           </a:p>
           <a:p>
-            <a:pPr algn="ctr"/>
+            <a:r>
+              <a:rPr lang="en-US" sz="2000" b="1" dirty="0">
+                <a:latin typeface="+mn-lt"/>
+                <a:cs typeface="Arial" panose="020B0604020202020204" pitchFamily="34" charset="0"/>
+              </a:rPr>
+              <a:t>We learned </a:t>
+            </a:r>
+          </a:p>
+          <a:p>
+            <a:pPr marL="342900" indent="-342900">
+              <a:buFont typeface="Arial" panose="020B0604020202020204" pitchFamily="34" charset="0"/>
+              <a:buChar char="•"/>
+            </a:pPr>
+            <a:r>
+              <a:rPr lang="en-US" sz="2000" dirty="0">
+                <a:latin typeface="+mn-lt"/>
+                <a:cs typeface="Arial" panose="020B0604020202020204" pitchFamily="34" charset="0"/>
+              </a:rPr>
+              <a:t>How to develop a strategy for managing a large problem</a:t>
+            </a:r>
+          </a:p>
+          <a:p>
+            <a:pPr marL="342900" indent="-342900">
+              <a:buFont typeface="Arial" panose="020B0604020202020204" pitchFamily="34" charset="0"/>
+              <a:buChar char="•"/>
+            </a:pPr>
+            <a:r>
+              <a:rPr lang="en-US" sz="2000" dirty="0">
+                <a:latin typeface="+mn-lt"/>
+                <a:cs typeface="Arial" panose="020B0604020202020204" pitchFamily="34" charset="0"/>
+              </a:rPr>
+              <a:t>How to synthesize large batches of data</a:t>
+            </a:r>
+          </a:p>
+          <a:p>
+            <a:pPr marL="342900" indent="-342900">
+              <a:buFont typeface="Arial" panose="020B0604020202020204" pitchFamily="34" charset="0"/>
+              <a:buChar char="•"/>
+            </a:pPr>
+            <a:r>
+              <a:rPr lang="en-US" sz="2000" dirty="0">
+                <a:latin typeface="+mn-lt"/>
+                <a:cs typeface="Arial" panose="020B0604020202020204" pitchFamily="34" charset="0"/>
+              </a:rPr>
+              <a:t>How to stay focused for long stretches of time</a:t>
+            </a:r>
+          </a:p>
+          <a:p>
             <a:endParaRPr lang="en-US" sz="2000" b="1" dirty="0">
               <a:latin typeface="+mn-lt"/>
               <a:cs typeface="Arial" panose="020B0604020202020204" pitchFamily="34" charset="0"/>
             </a:endParaRPr>
           </a:p>
           <a:p>
-            <a:pPr algn="ctr"/>
-            <a:r>
-              <a:rPr lang="en-US" sz="2000" b="1" dirty="0">
-                <a:latin typeface="+mn-lt"/>
-                <a:cs typeface="Arial" panose="020B0604020202020204" pitchFamily="34" charset="0"/>
-              </a:rPr>
-              <a:t>What did your team learn?</a:t>
-            </a:r>
-          </a:p>
-          <a:p>
-            <a:pPr algn="ctr"/>
             <a:endParaRPr lang="en-US" sz="2000" b="1" dirty="0">
               <a:latin typeface="+mn-lt"/>
               <a:cs typeface="Arial" panose="020B0604020202020204" pitchFamily="34" charset="0"/>
             </a:endParaRPr>
           </a:p>
           <a:p>
-            <a:pPr algn="ctr"/>
             <a:r>
               <a:rPr lang="en-US" sz="2000" b="1" dirty="0">
                 <a:latin typeface="+mn-lt"/>
                 <a:cs typeface="Arial" panose="020B0604020202020204" pitchFamily="34" charset="0"/>
               </a:rPr>
-              <a:t>What did your team like?</a:t>
-            </a:r>
+              <a:t>We enjoyed</a:t>
+            </a:r>
+          </a:p>
+          <a:p>
+            <a:pPr marL="342900" indent="-342900">
+              <a:buFont typeface="Arial" panose="020B0604020202020204" pitchFamily="34" charset="0"/>
+              <a:buChar char="•"/>
+            </a:pPr>
+            <a:r>
+              <a:rPr lang="en-US" sz="2000" dirty="0">
+                <a:latin typeface="+mn-lt"/>
+                <a:cs typeface="Arial" panose="020B0604020202020204" pitchFamily="34" charset="0"/>
+              </a:rPr>
+              <a:t>Learning from the different mentors</a:t>
+            </a:r>
+          </a:p>
+          <a:p>
+            <a:pPr marL="342900" indent="-342900">
+              <a:buFont typeface="Arial" panose="020B0604020202020204" pitchFamily="34" charset="0"/>
+              <a:buChar char="•"/>
+            </a:pPr>
+            <a:r>
+              <a:rPr lang="en-US" sz="2000" dirty="0">
+                <a:latin typeface="+mn-lt"/>
+                <a:cs typeface="Arial" panose="020B0604020202020204" pitchFamily="34" charset="0"/>
+              </a:rPr>
+              <a:t>The complexity of the problem (partially due to lack of data)</a:t>
+            </a:r>
+          </a:p>
+          <a:p>
+            <a:pPr marL="342900" indent="-342900">
+              <a:buFont typeface="Arial" panose="020B0604020202020204" pitchFamily="34" charset="0"/>
+              <a:buChar char="•"/>
+            </a:pPr>
+            <a:r>
+              <a:rPr lang="en-US" sz="2000" dirty="0">
+                <a:latin typeface="+mn-lt"/>
+                <a:cs typeface="Arial" panose="020B0604020202020204" pitchFamily="34" charset="0"/>
+              </a:rPr>
+              <a:t>The strong focus on collaboration</a:t>
+            </a:r>
+          </a:p>
+          <a:p>
+            <a:pPr marL="342900" indent="-342900">
+              <a:buFont typeface="Arial" panose="020B0604020202020204" pitchFamily="34" charset="0"/>
+              <a:buChar char="•"/>
+            </a:pPr>
+            <a:endParaRPr lang="en-US" sz="2000" dirty="0">
+              <a:latin typeface="+mn-lt"/>
+              <a:cs typeface="Arial" panose="020B0604020202020204" pitchFamily="34" charset="0"/>
+            </a:endParaRPr>
           </a:p>
           <a:p>
             <a:pPr algn="ctr"/>
@@ -4220,18 +4301,46 @@
             </a:endParaRPr>
           </a:p>
           <a:p>
-            <a:pPr algn="ctr"/>
             <a:r>
               <a:rPr lang="en-US" sz="2000" b="1" dirty="0">
                 <a:latin typeface="+mn-lt"/>
                 <a:cs typeface="Arial" panose="020B0604020202020204" pitchFamily="34" charset="0"/>
               </a:rPr>
-              <a:t>What could we do to improve next year?</a:t>
-            </a:r>
-          </a:p>
-          <a:p>
-            <a:pPr algn="ctr"/>
-            <a:endParaRPr lang="en-US" sz="2000" b="1" dirty="0">
+              <a:t>Next year could be improved by</a:t>
+            </a:r>
+          </a:p>
+          <a:p>
+            <a:pPr marL="342900" indent="-342900">
+              <a:buFont typeface="Arial" panose="020B0604020202020204" pitchFamily="34" charset="0"/>
+              <a:buChar char="•"/>
+            </a:pPr>
+            <a:r>
+              <a:rPr lang="en-US" sz="2000" dirty="0">
+                <a:latin typeface="+mn-lt"/>
+                <a:cs typeface="Arial" panose="020B0604020202020204" pitchFamily="34" charset="0"/>
+              </a:rPr>
+              <a:t>A slightly longer timeframe</a:t>
+            </a:r>
+          </a:p>
+          <a:p>
+            <a:pPr marL="342900" indent="-342900">
+              <a:buFont typeface="Arial" panose="020B0604020202020204" pitchFamily="34" charset="0"/>
+              <a:buChar char="•"/>
+            </a:pPr>
+            <a:r>
+              <a:rPr lang="en-US" sz="2000" dirty="0">
+                <a:latin typeface="+mn-lt"/>
+                <a:cs typeface="Arial" panose="020B0604020202020204" pitchFamily="34" charset="0"/>
+              </a:rPr>
+              <a:t>Allowing groups of up to 5</a:t>
+            </a:r>
+          </a:p>
+          <a:p>
+            <a:pPr marL="342900" indent="-342900">
+              <a:buFont typeface="Arial" panose="020B0604020202020204" pitchFamily="34" charset="0"/>
+              <a:buChar char="•"/>
+            </a:pPr>
+            <a:endParaRPr lang="en-US" sz="2000" dirty="0">
               <a:latin typeface="+mn-lt"/>
               <a:cs typeface="Arial" panose="020B0604020202020204" pitchFamily="34" charset="0"/>
             </a:endParaRPr>
@@ -5094,15 +5203,11 @@
                 <a:latin typeface="+mn-lt"/>
                 <a:cs typeface="Arial" panose="020B0604020202020204" pitchFamily="34" charset="0"/>
               </a:rPr>
-              <a:t>Present </a:t>
-            </a:r>
-            <a:r>
-              <a:rPr lang="en-US" sz="2000" b="1">
-                <a:latin typeface="+mn-lt"/>
-                <a:cs typeface="Arial" panose="020B0604020202020204" pitchFamily="34" charset="0"/>
-              </a:rPr>
-              <a:t>your 3 infill well locations (location map) and predicted 2 year production for your wells. </a:t>
-            </a:r>
+              <a:t>Present your 3 infill well locations (location map) and predicted 2 year production for your wells. </a:t>
+            </a:r>
+          </a:p>
+          <a:p>
+            <a:pPr algn="ctr"/>
             <a:endParaRPr lang="en-US" sz="2000" b="1" dirty="0">
               <a:latin typeface="+mn-lt"/>
               <a:cs typeface="Arial" panose="020B0604020202020204" pitchFamily="34" charset="0"/>
@@ -5110,26 +5215,12 @@
           </a:p>
           <a:p>
             <a:pPr algn="ctr"/>
-            <a:endParaRPr lang="en-US" sz="2000" b="1" dirty="0">
-              <a:latin typeface="+mn-lt"/>
-              <a:cs typeface="Arial" panose="020B0604020202020204" pitchFamily="34" charset="0"/>
-            </a:endParaRPr>
-          </a:p>
-          <a:p>
-            <a:pPr algn="ctr"/>
             <a:r>
               <a:rPr lang="en-US" sz="2000" b="1" dirty="0">
                 <a:latin typeface="+mn-lt"/>
                 <a:cs typeface="Arial" panose="020B0604020202020204" pitchFamily="34" charset="0"/>
               </a:rPr>
-              <a:t>Use table / map / distributions to communicate the </a:t>
-            </a:r>
-            <a:r>
-              <a:rPr lang="en-US" sz="2000" b="1">
-                <a:latin typeface="+mn-lt"/>
-                <a:cs typeface="Arial" panose="020B0604020202020204" pitchFamily="34" charset="0"/>
-              </a:rPr>
-              <a:t>model predictions, modeling tuning etc.</a:t>
+              <a:t>Use table / map / distributions to communicate the model predictions, modeling tuning etc.</a:t>
             </a:r>
             <a:endParaRPr lang="en-US" sz="1800" b="1" dirty="0">
               <a:latin typeface="+mn-lt"/>

--- a/Longhorn_Energy_Club_Presentation.pptx
+++ b/Longhorn_Energy_Club_Presentation.pptx
@@ -1787,17 +1787,17 @@
           <a:noFill/>
           <a:extLst>
             <a:ext uri="{FAA26D3D-D897-4be2-8F04-BA451C77F1D7}">
-              <ma14:placeholderFlag xmlns:ma14="http://schemas.microsoft.com/office/mac/drawingml/2011/main" xmlns="" val="1"/>
+              <ma14:placeholderFlag xmlns="" xmlns:ma14="http://schemas.microsoft.com/office/mac/drawingml/2011/main" val="1"/>
             </a:ext>
             <a:ext uri="{909E8E84-426E-40dd-AFC4-6F175D3DCCD1}">
-              <a14:hiddenFill xmlns="" xmlns:a14="http://schemas.microsoft.com/office/drawing/2010/main">
+              <a14:hiddenFill xmlns:a14="http://schemas.microsoft.com/office/drawing/2010/main" xmlns="">
                 <a:solidFill>
                   <a:srgbClr val="FFFFFF"/>
                 </a:solidFill>
               </a14:hiddenFill>
             </a:ext>
             <a:ext uri="{91240B29-F687-4f45-9708-019B960494DF}">
-              <a14:hiddenLine xmlns="" xmlns:a14="http://schemas.microsoft.com/office/drawing/2010/main" w="9525">
+              <a14:hiddenLine xmlns:a14="http://schemas.microsoft.com/office/drawing/2010/main" xmlns="" w="9525">
                 <a:solidFill>
                   <a:srgbClr val="000000"/>
                 </a:solidFill>
@@ -1939,17 +1939,17 @@
           <a:noFill/>
           <a:extLst>
             <a:ext uri="{FAA26D3D-D897-4be2-8F04-BA451C77F1D7}">
-              <ma14:placeholderFlag xmlns:ma14="http://schemas.microsoft.com/office/mac/drawingml/2011/main" xmlns="" val="1"/>
+              <ma14:placeholderFlag xmlns="" xmlns:ma14="http://schemas.microsoft.com/office/mac/drawingml/2011/main" val="1"/>
             </a:ext>
             <a:ext uri="{909E8E84-426E-40dd-AFC4-6F175D3DCCD1}">
-              <a14:hiddenFill xmlns="" xmlns:a14="http://schemas.microsoft.com/office/drawing/2010/main">
+              <a14:hiddenFill xmlns:a14="http://schemas.microsoft.com/office/drawing/2010/main" xmlns="">
                 <a:solidFill>
                   <a:srgbClr val="FFFFFF"/>
                 </a:solidFill>
               </a14:hiddenFill>
             </a:ext>
             <a:ext uri="{91240B29-F687-4f45-9708-019B960494DF}">
-              <a14:hiddenLine xmlns="" xmlns:a14="http://schemas.microsoft.com/office/drawing/2010/main" w="9525">
+              <a14:hiddenLine xmlns:a14="http://schemas.microsoft.com/office/drawing/2010/main" xmlns="" w="9525">
                 <a:solidFill>
                   <a:srgbClr val="000000"/>
                 </a:solidFill>
@@ -2090,17 +2090,17 @@
           <a:noFill/>
           <a:extLst>
             <a:ext uri="{FAA26D3D-D897-4be2-8F04-BA451C77F1D7}">
-              <ma14:placeholderFlag xmlns:ma14="http://schemas.microsoft.com/office/mac/drawingml/2011/main" xmlns="" val="1"/>
+              <ma14:placeholderFlag xmlns="" xmlns:ma14="http://schemas.microsoft.com/office/mac/drawingml/2011/main" val="1"/>
             </a:ext>
             <a:ext uri="{909E8E84-426E-40dd-AFC4-6F175D3DCCD1}">
-              <a14:hiddenFill xmlns="" xmlns:a14="http://schemas.microsoft.com/office/drawing/2010/main">
+              <a14:hiddenFill xmlns:a14="http://schemas.microsoft.com/office/drawing/2010/main" xmlns="">
                 <a:solidFill>
                   <a:srgbClr val="FFFFFF"/>
                 </a:solidFill>
               </a14:hiddenFill>
             </a:ext>
             <a:ext uri="{91240B29-F687-4f45-9708-019B960494DF}">
-              <a14:hiddenLine xmlns="" xmlns:a14="http://schemas.microsoft.com/office/drawing/2010/main" w="9525">
+              <a14:hiddenLine xmlns:a14="http://schemas.microsoft.com/office/drawing/2010/main" xmlns="" w="9525">
                 <a:solidFill>
                   <a:srgbClr val="000000"/>
                 </a:solidFill>
@@ -2379,14 +2379,14 @@
           </a:ln>
           <a:extLst>
             <a:ext uri="{909E8E84-426E-40dd-AFC4-6F175D3DCCD1}">
-              <a14:hiddenFill xmlns="" xmlns:a14="http://schemas.microsoft.com/office/drawing/2010/main">
+              <a14:hiddenFill xmlns:a14="http://schemas.microsoft.com/office/drawing/2010/main" xmlns="">
                 <a:solidFill>
                   <a:srgbClr val="FFFFFF"/>
                 </a:solidFill>
               </a14:hiddenFill>
             </a:ext>
             <a:ext uri="{91240B29-F687-4f45-9708-019B960494DF}">
-              <a14:hiddenLine xmlns="" xmlns:a14="http://schemas.microsoft.com/office/drawing/2010/main" w="9525">
+              <a14:hiddenLine xmlns:a14="http://schemas.microsoft.com/office/drawing/2010/main" xmlns="" w="9525">
                 <a:solidFill>
                   <a:srgbClr val="000000"/>
                 </a:solidFill>
@@ -2449,17 +2449,17 @@
           <a:noFill/>
           <a:extLst>
             <a:ext uri="{FAA26D3D-D897-4be2-8F04-BA451C77F1D7}">
-              <ma14:placeholderFlag xmlns:ma14="http://schemas.microsoft.com/office/mac/drawingml/2011/main" xmlns="" val="1"/>
+              <ma14:placeholderFlag xmlns="" xmlns:ma14="http://schemas.microsoft.com/office/mac/drawingml/2011/main" val="1"/>
             </a:ext>
             <a:ext uri="{909E8E84-426E-40dd-AFC4-6F175D3DCCD1}">
-              <a14:hiddenFill xmlns="" xmlns:a14="http://schemas.microsoft.com/office/drawing/2010/main">
+              <a14:hiddenFill xmlns:a14="http://schemas.microsoft.com/office/drawing/2010/main" xmlns="">
                 <a:solidFill>
                   <a:srgbClr val="FFFFFF"/>
                 </a:solidFill>
               </a14:hiddenFill>
             </a:ext>
             <a:ext uri="{91240B29-F687-4f45-9708-019B960494DF}">
-              <a14:hiddenLine xmlns="" xmlns:a14="http://schemas.microsoft.com/office/drawing/2010/main" w="9525">
+              <a14:hiddenLine xmlns:a14="http://schemas.microsoft.com/office/drawing/2010/main" xmlns="" w="9525">
                 <a:solidFill>
                   <a:srgbClr val="000000"/>
                 </a:solidFill>
@@ -2600,17 +2600,17 @@
           <a:noFill/>
           <a:extLst>
             <a:ext uri="{FAA26D3D-D897-4be2-8F04-BA451C77F1D7}">
-              <ma14:placeholderFlag xmlns:ma14="http://schemas.microsoft.com/office/mac/drawingml/2011/main" xmlns="" val="1"/>
+              <ma14:placeholderFlag xmlns="" xmlns:ma14="http://schemas.microsoft.com/office/mac/drawingml/2011/main" val="1"/>
             </a:ext>
             <a:ext uri="{909E8E84-426E-40dd-AFC4-6F175D3DCCD1}">
-              <a14:hiddenFill xmlns="" xmlns:a14="http://schemas.microsoft.com/office/drawing/2010/main">
+              <a14:hiddenFill xmlns:a14="http://schemas.microsoft.com/office/drawing/2010/main" xmlns="">
                 <a:solidFill>
                   <a:srgbClr val="FFFFFF"/>
                 </a:solidFill>
               </a14:hiddenFill>
             </a:ext>
             <a:ext uri="{91240B29-F687-4f45-9708-019B960494DF}">
-              <a14:hiddenLine xmlns="" xmlns:a14="http://schemas.microsoft.com/office/drawing/2010/main" w="9525">
+              <a14:hiddenLine xmlns:a14="http://schemas.microsoft.com/office/drawing/2010/main" xmlns="" w="9525">
                 <a:solidFill>
                   <a:srgbClr val="000000"/>
                 </a:solidFill>
@@ -2782,17 +2782,17 @@
           <a:noFill/>
           <a:extLst>
             <a:ext uri="{FAA26D3D-D897-4be2-8F04-BA451C77F1D7}">
-              <ma14:placeholderFlag xmlns:ma14="http://schemas.microsoft.com/office/mac/drawingml/2011/main" xmlns="" val="1"/>
+              <ma14:placeholderFlag xmlns="" xmlns:ma14="http://schemas.microsoft.com/office/mac/drawingml/2011/main" val="1"/>
             </a:ext>
             <a:ext uri="{909E8E84-426E-40dd-AFC4-6F175D3DCCD1}">
-              <a14:hiddenFill xmlns="" xmlns:a14="http://schemas.microsoft.com/office/drawing/2010/main">
+              <a14:hiddenFill xmlns:a14="http://schemas.microsoft.com/office/drawing/2010/main" xmlns="">
                 <a:solidFill>
                   <a:srgbClr val="FFFFFF"/>
                 </a:solidFill>
               </a14:hiddenFill>
             </a:ext>
             <a:ext uri="{91240B29-F687-4f45-9708-019B960494DF}">
-              <a14:hiddenLine xmlns="" xmlns:a14="http://schemas.microsoft.com/office/drawing/2010/main" w="9525">
+              <a14:hiddenLine xmlns:a14="http://schemas.microsoft.com/office/drawing/2010/main" xmlns="" w="9525">
                 <a:solidFill>
                   <a:srgbClr val="000000"/>
                 </a:solidFill>
@@ -4884,6 +4884,364 @@
               <a:latin typeface="+mn-lt"/>
               <a:cs typeface="Arial" panose="020B0604020202020204" pitchFamily="34" charset="0"/>
             </a:endParaRPr>
+          </a:p>
+        </p:txBody>
+      </p:sp>
+      <p:pic>
+        <p:nvPicPr>
+          <p:cNvPr id="3" name="Picture 2" descr="Chart, scatter chart&#10;&#10;Description automatically generated">
+            <a:extLst>
+              <a:ext uri="{FF2B5EF4-FFF2-40B4-BE49-F238E27FC236}">
+                <a16:creationId xmlns:a16="http://schemas.microsoft.com/office/drawing/2014/main" id="{86AC2D89-259C-413A-B452-34E7C841E8F4}"/>
+              </a:ext>
+            </a:extLst>
+          </p:cNvPr>
+          <p:cNvPicPr>
+            <a:picLocks noChangeAspect="1"/>
+          </p:cNvPicPr>
+          <p:nvPr/>
+        </p:nvPicPr>
+        <p:blipFill>
+          <a:blip r:embed="rId3"/>
+          <a:stretch>
+            <a:fillRect/>
+          </a:stretch>
+        </p:blipFill>
+        <p:spPr>
+          <a:xfrm>
+            <a:off x="111451" y="1196482"/>
+            <a:ext cx="3890279" cy="2474823"/>
+          </a:xfrm>
+          <a:prstGeom prst="rect">
+            <a:avLst/>
+          </a:prstGeom>
+        </p:spPr>
+      </p:pic>
+      <p:pic>
+        <p:nvPicPr>
+          <p:cNvPr id="5" name="Picture 4" descr="A picture containing text, traffic light, screenshot, vector graphics&#10;&#10;Description automatically generated">
+            <a:extLst>
+              <a:ext uri="{FF2B5EF4-FFF2-40B4-BE49-F238E27FC236}">
+                <a16:creationId xmlns:a16="http://schemas.microsoft.com/office/drawing/2014/main" id="{472B4B9E-A0BB-46F6-9E1F-70A7539C756B}"/>
+              </a:ext>
+            </a:extLst>
+          </p:cNvPr>
+          <p:cNvPicPr>
+            <a:picLocks noChangeAspect="1"/>
+          </p:cNvPicPr>
+          <p:nvPr/>
+        </p:nvPicPr>
+        <p:blipFill>
+          <a:blip r:embed="rId4"/>
+          <a:stretch>
+            <a:fillRect/>
+          </a:stretch>
+        </p:blipFill>
+        <p:spPr>
+          <a:xfrm>
+            <a:off x="111452" y="4136534"/>
+            <a:ext cx="3654303" cy="2489942"/>
+          </a:xfrm>
+          <a:prstGeom prst="rect">
+            <a:avLst/>
+          </a:prstGeom>
+        </p:spPr>
+      </p:pic>
+      <p:grpSp>
+        <p:nvGrpSpPr>
+          <p:cNvPr id="10" name="Group 9">
+            <a:extLst>
+              <a:ext uri="{FF2B5EF4-FFF2-40B4-BE49-F238E27FC236}">
+                <a16:creationId xmlns:a16="http://schemas.microsoft.com/office/drawing/2014/main" id="{5EE0C604-1C50-472A-8323-128D86FD2684}"/>
+              </a:ext>
+            </a:extLst>
+          </p:cNvPr>
+          <p:cNvGrpSpPr/>
+          <p:nvPr/>
+        </p:nvGrpSpPr>
+        <p:grpSpPr>
+          <a:xfrm>
+            <a:off x="506026" y="3718279"/>
+            <a:ext cx="1617742" cy="338554"/>
+            <a:chOff x="506026" y="3718279"/>
+            <a:chExt cx="1617742" cy="338554"/>
+          </a:xfrm>
+        </p:grpSpPr>
+        <p:sp>
+          <p:nvSpPr>
+            <p:cNvPr id="6" name="Oval 5">
+              <a:extLst>
+                <a:ext uri="{FF2B5EF4-FFF2-40B4-BE49-F238E27FC236}">
+                  <a16:creationId xmlns:a16="http://schemas.microsoft.com/office/drawing/2014/main" id="{30C7E1D8-6F4B-472F-ABF4-4756A9555099}"/>
+                </a:ext>
+              </a:extLst>
+            </p:cNvPr>
+            <p:cNvSpPr/>
+            <p:nvPr/>
+          </p:nvSpPr>
+          <p:spPr>
+            <a:xfrm>
+              <a:off x="506026" y="3765255"/>
+              <a:ext cx="254513" cy="244603"/>
+            </a:xfrm>
+            <a:prstGeom prst="ellipse">
+              <a:avLst/>
+            </a:prstGeom>
+            <a:solidFill>
+              <a:srgbClr val="C00000"/>
+            </a:solidFill>
+            <a:ln>
+              <a:noFill/>
+            </a:ln>
+          </p:spPr>
+          <p:style>
+            <a:lnRef idx="1">
+              <a:schemeClr val="accent1"/>
+            </a:lnRef>
+            <a:fillRef idx="3">
+              <a:schemeClr val="accent1"/>
+            </a:fillRef>
+            <a:effectRef idx="2">
+              <a:schemeClr val="accent1"/>
+            </a:effectRef>
+            <a:fontRef idx="minor">
+              <a:schemeClr val="lt1"/>
+            </a:fontRef>
+          </p:style>
+          <p:txBody>
+            <a:bodyPr rtlCol="0" anchor="ctr"/>
+            <a:lstStyle/>
+            <a:p>
+              <a:pPr algn="ctr"/>
+              <a:endParaRPr lang="en-US"/>
+            </a:p>
+          </p:txBody>
+        </p:sp>
+        <p:sp>
+          <p:nvSpPr>
+            <p:cNvPr id="7" name="TextBox 6">
+              <a:extLst>
+                <a:ext uri="{FF2B5EF4-FFF2-40B4-BE49-F238E27FC236}">
+                  <a16:creationId xmlns:a16="http://schemas.microsoft.com/office/drawing/2014/main" id="{BB66CC7D-C8D9-4037-B5B1-B65C9F38C379}"/>
+                </a:ext>
+              </a:extLst>
+            </p:cNvPr>
+            <p:cNvSpPr txBox="1"/>
+            <p:nvPr/>
+          </p:nvSpPr>
+          <p:spPr>
+            <a:xfrm>
+              <a:off x="760539" y="3718279"/>
+              <a:ext cx="1363229" cy="338554"/>
+            </a:xfrm>
+            <a:prstGeom prst="rect">
+              <a:avLst/>
+            </a:prstGeom>
+            <a:noFill/>
+          </p:spPr>
+          <p:txBody>
+            <a:bodyPr wrap="square" rtlCol="0">
+              <a:spAutoFit/>
+            </a:bodyPr>
+            <a:lstStyle/>
+            <a:p>
+              <a:r>
+                <a:rPr lang="en-US" sz="1600" dirty="0"/>
+                <a:t>= Upper Zone</a:t>
+              </a:r>
+            </a:p>
+          </p:txBody>
+        </p:sp>
+      </p:grpSp>
+      <p:grpSp>
+        <p:nvGrpSpPr>
+          <p:cNvPr id="12" name="Group 11">
+            <a:extLst>
+              <a:ext uri="{FF2B5EF4-FFF2-40B4-BE49-F238E27FC236}">
+                <a16:creationId xmlns:a16="http://schemas.microsoft.com/office/drawing/2014/main" id="{1605B187-9DAE-433E-B80F-5FD1F3DF4AF7}"/>
+              </a:ext>
+            </a:extLst>
+          </p:cNvPr>
+          <p:cNvGrpSpPr/>
+          <p:nvPr/>
+        </p:nvGrpSpPr>
+        <p:grpSpPr>
+          <a:xfrm>
+            <a:off x="2329346" y="3718279"/>
+            <a:ext cx="1598640" cy="338554"/>
+            <a:chOff x="2329346" y="3718279"/>
+            <a:chExt cx="1598640" cy="338554"/>
+          </a:xfrm>
+        </p:grpSpPr>
+        <p:sp>
+          <p:nvSpPr>
+            <p:cNvPr id="8" name="Oval 7">
+              <a:extLst>
+                <a:ext uri="{FF2B5EF4-FFF2-40B4-BE49-F238E27FC236}">
+                  <a16:creationId xmlns:a16="http://schemas.microsoft.com/office/drawing/2014/main" id="{87483198-5014-4F8C-92B3-C671DECEDF8B}"/>
+                </a:ext>
+              </a:extLst>
+            </p:cNvPr>
+            <p:cNvSpPr/>
+            <p:nvPr/>
+          </p:nvSpPr>
+          <p:spPr>
+            <a:xfrm>
+              <a:off x="2329346" y="3765254"/>
+              <a:ext cx="254513" cy="244603"/>
+            </a:xfrm>
+            <a:prstGeom prst="ellipse">
+              <a:avLst/>
+            </a:prstGeom>
+            <a:solidFill>
+              <a:schemeClr val="tx1"/>
+            </a:solidFill>
+            <a:ln>
+              <a:noFill/>
+            </a:ln>
+          </p:spPr>
+          <p:style>
+            <a:lnRef idx="1">
+              <a:schemeClr val="accent1"/>
+            </a:lnRef>
+            <a:fillRef idx="3">
+              <a:schemeClr val="accent1"/>
+            </a:fillRef>
+            <a:effectRef idx="2">
+              <a:schemeClr val="accent1"/>
+            </a:effectRef>
+            <a:fontRef idx="minor">
+              <a:schemeClr val="lt1"/>
+            </a:fontRef>
+          </p:style>
+          <p:txBody>
+            <a:bodyPr rtlCol="0" anchor="ctr"/>
+            <a:lstStyle/>
+            <a:p>
+              <a:pPr algn="ctr"/>
+              <a:endParaRPr lang="en-US"/>
+            </a:p>
+          </p:txBody>
+        </p:sp>
+        <p:sp>
+          <p:nvSpPr>
+            <p:cNvPr id="11" name="TextBox 10">
+              <a:extLst>
+                <a:ext uri="{FF2B5EF4-FFF2-40B4-BE49-F238E27FC236}">
+                  <a16:creationId xmlns:a16="http://schemas.microsoft.com/office/drawing/2014/main" id="{42555567-6CDD-4D1B-A83E-2069BDA88269}"/>
+                </a:ext>
+              </a:extLst>
+            </p:cNvPr>
+            <p:cNvSpPr txBox="1"/>
+            <p:nvPr/>
+          </p:nvSpPr>
+          <p:spPr>
+            <a:xfrm>
+              <a:off x="2564757" y="3718279"/>
+              <a:ext cx="1363229" cy="338554"/>
+            </a:xfrm>
+            <a:prstGeom prst="rect">
+              <a:avLst/>
+            </a:prstGeom>
+            <a:noFill/>
+          </p:spPr>
+          <p:txBody>
+            <a:bodyPr wrap="square" rtlCol="0">
+              <a:spAutoFit/>
+            </a:bodyPr>
+            <a:lstStyle/>
+            <a:p>
+              <a:r>
+                <a:rPr lang="en-US" sz="1600" dirty="0"/>
+                <a:t>= Lower Zone</a:t>
+              </a:r>
+            </a:p>
+          </p:txBody>
+        </p:sp>
+      </p:grpSp>
+      <p:sp>
+        <p:nvSpPr>
+          <p:cNvPr id="13" name="TextBox 12">
+            <a:extLst>
+              <a:ext uri="{FF2B5EF4-FFF2-40B4-BE49-F238E27FC236}">
+                <a16:creationId xmlns:a16="http://schemas.microsoft.com/office/drawing/2014/main" id="{2F3F94A3-E4EC-4649-BFF7-1CEF3710387F}"/>
+              </a:ext>
+            </a:extLst>
+          </p:cNvPr>
+          <p:cNvSpPr txBox="1"/>
+          <p:nvPr/>
+        </p:nvSpPr>
+        <p:spPr>
+          <a:xfrm>
+            <a:off x="4368975" y="1606931"/>
+            <a:ext cx="4300761" cy="4524315"/>
+          </a:xfrm>
+          <a:prstGeom prst="rect">
+            <a:avLst/>
+          </a:prstGeom>
+          <a:noFill/>
+        </p:spPr>
+        <p:txBody>
+          <a:bodyPr wrap="square" rtlCol="0">
+            <a:spAutoFit/>
+          </a:bodyPr>
+          <a:lstStyle/>
+          <a:p>
+            <a:pPr marL="342900" indent="-342900">
+              <a:buFont typeface="Arial" panose="020B0604020202020204" pitchFamily="34" charset="0"/>
+              <a:buChar char="•"/>
+            </a:pPr>
+            <a:r>
+              <a:rPr lang="en-US" dirty="0"/>
+              <a:t>Lower Zone generally has much greater production</a:t>
+            </a:r>
+          </a:p>
+          <a:p>
+            <a:pPr marL="800100" lvl="1" indent="-342900">
+              <a:buFont typeface="Arial" panose="020B0604020202020204" pitchFamily="34" charset="0"/>
+              <a:buChar char="•"/>
+            </a:pPr>
+            <a:r>
+              <a:rPr lang="en-US" dirty="0"/>
+              <a:t>True for monthly and total production</a:t>
+            </a:r>
+          </a:p>
+          <a:p>
+            <a:endParaRPr lang="en-US" dirty="0"/>
+          </a:p>
+          <a:p>
+            <a:pPr marL="342900" indent="-342900">
+              <a:buFont typeface="Arial" panose="020B0604020202020204" pitchFamily="34" charset="0"/>
+              <a:buChar char="•"/>
+            </a:pPr>
+            <a:r>
+              <a:rPr lang="en-US" dirty="0"/>
+              <a:t>Bottom right area has more production</a:t>
+            </a:r>
+          </a:p>
+          <a:p>
+            <a:pPr marL="800100" lvl="1" indent="-342900">
+              <a:buFont typeface="Arial" panose="020B0604020202020204" pitchFamily="34" charset="0"/>
+              <a:buChar char="•"/>
+            </a:pPr>
+            <a:r>
+              <a:rPr lang="en-US" dirty="0"/>
+              <a:t>True for monthly and total production</a:t>
+            </a:r>
+          </a:p>
+          <a:p>
+            <a:pPr lvl="1"/>
+            <a:endParaRPr lang="en-US" dirty="0"/>
+          </a:p>
+          <a:p>
+            <a:pPr marL="342900" indent="-342900">
+              <a:buFont typeface="Arial" panose="020B0604020202020204" pitchFamily="34" charset="0"/>
+              <a:buChar char="•"/>
+            </a:pPr>
+            <a:r>
+              <a:rPr lang="en-US" dirty="0"/>
+              <a:t>Bottom right area appears to be more used</a:t>
+            </a:r>
           </a:p>
         </p:txBody>
       </p:sp>

--- a/Longhorn_Energy_Club_Presentation.pptx
+++ b/Longhorn_Energy_Club_Presentation.pptx
@@ -646,84 +646,6 @@
           <a:bodyPr/>
           <a:lstStyle/>
           <a:p>
-            <a:pPr algn="ctr"/>
-            <a:r>
-              <a:rPr lang="en-US" sz="1200" b="1" dirty="0">
-                <a:latin typeface="+mn-lt"/>
-                <a:cs typeface="Arial" panose="020B0604020202020204" pitchFamily="34" charset="0"/>
-              </a:rPr>
-              <a:t>Showcase Interesting and Innovative Aspects of Your Workflow.</a:t>
-            </a:r>
-          </a:p>
-          <a:p>
-            <a:pPr algn="ctr"/>
-            <a:endParaRPr lang="en-US" sz="1200" b="1" dirty="0">
-              <a:latin typeface="+mn-lt"/>
-              <a:cs typeface="Arial" panose="020B0604020202020204" pitchFamily="34" charset="0"/>
-            </a:endParaRPr>
-          </a:p>
-          <a:p>
-            <a:pPr algn="ctr"/>
-            <a:r>
-              <a:rPr lang="en-US" sz="1200" b="1" dirty="0">
-                <a:latin typeface="+mn-lt"/>
-                <a:cs typeface="Arial" panose="020B0604020202020204" pitchFamily="34" charset="0"/>
-              </a:rPr>
-              <a:t>State and Defend Modeling Decisions</a:t>
-            </a:r>
-          </a:p>
-          <a:p>
-            <a:pPr algn="ctr"/>
-            <a:endParaRPr lang="en-US" sz="1200" b="1" dirty="0">
-              <a:latin typeface="+mn-lt"/>
-              <a:cs typeface="Arial" panose="020B0604020202020204" pitchFamily="34" charset="0"/>
-            </a:endParaRPr>
-          </a:p>
-          <a:p>
-            <a:pPr algn="ctr"/>
-            <a:r>
-              <a:rPr lang="en-US" sz="1200" b="1" dirty="0">
-                <a:latin typeface="+mn-lt"/>
-                <a:cs typeface="Arial" panose="020B0604020202020204" pitchFamily="34" charset="0"/>
-              </a:rPr>
-              <a:t>Discuss Critical Results and Learnings for Workflow Steps</a:t>
-            </a:r>
-          </a:p>
-          <a:p>
-            <a:pPr algn="ctr"/>
-            <a:endParaRPr lang="en-US" sz="1200" b="1" dirty="0">
-              <a:latin typeface="+mn-lt"/>
-              <a:cs typeface="Arial" panose="020B0604020202020204" pitchFamily="34" charset="0"/>
-            </a:endParaRPr>
-          </a:p>
-          <a:p>
-            <a:pPr algn="ctr"/>
-            <a:r>
-              <a:rPr lang="en-US" sz="1200" b="1" dirty="0">
-                <a:latin typeface="+mn-lt"/>
-                <a:cs typeface="Arial" panose="020B0604020202020204" pitchFamily="34" charset="0"/>
-              </a:rPr>
-              <a:t>Captions for all Figures</a:t>
-            </a:r>
-          </a:p>
-          <a:p>
-            <a:pPr algn="ctr"/>
-            <a:endParaRPr lang="en-US" sz="1200" b="1" dirty="0">
-              <a:latin typeface="+mn-lt"/>
-              <a:cs typeface="Arial" panose="020B0604020202020204" pitchFamily="34" charset="0"/>
-            </a:endParaRPr>
-          </a:p>
-          <a:p>
-            <a:pPr algn="ctr"/>
-            <a:r>
-              <a:rPr lang="en-US" sz="1200" b="1" dirty="0">
-                <a:latin typeface="+mn-lt"/>
-                <a:cs typeface="Arial" panose="020B0604020202020204" pitchFamily="34" charset="0"/>
-              </a:rPr>
-              <a:t>Concise Text on Slides to Explain the Main Points</a:t>
-            </a:r>
-          </a:p>
-          <a:p>
             <a:endParaRPr lang="en-US" dirty="0"/>
           </a:p>
         </p:txBody>
@@ -808,84 +730,6 @@
           <a:bodyPr/>
           <a:lstStyle/>
           <a:p>
-            <a:pPr algn="ctr"/>
-            <a:r>
-              <a:rPr lang="en-US" sz="1200" b="1" dirty="0">
-                <a:latin typeface="+mn-lt"/>
-                <a:cs typeface="Arial" panose="020B0604020202020204" pitchFamily="34" charset="0"/>
-              </a:rPr>
-              <a:t>Showcase Interesting and Innovative Aspects of Your Workflow.</a:t>
-            </a:r>
-          </a:p>
-          <a:p>
-            <a:pPr algn="ctr"/>
-            <a:endParaRPr lang="en-US" sz="1200" b="1" dirty="0">
-              <a:latin typeface="+mn-lt"/>
-              <a:cs typeface="Arial" panose="020B0604020202020204" pitchFamily="34" charset="0"/>
-            </a:endParaRPr>
-          </a:p>
-          <a:p>
-            <a:pPr algn="ctr"/>
-            <a:r>
-              <a:rPr lang="en-US" sz="1200" b="1" dirty="0">
-                <a:latin typeface="+mn-lt"/>
-                <a:cs typeface="Arial" panose="020B0604020202020204" pitchFamily="34" charset="0"/>
-              </a:rPr>
-              <a:t>State and Defend Modeling Decisions</a:t>
-            </a:r>
-          </a:p>
-          <a:p>
-            <a:pPr algn="ctr"/>
-            <a:endParaRPr lang="en-US" sz="1200" b="1" dirty="0">
-              <a:latin typeface="+mn-lt"/>
-              <a:cs typeface="Arial" panose="020B0604020202020204" pitchFamily="34" charset="0"/>
-            </a:endParaRPr>
-          </a:p>
-          <a:p>
-            <a:pPr algn="ctr"/>
-            <a:r>
-              <a:rPr lang="en-US" sz="1200" b="1" dirty="0">
-                <a:latin typeface="+mn-lt"/>
-                <a:cs typeface="Arial" panose="020B0604020202020204" pitchFamily="34" charset="0"/>
-              </a:rPr>
-              <a:t>Discuss Critical Results and Learnings for Workflow Steps</a:t>
-            </a:r>
-          </a:p>
-          <a:p>
-            <a:pPr algn="ctr"/>
-            <a:endParaRPr lang="en-US" sz="1200" b="1" dirty="0">
-              <a:latin typeface="+mn-lt"/>
-              <a:cs typeface="Arial" panose="020B0604020202020204" pitchFamily="34" charset="0"/>
-            </a:endParaRPr>
-          </a:p>
-          <a:p>
-            <a:pPr algn="ctr"/>
-            <a:r>
-              <a:rPr lang="en-US" sz="1200" b="1" dirty="0">
-                <a:latin typeface="+mn-lt"/>
-                <a:cs typeface="Arial" panose="020B0604020202020204" pitchFamily="34" charset="0"/>
-              </a:rPr>
-              <a:t>Captions for all Figures</a:t>
-            </a:r>
-          </a:p>
-          <a:p>
-            <a:pPr algn="ctr"/>
-            <a:endParaRPr lang="en-US" sz="1200" b="1" dirty="0">
-              <a:latin typeface="+mn-lt"/>
-              <a:cs typeface="Arial" panose="020B0604020202020204" pitchFamily="34" charset="0"/>
-            </a:endParaRPr>
-          </a:p>
-          <a:p>
-            <a:pPr algn="ctr"/>
-            <a:r>
-              <a:rPr lang="en-US" sz="1200" b="1" dirty="0">
-                <a:latin typeface="+mn-lt"/>
-                <a:cs typeface="Arial" panose="020B0604020202020204" pitchFamily="34" charset="0"/>
-              </a:rPr>
-              <a:t>Concise Text on Slides to Explain the Main Points</a:t>
-            </a:r>
-          </a:p>
-          <a:p>
             <a:endParaRPr lang="en-US" dirty="0"/>
           </a:p>
         </p:txBody>
@@ -970,84 +814,6 @@
           <a:bodyPr/>
           <a:lstStyle/>
           <a:p>
-            <a:pPr algn="ctr"/>
-            <a:r>
-              <a:rPr lang="en-US" sz="1200" b="1" dirty="0">
-                <a:latin typeface="+mn-lt"/>
-                <a:cs typeface="Arial" panose="020B0604020202020204" pitchFamily="34" charset="0"/>
-              </a:rPr>
-              <a:t>Showcase Interesting and Innovative Aspects of Your Workflow.</a:t>
-            </a:r>
-          </a:p>
-          <a:p>
-            <a:pPr algn="ctr"/>
-            <a:endParaRPr lang="en-US" sz="1200" b="1" dirty="0">
-              <a:latin typeface="+mn-lt"/>
-              <a:cs typeface="Arial" panose="020B0604020202020204" pitchFamily="34" charset="0"/>
-            </a:endParaRPr>
-          </a:p>
-          <a:p>
-            <a:pPr algn="ctr"/>
-            <a:r>
-              <a:rPr lang="en-US" sz="1200" b="1" dirty="0">
-                <a:latin typeface="+mn-lt"/>
-                <a:cs typeface="Arial" panose="020B0604020202020204" pitchFamily="34" charset="0"/>
-              </a:rPr>
-              <a:t>State and Defend Modeling Decisions</a:t>
-            </a:r>
-          </a:p>
-          <a:p>
-            <a:pPr algn="ctr"/>
-            <a:endParaRPr lang="en-US" sz="1200" b="1" dirty="0">
-              <a:latin typeface="+mn-lt"/>
-              <a:cs typeface="Arial" panose="020B0604020202020204" pitchFamily="34" charset="0"/>
-            </a:endParaRPr>
-          </a:p>
-          <a:p>
-            <a:pPr algn="ctr"/>
-            <a:r>
-              <a:rPr lang="en-US" sz="1200" b="1" dirty="0">
-                <a:latin typeface="+mn-lt"/>
-                <a:cs typeface="Arial" panose="020B0604020202020204" pitchFamily="34" charset="0"/>
-              </a:rPr>
-              <a:t>Discuss Critical Results and Learnings for Workflow Steps</a:t>
-            </a:r>
-          </a:p>
-          <a:p>
-            <a:pPr algn="ctr"/>
-            <a:endParaRPr lang="en-US" sz="1200" b="1" dirty="0">
-              <a:latin typeface="+mn-lt"/>
-              <a:cs typeface="Arial" panose="020B0604020202020204" pitchFamily="34" charset="0"/>
-            </a:endParaRPr>
-          </a:p>
-          <a:p>
-            <a:pPr algn="ctr"/>
-            <a:r>
-              <a:rPr lang="en-US" sz="1200" b="1" dirty="0">
-                <a:latin typeface="+mn-lt"/>
-                <a:cs typeface="Arial" panose="020B0604020202020204" pitchFamily="34" charset="0"/>
-              </a:rPr>
-              <a:t>Captions for all Figures</a:t>
-            </a:r>
-          </a:p>
-          <a:p>
-            <a:pPr algn="ctr"/>
-            <a:endParaRPr lang="en-US" sz="1200" b="1" dirty="0">
-              <a:latin typeface="+mn-lt"/>
-              <a:cs typeface="Arial" panose="020B0604020202020204" pitchFamily="34" charset="0"/>
-            </a:endParaRPr>
-          </a:p>
-          <a:p>
-            <a:pPr algn="ctr"/>
-            <a:r>
-              <a:rPr lang="en-US" sz="1200" b="1" dirty="0">
-                <a:latin typeface="+mn-lt"/>
-                <a:cs typeface="Arial" panose="020B0604020202020204" pitchFamily="34" charset="0"/>
-              </a:rPr>
-              <a:t>Concise Text on Slides to Explain the Main Points</a:t>
-            </a:r>
-          </a:p>
-          <a:p>
             <a:endParaRPr lang="en-US" dirty="0"/>
           </a:p>
         </p:txBody>
@@ -1132,84 +898,6 @@
           <a:bodyPr/>
           <a:lstStyle/>
           <a:p>
-            <a:pPr algn="ctr"/>
-            <a:r>
-              <a:rPr lang="en-US" sz="1200" b="1" dirty="0">
-                <a:latin typeface="+mn-lt"/>
-                <a:cs typeface="Arial" panose="020B0604020202020204" pitchFamily="34" charset="0"/>
-              </a:rPr>
-              <a:t>Showcase Interesting and Innovative Aspects of Your Workflow.</a:t>
-            </a:r>
-          </a:p>
-          <a:p>
-            <a:pPr algn="ctr"/>
-            <a:endParaRPr lang="en-US" sz="1200" b="1" dirty="0">
-              <a:latin typeface="+mn-lt"/>
-              <a:cs typeface="Arial" panose="020B0604020202020204" pitchFamily="34" charset="0"/>
-            </a:endParaRPr>
-          </a:p>
-          <a:p>
-            <a:pPr algn="ctr"/>
-            <a:r>
-              <a:rPr lang="en-US" sz="1200" b="1" dirty="0">
-                <a:latin typeface="+mn-lt"/>
-                <a:cs typeface="Arial" panose="020B0604020202020204" pitchFamily="34" charset="0"/>
-              </a:rPr>
-              <a:t>State and Defend Modeling Decisions</a:t>
-            </a:r>
-          </a:p>
-          <a:p>
-            <a:pPr algn="ctr"/>
-            <a:endParaRPr lang="en-US" sz="1200" b="1" dirty="0">
-              <a:latin typeface="+mn-lt"/>
-              <a:cs typeface="Arial" panose="020B0604020202020204" pitchFamily="34" charset="0"/>
-            </a:endParaRPr>
-          </a:p>
-          <a:p>
-            <a:pPr algn="ctr"/>
-            <a:r>
-              <a:rPr lang="en-US" sz="1200" b="1" dirty="0">
-                <a:latin typeface="+mn-lt"/>
-                <a:cs typeface="Arial" panose="020B0604020202020204" pitchFamily="34" charset="0"/>
-              </a:rPr>
-              <a:t>Discuss Critical Results and Learnings for Workflow Steps</a:t>
-            </a:r>
-          </a:p>
-          <a:p>
-            <a:pPr algn="ctr"/>
-            <a:endParaRPr lang="en-US" sz="1200" b="1" dirty="0">
-              <a:latin typeface="+mn-lt"/>
-              <a:cs typeface="Arial" panose="020B0604020202020204" pitchFamily="34" charset="0"/>
-            </a:endParaRPr>
-          </a:p>
-          <a:p>
-            <a:pPr algn="ctr"/>
-            <a:r>
-              <a:rPr lang="en-US" sz="1200" b="1" dirty="0">
-                <a:latin typeface="+mn-lt"/>
-                <a:cs typeface="Arial" panose="020B0604020202020204" pitchFamily="34" charset="0"/>
-              </a:rPr>
-              <a:t>Captions for all Figures</a:t>
-            </a:r>
-          </a:p>
-          <a:p>
-            <a:pPr algn="ctr"/>
-            <a:endParaRPr lang="en-US" sz="1200" b="1" dirty="0">
-              <a:latin typeface="+mn-lt"/>
-              <a:cs typeface="Arial" panose="020B0604020202020204" pitchFamily="34" charset="0"/>
-            </a:endParaRPr>
-          </a:p>
-          <a:p>
-            <a:pPr algn="ctr"/>
-            <a:r>
-              <a:rPr lang="en-US" sz="1200" b="1" dirty="0">
-                <a:latin typeface="+mn-lt"/>
-                <a:cs typeface="Arial" panose="020B0604020202020204" pitchFamily="34" charset="0"/>
-              </a:rPr>
-              <a:t>Concise Text on Slides to Explain the Main Points</a:t>
-            </a:r>
-          </a:p>
-          <a:p>
             <a:endParaRPr lang="en-US" dirty="0"/>
           </a:p>
         </p:txBody>
@@ -1293,84 +981,6 @@
         <p:txBody>
           <a:bodyPr/>
           <a:lstStyle/>
-          <a:p>
-            <a:pPr algn="ctr"/>
-            <a:r>
-              <a:rPr lang="en-US" sz="1200" b="1" dirty="0">
-                <a:latin typeface="+mn-lt"/>
-                <a:cs typeface="Arial" panose="020B0604020202020204" pitchFamily="34" charset="0"/>
-              </a:rPr>
-              <a:t>Showcase Interesting and Innovative Aspects of Your Workflow.</a:t>
-            </a:r>
-          </a:p>
-          <a:p>
-            <a:pPr algn="ctr"/>
-            <a:endParaRPr lang="en-US" sz="1200" b="1" dirty="0">
-              <a:latin typeface="+mn-lt"/>
-              <a:cs typeface="Arial" panose="020B0604020202020204" pitchFamily="34" charset="0"/>
-            </a:endParaRPr>
-          </a:p>
-          <a:p>
-            <a:pPr algn="ctr"/>
-            <a:r>
-              <a:rPr lang="en-US" sz="1200" b="1" dirty="0">
-                <a:latin typeface="+mn-lt"/>
-                <a:cs typeface="Arial" panose="020B0604020202020204" pitchFamily="34" charset="0"/>
-              </a:rPr>
-              <a:t>State and Defend Modeling Decisions</a:t>
-            </a:r>
-          </a:p>
-          <a:p>
-            <a:pPr algn="ctr"/>
-            <a:endParaRPr lang="en-US" sz="1200" b="1" dirty="0">
-              <a:latin typeface="+mn-lt"/>
-              <a:cs typeface="Arial" panose="020B0604020202020204" pitchFamily="34" charset="0"/>
-            </a:endParaRPr>
-          </a:p>
-          <a:p>
-            <a:pPr algn="ctr"/>
-            <a:r>
-              <a:rPr lang="en-US" sz="1200" b="1" dirty="0">
-                <a:latin typeface="+mn-lt"/>
-                <a:cs typeface="Arial" panose="020B0604020202020204" pitchFamily="34" charset="0"/>
-              </a:rPr>
-              <a:t>Discuss Critical Results and Learnings for Workflow Steps</a:t>
-            </a:r>
-          </a:p>
-          <a:p>
-            <a:pPr algn="ctr"/>
-            <a:endParaRPr lang="en-US" sz="1200" b="1" dirty="0">
-              <a:latin typeface="+mn-lt"/>
-              <a:cs typeface="Arial" panose="020B0604020202020204" pitchFamily="34" charset="0"/>
-            </a:endParaRPr>
-          </a:p>
-          <a:p>
-            <a:pPr algn="ctr"/>
-            <a:r>
-              <a:rPr lang="en-US" sz="1200" b="1" dirty="0">
-                <a:latin typeface="+mn-lt"/>
-                <a:cs typeface="Arial" panose="020B0604020202020204" pitchFamily="34" charset="0"/>
-              </a:rPr>
-              <a:t>Captions for all Figures</a:t>
-            </a:r>
-          </a:p>
-          <a:p>
-            <a:pPr algn="ctr"/>
-            <a:endParaRPr lang="en-US" sz="1200" b="1" dirty="0">
-              <a:latin typeface="+mn-lt"/>
-              <a:cs typeface="Arial" panose="020B0604020202020204" pitchFamily="34" charset="0"/>
-            </a:endParaRPr>
-          </a:p>
-          <a:p>
-            <a:pPr algn="ctr"/>
-            <a:r>
-              <a:rPr lang="en-US" sz="1200" b="1" dirty="0">
-                <a:latin typeface="+mn-lt"/>
-                <a:cs typeface="Arial" panose="020B0604020202020204" pitchFamily="34" charset="0"/>
-              </a:rPr>
-              <a:t>Concise Text on Slides to Explain the Main Points</a:t>
-            </a:r>
-          </a:p>
           <a:p>
             <a:endParaRPr lang="en-US" dirty="0"/>
           </a:p>
@@ -1787,17 +1397,17 @@
           <a:noFill/>
           <a:extLst>
             <a:ext uri="{FAA26D3D-D897-4be2-8F04-BA451C77F1D7}">
-              <ma14:placeholderFlag xmlns="" xmlns:ma14="http://schemas.microsoft.com/office/mac/drawingml/2011/main" val="1"/>
+              <ma14:placeholderFlag xmlns:ma14="http://schemas.microsoft.com/office/mac/drawingml/2011/main" xmlns="" val="1"/>
             </a:ext>
             <a:ext uri="{909E8E84-426E-40dd-AFC4-6F175D3DCCD1}">
-              <a14:hiddenFill xmlns:a14="http://schemas.microsoft.com/office/drawing/2010/main" xmlns="">
+              <a14:hiddenFill xmlns="" xmlns:a14="http://schemas.microsoft.com/office/drawing/2010/main">
                 <a:solidFill>
                   <a:srgbClr val="FFFFFF"/>
                 </a:solidFill>
               </a14:hiddenFill>
             </a:ext>
             <a:ext uri="{91240B29-F687-4f45-9708-019B960494DF}">
-              <a14:hiddenLine xmlns:a14="http://schemas.microsoft.com/office/drawing/2010/main" xmlns="" w="9525">
+              <a14:hiddenLine xmlns="" xmlns:a14="http://schemas.microsoft.com/office/drawing/2010/main" w="9525">
                 <a:solidFill>
                   <a:srgbClr val="000000"/>
                 </a:solidFill>
@@ -1939,17 +1549,17 @@
           <a:noFill/>
           <a:extLst>
             <a:ext uri="{FAA26D3D-D897-4be2-8F04-BA451C77F1D7}">
-              <ma14:placeholderFlag xmlns="" xmlns:ma14="http://schemas.microsoft.com/office/mac/drawingml/2011/main" val="1"/>
+              <ma14:placeholderFlag xmlns:ma14="http://schemas.microsoft.com/office/mac/drawingml/2011/main" xmlns="" val="1"/>
             </a:ext>
             <a:ext uri="{909E8E84-426E-40dd-AFC4-6F175D3DCCD1}">
-              <a14:hiddenFill xmlns:a14="http://schemas.microsoft.com/office/drawing/2010/main" xmlns="">
+              <a14:hiddenFill xmlns="" xmlns:a14="http://schemas.microsoft.com/office/drawing/2010/main">
                 <a:solidFill>
                   <a:srgbClr val="FFFFFF"/>
                 </a:solidFill>
               </a14:hiddenFill>
             </a:ext>
             <a:ext uri="{91240B29-F687-4f45-9708-019B960494DF}">
-              <a14:hiddenLine xmlns:a14="http://schemas.microsoft.com/office/drawing/2010/main" xmlns="" w="9525">
+              <a14:hiddenLine xmlns="" xmlns:a14="http://schemas.microsoft.com/office/drawing/2010/main" w="9525">
                 <a:solidFill>
                   <a:srgbClr val="000000"/>
                 </a:solidFill>
@@ -2090,17 +1700,17 @@
           <a:noFill/>
           <a:extLst>
             <a:ext uri="{FAA26D3D-D897-4be2-8F04-BA451C77F1D7}">
-              <ma14:placeholderFlag xmlns="" xmlns:ma14="http://schemas.microsoft.com/office/mac/drawingml/2011/main" val="1"/>
+              <ma14:placeholderFlag xmlns:ma14="http://schemas.microsoft.com/office/mac/drawingml/2011/main" xmlns="" val="1"/>
             </a:ext>
             <a:ext uri="{909E8E84-426E-40dd-AFC4-6F175D3DCCD1}">
-              <a14:hiddenFill xmlns:a14="http://schemas.microsoft.com/office/drawing/2010/main" xmlns="">
+              <a14:hiddenFill xmlns="" xmlns:a14="http://schemas.microsoft.com/office/drawing/2010/main">
                 <a:solidFill>
                   <a:srgbClr val="FFFFFF"/>
                 </a:solidFill>
               </a14:hiddenFill>
             </a:ext>
             <a:ext uri="{91240B29-F687-4f45-9708-019B960494DF}">
-              <a14:hiddenLine xmlns:a14="http://schemas.microsoft.com/office/drawing/2010/main" xmlns="" w="9525">
+              <a14:hiddenLine xmlns="" xmlns:a14="http://schemas.microsoft.com/office/drawing/2010/main" w="9525">
                 <a:solidFill>
                   <a:srgbClr val="000000"/>
                 </a:solidFill>
@@ -2379,14 +1989,14 @@
           </a:ln>
           <a:extLst>
             <a:ext uri="{909E8E84-426E-40dd-AFC4-6F175D3DCCD1}">
-              <a14:hiddenFill xmlns:a14="http://schemas.microsoft.com/office/drawing/2010/main" xmlns="">
+              <a14:hiddenFill xmlns="" xmlns:a14="http://schemas.microsoft.com/office/drawing/2010/main">
                 <a:solidFill>
                   <a:srgbClr val="FFFFFF"/>
                 </a:solidFill>
               </a14:hiddenFill>
             </a:ext>
             <a:ext uri="{91240B29-F687-4f45-9708-019B960494DF}">
-              <a14:hiddenLine xmlns:a14="http://schemas.microsoft.com/office/drawing/2010/main" xmlns="" w="9525">
+              <a14:hiddenLine xmlns="" xmlns:a14="http://schemas.microsoft.com/office/drawing/2010/main" w="9525">
                 <a:solidFill>
                   <a:srgbClr val="000000"/>
                 </a:solidFill>
@@ -2449,17 +2059,17 @@
           <a:noFill/>
           <a:extLst>
             <a:ext uri="{FAA26D3D-D897-4be2-8F04-BA451C77F1D7}">
-              <ma14:placeholderFlag xmlns="" xmlns:ma14="http://schemas.microsoft.com/office/mac/drawingml/2011/main" val="1"/>
+              <ma14:placeholderFlag xmlns:ma14="http://schemas.microsoft.com/office/mac/drawingml/2011/main" xmlns="" val="1"/>
             </a:ext>
             <a:ext uri="{909E8E84-426E-40dd-AFC4-6F175D3DCCD1}">
-              <a14:hiddenFill xmlns:a14="http://schemas.microsoft.com/office/drawing/2010/main" xmlns="">
+              <a14:hiddenFill xmlns="" xmlns:a14="http://schemas.microsoft.com/office/drawing/2010/main">
                 <a:solidFill>
                   <a:srgbClr val="FFFFFF"/>
                 </a:solidFill>
               </a14:hiddenFill>
             </a:ext>
             <a:ext uri="{91240B29-F687-4f45-9708-019B960494DF}">
-              <a14:hiddenLine xmlns:a14="http://schemas.microsoft.com/office/drawing/2010/main" xmlns="" w="9525">
+              <a14:hiddenLine xmlns="" xmlns:a14="http://schemas.microsoft.com/office/drawing/2010/main" w="9525">
                 <a:solidFill>
                   <a:srgbClr val="000000"/>
                 </a:solidFill>
@@ -2600,17 +2210,17 @@
           <a:noFill/>
           <a:extLst>
             <a:ext uri="{FAA26D3D-D897-4be2-8F04-BA451C77F1D7}">
-              <ma14:placeholderFlag xmlns="" xmlns:ma14="http://schemas.microsoft.com/office/mac/drawingml/2011/main" val="1"/>
+              <ma14:placeholderFlag xmlns:ma14="http://schemas.microsoft.com/office/mac/drawingml/2011/main" xmlns="" val="1"/>
             </a:ext>
             <a:ext uri="{909E8E84-426E-40dd-AFC4-6F175D3DCCD1}">
-              <a14:hiddenFill xmlns:a14="http://schemas.microsoft.com/office/drawing/2010/main" xmlns="">
+              <a14:hiddenFill xmlns="" xmlns:a14="http://schemas.microsoft.com/office/drawing/2010/main">
                 <a:solidFill>
                   <a:srgbClr val="FFFFFF"/>
                 </a:solidFill>
               </a14:hiddenFill>
             </a:ext>
             <a:ext uri="{91240B29-F687-4f45-9708-019B960494DF}">
-              <a14:hiddenLine xmlns:a14="http://schemas.microsoft.com/office/drawing/2010/main" xmlns="" w="9525">
+              <a14:hiddenLine xmlns="" xmlns:a14="http://schemas.microsoft.com/office/drawing/2010/main" w="9525">
                 <a:solidFill>
                   <a:srgbClr val="000000"/>
                 </a:solidFill>
@@ -2782,17 +2392,17 @@
           <a:noFill/>
           <a:extLst>
             <a:ext uri="{FAA26D3D-D897-4be2-8F04-BA451C77F1D7}">
-              <ma14:placeholderFlag xmlns="" xmlns:ma14="http://schemas.microsoft.com/office/mac/drawingml/2011/main" val="1"/>
+              <ma14:placeholderFlag xmlns:ma14="http://schemas.microsoft.com/office/mac/drawingml/2011/main" xmlns="" val="1"/>
             </a:ext>
             <a:ext uri="{909E8E84-426E-40dd-AFC4-6F175D3DCCD1}">
-              <a14:hiddenFill xmlns:a14="http://schemas.microsoft.com/office/drawing/2010/main" xmlns="">
+              <a14:hiddenFill xmlns="" xmlns:a14="http://schemas.microsoft.com/office/drawing/2010/main">
                 <a:solidFill>
                   <a:srgbClr val="FFFFFF"/>
                 </a:solidFill>
               </a14:hiddenFill>
             </a:ext>
             <a:ext uri="{91240B29-F687-4f45-9708-019B960494DF}">
-              <a14:hiddenLine xmlns:a14="http://schemas.microsoft.com/office/drawing/2010/main" xmlns="" w="9525">
+              <a14:hiddenLine xmlns="" xmlns:a14="http://schemas.microsoft.com/office/drawing/2010/main" w="9525">
                 <a:solidFill>
                   <a:srgbClr val="000000"/>
                 </a:solidFill>
@@ -5321,6 +4931,164 @@
           </a:p>
         </p:txBody>
       </p:sp>
+      <p:pic>
+        <p:nvPicPr>
+          <p:cNvPr id="3" name="Picture 2">
+            <a:extLst>
+              <a:ext uri="{FF2B5EF4-FFF2-40B4-BE49-F238E27FC236}">
+                <a16:creationId xmlns:a16="http://schemas.microsoft.com/office/drawing/2014/main" id="{B3B82B6A-FC46-420C-A0F3-9F4BD6C5583C}"/>
+              </a:ext>
+            </a:extLst>
+          </p:cNvPr>
+          <p:cNvPicPr>
+            <a:picLocks noChangeAspect="1"/>
+          </p:cNvPicPr>
+          <p:nvPr/>
+        </p:nvPicPr>
+        <p:blipFill>
+          <a:blip r:embed="rId3"/>
+          <a:stretch>
+            <a:fillRect/>
+          </a:stretch>
+        </p:blipFill>
+        <p:spPr>
+          <a:xfrm>
+            <a:off x="506028" y="1196482"/>
+            <a:ext cx="7084476" cy="1833775"/>
+          </a:xfrm>
+          <a:prstGeom prst="rect">
+            <a:avLst/>
+          </a:prstGeom>
+        </p:spPr>
+      </p:pic>
+      <p:sp>
+        <p:nvSpPr>
+          <p:cNvPr id="4" name="TextBox 3">
+            <a:extLst>
+              <a:ext uri="{FF2B5EF4-FFF2-40B4-BE49-F238E27FC236}">
+                <a16:creationId xmlns:a16="http://schemas.microsoft.com/office/drawing/2014/main" id="{DF527846-2D46-4886-9C16-11138DA75D10}"/>
+              </a:ext>
+            </a:extLst>
+          </p:cNvPr>
+          <p:cNvSpPr txBox="1"/>
+          <p:nvPr/>
+        </p:nvSpPr>
+        <p:spPr>
+          <a:xfrm>
+            <a:off x="636614" y="2960791"/>
+            <a:ext cx="7870770" cy="707886"/>
+          </a:xfrm>
+          <a:prstGeom prst="rect">
+            <a:avLst/>
+          </a:prstGeom>
+          <a:noFill/>
+        </p:spPr>
+        <p:txBody>
+          <a:bodyPr wrap="square" rtlCol="0">
+            <a:spAutoFit/>
+          </a:bodyPr>
+          <a:lstStyle/>
+          <a:p>
+            <a:pPr marL="342900" indent="-342900">
+              <a:buFont typeface="Arial" panose="020B0604020202020204" pitchFamily="34" charset="0"/>
+              <a:buChar char="•"/>
+            </a:pPr>
+            <a:r>
+              <a:rPr lang="en-US" sz="2000" dirty="0"/>
+              <a:t>Permeability and Porosity are largely missing</a:t>
+            </a:r>
+          </a:p>
+          <a:p>
+            <a:pPr marL="342900" indent="-342900">
+              <a:buFont typeface="Arial" panose="020B0604020202020204" pitchFamily="34" charset="0"/>
+              <a:buChar char="•"/>
+            </a:pPr>
+            <a:r>
+              <a:rPr lang="en-US" sz="2000" dirty="0"/>
+              <a:t>DTS and DENC have lots of data missing as well</a:t>
+            </a:r>
+          </a:p>
+        </p:txBody>
+      </p:sp>
+      <p:pic>
+        <p:nvPicPr>
+          <p:cNvPr id="6" name="Picture 5" descr="A picture containing calendar&#10;&#10;Description automatically generated">
+            <a:extLst>
+              <a:ext uri="{FF2B5EF4-FFF2-40B4-BE49-F238E27FC236}">
+                <a16:creationId xmlns:a16="http://schemas.microsoft.com/office/drawing/2014/main" id="{483A708E-53AD-4287-92A1-FC47F16789ED}"/>
+              </a:ext>
+            </a:extLst>
+          </p:cNvPr>
+          <p:cNvPicPr>
+            <a:picLocks noChangeAspect="1"/>
+          </p:cNvPicPr>
+          <p:nvPr/>
+        </p:nvPicPr>
+        <p:blipFill>
+          <a:blip r:embed="rId4"/>
+          <a:stretch>
+            <a:fillRect/>
+          </a:stretch>
+        </p:blipFill>
+        <p:spPr>
+          <a:xfrm>
+            <a:off x="194115" y="4061294"/>
+            <a:ext cx="8716441" cy="1452740"/>
+          </a:xfrm>
+          <a:prstGeom prst="rect">
+            <a:avLst/>
+          </a:prstGeom>
+        </p:spPr>
+      </p:pic>
+      <p:sp>
+        <p:nvSpPr>
+          <p:cNvPr id="8" name="TextBox 7">
+            <a:extLst>
+              <a:ext uri="{FF2B5EF4-FFF2-40B4-BE49-F238E27FC236}">
+                <a16:creationId xmlns:a16="http://schemas.microsoft.com/office/drawing/2014/main" id="{FAE8851A-8460-4359-9D36-C3F65EDA778D}"/>
+              </a:ext>
+            </a:extLst>
+          </p:cNvPr>
+          <p:cNvSpPr txBox="1"/>
+          <p:nvPr/>
+        </p:nvSpPr>
+        <p:spPr>
+          <a:xfrm>
+            <a:off x="636614" y="5533698"/>
+            <a:ext cx="7870770" cy="707886"/>
+          </a:xfrm>
+          <a:prstGeom prst="rect">
+            <a:avLst/>
+          </a:prstGeom>
+          <a:noFill/>
+        </p:spPr>
+        <p:txBody>
+          <a:bodyPr wrap="square" rtlCol="0">
+            <a:spAutoFit/>
+          </a:bodyPr>
+          <a:lstStyle/>
+          <a:p>
+            <a:pPr marL="342900" indent="-342900">
+              <a:buFont typeface="Arial" panose="020B0604020202020204" pitchFamily="34" charset="0"/>
+              <a:buChar char="•"/>
+            </a:pPr>
+            <a:r>
+              <a:rPr lang="en-US" sz="2000" dirty="0"/>
+              <a:t>Data table made with mean values for all 50 wells</a:t>
+            </a:r>
+          </a:p>
+          <a:p>
+            <a:pPr marL="342900" indent="-342900">
+              <a:buFont typeface="Arial" panose="020B0604020202020204" pitchFamily="34" charset="0"/>
+              <a:buChar char="•"/>
+            </a:pPr>
+            <a:r>
+              <a:rPr lang="en-US" sz="2000" dirty="0"/>
+              <a:t>Production and location data were added to well logs</a:t>
+            </a:r>
+          </a:p>
+        </p:txBody>
+      </p:sp>
     </p:spTree>
     <p:extLst>
       <p:ext uri="{BB962C8B-B14F-4D97-AF65-F5344CB8AC3E}">
@@ -5365,7 +5133,7 @@
         </p:nvSpPr>
         <p:spPr>
           <a:xfrm>
-            <a:off x="506027" y="857928"/>
+            <a:off x="506027" y="926754"/>
             <a:ext cx="8043169" cy="677108"/>
           </a:xfrm>
           <a:prstGeom prst="rect">
@@ -5394,6 +5162,122 @@
               <a:latin typeface="+mn-lt"/>
               <a:cs typeface="Arial" panose="020B0604020202020204" pitchFamily="34" charset="0"/>
             </a:endParaRPr>
+          </a:p>
+        </p:txBody>
+      </p:sp>
+      <p:pic>
+        <p:nvPicPr>
+          <p:cNvPr id="5" name="Picture 4" descr="Background pattern&#10;&#10;Description automatically generated">
+            <a:extLst>
+              <a:ext uri="{FF2B5EF4-FFF2-40B4-BE49-F238E27FC236}">
+                <a16:creationId xmlns:a16="http://schemas.microsoft.com/office/drawing/2014/main" id="{7351D24B-B82B-4396-8E09-4720353FEC41}"/>
+              </a:ext>
+            </a:extLst>
+          </p:cNvPr>
+          <p:cNvPicPr>
+            <a:picLocks noChangeAspect="1"/>
+          </p:cNvPicPr>
+          <p:nvPr/>
+        </p:nvPicPr>
+        <p:blipFill>
+          <a:blip r:embed="rId3"/>
+          <a:stretch>
+            <a:fillRect/>
+          </a:stretch>
+        </p:blipFill>
+        <p:spPr>
+          <a:xfrm>
+            <a:off x="103185" y="1603862"/>
+            <a:ext cx="5452041" cy="4540517"/>
+          </a:xfrm>
+          <a:prstGeom prst="rect">
+            <a:avLst/>
+          </a:prstGeom>
+        </p:spPr>
+      </p:pic>
+      <p:sp>
+        <p:nvSpPr>
+          <p:cNvPr id="6" name="TextBox 5">
+            <a:extLst>
+              <a:ext uri="{FF2B5EF4-FFF2-40B4-BE49-F238E27FC236}">
+                <a16:creationId xmlns:a16="http://schemas.microsoft.com/office/drawing/2014/main" id="{07446857-0F23-41AE-8ECB-F996F22C27B6}"/>
+              </a:ext>
+            </a:extLst>
+          </p:cNvPr>
+          <p:cNvSpPr txBox="1"/>
+          <p:nvPr/>
+        </p:nvSpPr>
+        <p:spPr>
+          <a:xfrm>
+            <a:off x="5702710" y="1603862"/>
+            <a:ext cx="3249328" cy="4524315"/>
+          </a:xfrm>
+          <a:prstGeom prst="rect">
+            <a:avLst/>
+          </a:prstGeom>
+          <a:noFill/>
+        </p:spPr>
+        <p:txBody>
+          <a:bodyPr wrap="square" rtlCol="0">
+            <a:spAutoFit/>
+          </a:bodyPr>
+          <a:lstStyle/>
+          <a:p>
+            <a:pPr marL="342900" indent="-342900">
+              <a:buFont typeface="Arial" panose="020B0604020202020204" pitchFamily="34" charset="0"/>
+              <a:buChar char="•"/>
+            </a:pPr>
+            <a:r>
+              <a:rPr lang="en-US" dirty="0"/>
+              <a:t>Looked for features with high correlation to production</a:t>
+            </a:r>
+          </a:p>
+          <a:p>
+            <a:pPr marL="342900" indent="-342900">
+              <a:buFont typeface="Arial" panose="020B0604020202020204" pitchFamily="34" charset="0"/>
+              <a:buChar char="•"/>
+            </a:pPr>
+            <a:r>
+              <a:rPr lang="en-US" dirty="0"/>
+              <a:t>Features with lots of NaN values were ignored</a:t>
+            </a:r>
+          </a:p>
+          <a:p>
+            <a:pPr marL="800100" lvl="1" indent="-342900">
+              <a:buFont typeface="Arial" panose="020B0604020202020204" pitchFamily="34" charset="0"/>
+              <a:buChar char="•"/>
+            </a:pPr>
+            <a:r>
+              <a:rPr lang="en-US" dirty="0"/>
+              <a:t>Porosity, Permeability</a:t>
+            </a:r>
+          </a:p>
+          <a:p>
+            <a:pPr marL="342900" indent="-342900">
+              <a:buFont typeface="Arial" panose="020B0604020202020204" pitchFamily="34" charset="0"/>
+              <a:buChar char="•"/>
+            </a:pPr>
+            <a:r>
+              <a:rPr lang="en-US" dirty="0"/>
+              <a:t>Some features were redundant</a:t>
+            </a:r>
+          </a:p>
+          <a:p>
+            <a:pPr marL="800100" lvl="1" indent="-342900">
+              <a:buFont typeface="Arial" panose="020B0604020202020204" pitchFamily="34" charset="0"/>
+              <a:buChar char="•"/>
+            </a:pPr>
+            <a:r>
+              <a:rPr lang="en-US" dirty="0"/>
+              <a:t>RHOB and DENC</a:t>
+            </a:r>
+          </a:p>
+          <a:p>
+            <a:pPr marL="342900" indent="-342900">
+              <a:buFont typeface="Arial" panose="020B0604020202020204" pitchFamily="34" charset="0"/>
+              <a:buChar char="•"/>
+            </a:pPr>
+            <a:endParaRPr lang="en-US" dirty="0"/>
           </a:p>
         </p:txBody>
       </p:sp>

--- a/Longhorn_Energy_Club_Presentation.pptx
+++ b/Longhorn_Energy_Club_Presentation.pptx
@@ -6,19 +6,21 @@
     <p:sldMasterId id="2147483678" r:id="rId2"/>
   </p:sldMasterIdLst>
   <p:notesMasterIdLst>
-    <p:notesMasterId r:id="rId13"/>
+    <p:notesMasterId r:id="rId15"/>
   </p:notesMasterIdLst>
   <p:sldIdLst>
     <p:sldId id="263" r:id="rId3"/>
     <p:sldId id="264" r:id="rId4"/>
     <p:sldId id="265" r:id="rId5"/>
-    <p:sldId id="266" r:id="rId6"/>
-    <p:sldId id="269" r:id="rId7"/>
-    <p:sldId id="270" r:id="rId8"/>
-    <p:sldId id="271" r:id="rId9"/>
-    <p:sldId id="272" r:id="rId10"/>
-    <p:sldId id="267" r:id="rId11"/>
-    <p:sldId id="268" r:id="rId12"/>
+    <p:sldId id="273" r:id="rId6"/>
+    <p:sldId id="274" r:id="rId7"/>
+    <p:sldId id="275" r:id="rId8"/>
+    <p:sldId id="269" r:id="rId9"/>
+    <p:sldId id="270" r:id="rId10"/>
+    <p:sldId id="271" r:id="rId11"/>
+    <p:sldId id="272" r:id="rId12"/>
+    <p:sldId id="267" r:id="rId13"/>
+    <p:sldId id="268" r:id="rId14"/>
   </p:sldIdLst>
   <p:sldSz cx="9144000" cy="6858000" type="screen4x3"/>
   <p:notesSz cx="6858000" cy="9144000"/>
@@ -667,7 +669,7 @@
           <a:p>
             <a:fld id="{D11CC7E6-B446-F548-8841-94B308AA320D}" type="slidenum">
               <a:rPr lang="en-US" smtClean="0"/>
-              <a:t>4</a:t>
+              <a:t>7</a:t>
             </a:fld>
             <a:endParaRPr lang="en-US"/>
           </a:p>
@@ -676,7 +678,7 @@
     </p:spTree>
     <p:extLst>
       <p:ext uri="{BB962C8B-B14F-4D97-AF65-F5344CB8AC3E}">
-        <p14:creationId xmlns:p14="http://schemas.microsoft.com/office/powerpoint/2010/main" val="2321910091"/>
+        <p14:creationId xmlns:p14="http://schemas.microsoft.com/office/powerpoint/2010/main" val="1104930004"/>
       </p:ext>
     </p:extLst>
   </p:cSld>
@@ -751,7 +753,7 @@
           <a:p>
             <a:fld id="{D11CC7E6-B446-F548-8841-94B308AA320D}" type="slidenum">
               <a:rPr lang="en-US" smtClean="0"/>
-              <a:t>5</a:t>
+              <a:t>8</a:t>
             </a:fld>
             <a:endParaRPr lang="en-US"/>
           </a:p>
@@ -760,7 +762,7 @@
     </p:spTree>
     <p:extLst>
       <p:ext uri="{BB962C8B-B14F-4D97-AF65-F5344CB8AC3E}">
-        <p14:creationId xmlns:p14="http://schemas.microsoft.com/office/powerpoint/2010/main" val="1104930004"/>
+        <p14:creationId xmlns:p14="http://schemas.microsoft.com/office/powerpoint/2010/main" val="3553755173"/>
       </p:ext>
     </p:extLst>
   </p:cSld>
@@ -835,7 +837,7 @@
           <a:p>
             <a:fld id="{D11CC7E6-B446-F548-8841-94B308AA320D}" type="slidenum">
               <a:rPr lang="en-US" smtClean="0"/>
-              <a:t>6</a:t>
+              <a:t>9</a:t>
             </a:fld>
             <a:endParaRPr lang="en-US"/>
           </a:p>
@@ -844,7 +846,7 @@
     </p:spTree>
     <p:extLst>
       <p:ext uri="{BB962C8B-B14F-4D97-AF65-F5344CB8AC3E}">
-        <p14:creationId xmlns:p14="http://schemas.microsoft.com/office/powerpoint/2010/main" val="3553755173"/>
+        <p14:creationId xmlns:p14="http://schemas.microsoft.com/office/powerpoint/2010/main" val="2623302391"/>
       </p:ext>
     </p:extLst>
   </p:cSld>
@@ -919,91 +921,7 @@
           <a:p>
             <a:fld id="{D11CC7E6-B446-F548-8841-94B308AA320D}" type="slidenum">
               <a:rPr lang="en-US" smtClean="0"/>
-              <a:t>7</a:t>
-            </a:fld>
-            <a:endParaRPr lang="en-US"/>
-          </a:p>
-        </p:txBody>
-      </p:sp>
-    </p:spTree>
-    <p:extLst>
-      <p:ext uri="{BB962C8B-B14F-4D97-AF65-F5344CB8AC3E}">
-        <p14:creationId xmlns:p14="http://schemas.microsoft.com/office/powerpoint/2010/main" val="2623302391"/>
-      </p:ext>
-    </p:extLst>
-  </p:cSld>
-  <p:clrMapOvr>
-    <a:masterClrMapping/>
-  </p:clrMapOvr>
-</p:notes>
-</file>
-
-<file path=ppt/notesSlides/notesSlide6.xml><?xml version="1.0" encoding="utf-8"?>
-<p:notes xmlns:a="http://schemas.openxmlformats.org/drawingml/2006/main" xmlns:r="http://schemas.openxmlformats.org/officeDocument/2006/relationships" xmlns:p="http://schemas.openxmlformats.org/presentationml/2006/main">
-  <p:cSld>
-    <p:spTree>
-      <p:nvGrpSpPr>
-        <p:cNvPr id="1" name=""/>
-        <p:cNvGrpSpPr/>
-        <p:nvPr/>
-      </p:nvGrpSpPr>
-      <p:grpSpPr>
-        <a:xfrm>
-          <a:off x="0" y="0"/>
-          <a:ext cx="0" cy="0"/>
-          <a:chOff x="0" y="0"/>
-          <a:chExt cx="0" cy="0"/>
-        </a:xfrm>
-      </p:grpSpPr>
-      <p:sp>
-        <p:nvSpPr>
-          <p:cNvPr id="2" name="Slide Image Placeholder 1"/>
-          <p:cNvSpPr>
-            <a:spLocks noGrp="1" noRot="1" noChangeAspect="1"/>
-          </p:cNvSpPr>
-          <p:nvPr>
-            <p:ph type="sldImg"/>
-          </p:nvPr>
-        </p:nvSpPr>
-        <p:spPr/>
-      </p:sp>
-      <p:sp>
-        <p:nvSpPr>
-          <p:cNvPr id="3" name="Notes Placeholder 2"/>
-          <p:cNvSpPr>
-            <a:spLocks noGrp="1"/>
-          </p:cNvSpPr>
-          <p:nvPr>
-            <p:ph type="body" idx="1"/>
-          </p:nvPr>
-        </p:nvSpPr>
-        <p:spPr/>
-        <p:txBody>
-          <a:bodyPr/>
-          <a:lstStyle/>
-          <a:p>
-            <a:endParaRPr lang="en-US" dirty="0"/>
-          </a:p>
-        </p:txBody>
-      </p:sp>
-      <p:sp>
-        <p:nvSpPr>
-          <p:cNvPr id="4" name="Slide Number Placeholder 3"/>
-          <p:cNvSpPr>
-            <a:spLocks noGrp="1"/>
-          </p:cNvSpPr>
-          <p:nvPr>
-            <p:ph type="sldNum" sz="quarter" idx="5"/>
-          </p:nvPr>
-        </p:nvSpPr>
-        <p:spPr/>
-        <p:txBody>
-          <a:bodyPr/>
-          <a:lstStyle/>
-          <a:p>
-            <a:fld id="{D11CC7E6-B446-F548-8841-94B308AA320D}" type="slidenum">
-              <a:rPr lang="en-US" smtClean="0"/>
-              <a:t>8</a:t>
+              <a:t>10</a:t>
             </a:fld>
             <a:endParaRPr lang="en-US"/>
           </a:p>
@@ -1397,17 +1315,17 @@
           <a:noFill/>
           <a:extLst>
             <a:ext uri="{FAA26D3D-D897-4be2-8F04-BA451C77F1D7}">
-              <ma14:placeholderFlag xmlns:ma14="http://schemas.microsoft.com/office/mac/drawingml/2011/main" xmlns="" val="1"/>
+              <ma14:placeholderFlag xmlns="" xmlns:ma14="http://schemas.microsoft.com/office/mac/drawingml/2011/main" val="1"/>
             </a:ext>
             <a:ext uri="{909E8E84-426E-40dd-AFC4-6F175D3DCCD1}">
-              <a14:hiddenFill xmlns="" xmlns:a14="http://schemas.microsoft.com/office/drawing/2010/main">
+              <a14:hiddenFill xmlns:a14="http://schemas.microsoft.com/office/drawing/2010/main" xmlns="">
                 <a:solidFill>
                   <a:srgbClr val="FFFFFF"/>
                 </a:solidFill>
               </a14:hiddenFill>
             </a:ext>
             <a:ext uri="{91240B29-F687-4f45-9708-019B960494DF}">
-              <a14:hiddenLine xmlns="" xmlns:a14="http://schemas.microsoft.com/office/drawing/2010/main" w="9525">
+              <a14:hiddenLine xmlns:a14="http://schemas.microsoft.com/office/drawing/2010/main" xmlns="" w="9525">
                 <a:solidFill>
                   <a:srgbClr val="000000"/>
                 </a:solidFill>
@@ -1549,17 +1467,17 @@
           <a:noFill/>
           <a:extLst>
             <a:ext uri="{FAA26D3D-D897-4be2-8F04-BA451C77F1D7}">
-              <ma14:placeholderFlag xmlns:ma14="http://schemas.microsoft.com/office/mac/drawingml/2011/main" xmlns="" val="1"/>
+              <ma14:placeholderFlag xmlns="" xmlns:ma14="http://schemas.microsoft.com/office/mac/drawingml/2011/main" val="1"/>
             </a:ext>
             <a:ext uri="{909E8E84-426E-40dd-AFC4-6F175D3DCCD1}">
-              <a14:hiddenFill xmlns="" xmlns:a14="http://schemas.microsoft.com/office/drawing/2010/main">
+              <a14:hiddenFill xmlns:a14="http://schemas.microsoft.com/office/drawing/2010/main" xmlns="">
                 <a:solidFill>
                   <a:srgbClr val="FFFFFF"/>
                 </a:solidFill>
               </a14:hiddenFill>
             </a:ext>
             <a:ext uri="{91240B29-F687-4f45-9708-019B960494DF}">
-              <a14:hiddenLine xmlns="" xmlns:a14="http://schemas.microsoft.com/office/drawing/2010/main" w="9525">
+              <a14:hiddenLine xmlns:a14="http://schemas.microsoft.com/office/drawing/2010/main" xmlns="" w="9525">
                 <a:solidFill>
                   <a:srgbClr val="000000"/>
                 </a:solidFill>
@@ -1700,17 +1618,17 @@
           <a:noFill/>
           <a:extLst>
             <a:ext uri="{FAA26D3D-D897-4be2-8F04-BA451C77F1D7}">
-              <ma14:placeholderFlag xmlns:ma14="http://schemas.microsoft.com/office/mac/drawingml/2011/main" xmlns="" val="1"/>
+              <ma14:placeholderFlag xmlns="" xmlns:ma14="http://schemas.microsoft.com/office/mac/drawingml/2011/main" val="1"/>
             </a:ext>
             <a:ext uri="{909E8E84-426E-40dd-AFC4-6F175D3DCCD1}">
-              <a14:hiddenFill xmlns="" xmlns:a14="http://schemas.microsoft.com/office/drawing/2010/main">
+              <a14:hiddenFill xmlns:a14="http://schemas.microsoft.com/office/drawing/2010/main" xmlns="">
                 <a:solidFill>
                   <a:srgbClr val="FFFFFF"/>
                 </a:solidFill>
               </a14:hiddenFill>
             </a:ext>
             <a:ext uri="{91240B29-F687-4f45-9708-019B960494DF}">
-              <a14:hiddenLine xmlns="" xmlns:a14="http://schemas.microsoft.com/office/drawing/2010/main" w="9525">
+              <a14:hiddenLine xmlns:a14="http://schemas.microsoft.com/office/drawing/2010/main" xmlns="" w="9525">
                 <a:solidFill>
                   <a:srgbClr val="000000"/>
                 </a:solidFill>
@@ -1989,14 +1907,14 @@
           </a:ln>
           <a:extLst>
             <a:ext uri="{909E8E84-426E-40dd-AFC4-6F175D3DCCD1}">
-              <a14:hiddenFill xmlns="" xmlns:a14="http://schemas.microsoft.com/office/drawing/2010/main">
+              <a14:hiddenFill xmlns:a14="http://schemas.microsoft.com/office/drawing/2010/main" xmlns="">
                 <a:solidFill>
                   <a:srgbClr val="FFFFFF"/>
                 </a:solidFill>
               </a14:hiddenFill>
             </a:ext>
             <a:ext uri="{91240B29-F687-4f45-9708-019B960494DF}">
-              <a14:hiddenLine xmlns="" xmlns:a14="http://schemas.microsoft.com/office/drawing/2010/main" w="9525">
+              <a14:hiddenLine xmlns:a14="http://schemas.microsoft.com/office/drawing/2010/main" xmlns="" w="9525">
                 <a:solidFill>
                   <a:srgbClr val="000000"/>
                 </a:solidFill>
@@ -2059,17 +1977,17 @@
           <a:noFill/>
           <a:extLst>
             <a:ext uri="{FAA26D3D-D897-4be2-8F04-BA451C77F1D7}">
-              <ma14:placeholderFlag xmlns:ma14="http://schemas.microsoft.com/office/mac/drawingml/2011/main" xmlns="" val="1"/>
+              <ma14:placeholderFlag xmlns="" xmlns:ma14="http://schemas.microsoft.com/office/mac/drawingml/2011/main" val="1"/>
             </a:ext>
             <a:ext uri="{909E8E84-426E-40dd-AFC4-6F175D3DCCD1}">
-              <a14:hiddenFill xmlns="" xmlns:a14="http://schemas.microsoft.com/office/drawing/2010/main">
+              <a14:hiddenFill xmlns:a14="http://schemas.microsoft.com/office/drawing/2010/main" xmlns="">
                 <a:solidFill>
                   <a:srgbClr val="FFFFFF"/>
                 </a:solidFill>
               </a14:hiddenFill>
             </a:ext>
             <a:ext uri="{91240B29-F687-4f45-9708-019B960494DF}">
-              <a14:hiddenLine xmlns="" xmlns:a14="http://schemas.microsoft.com/office/drawing/2010/main" w="9525">
+              <a14:hiddenLine xmlns:a14="http://schemas.microsoft.com/office/drawing/2010/main" xmlns="" w="9525">
                 <a:solidFill>
                   <a:srgbClr val="000000"/>
                 </a:solidFill>
@@ -2210,17 +2128,17 @@
           <a:noFill/>
           <a:extLst>
             <a:ext uri="{FAA26D3D-D897-4be2-8F04-BA451C77F1D7}">
-              <ma14:placeholderFlag xmlns:ma14="http://schemas.microsoft.com/office/mac/drawingml/2011/main" xmlns="" val="1"/>
+              <ma14:placeholderFlag xmlns="" xmlns:ma14="http://schemas.microsoft.com/office/mac/drawingml/2011/main" val="1"/>
             </a:ext>
             <a:ext uri="{909E8E84-426E-40dd-AFC4-6F175D3DCCD1}">
-              <a14:hiddenFill xmlns="" xmlns:a14="http://schemas.microsoft.com/office/drawing/2010/main">
+              <a14:hiddenFill xmlns:a14="http://schemas.microsoft.com/office/drawing/2010/main" xmlns="">
                 <a:solidFill>
                   <a:srgbClr val="FFFFFF"/>
                 </a:solidFill>
               </a14:hiddenFill>
             </a:ext>
             <a:ext uri="{91240B29-F687-4f45-9708-019B960494DF}">
-              <a14:hiddenLine xmlns="" xmlns:a14="http://schemas.microsoft.com/office/drawing/2010/main" w="9525">
+              <a14:hiddenLine xmlns:a14="http://schemas.microsoft.com/office/drawing/2010/main" xmlns="" w="9525">
                 <a:solidFill>
                   <a:srgbClr val="000000"/>
                 </a:solidFill>
@@ -2392,17 +2310,17 @@
           <a:noFill/>
           <a:extLst>
             <a:ext uri="{FAA26D3D-D897-4be2-8F04-BA451C77F1D7}">
-              <ma14:placeholderFlag xmlns:ma14="http://schemas.microsoft.com/office/mac/drawingml/2011/main" xmlns="" val="1"/>
+              <ma14:placeholderFlag xmlns="" xmlns:ma14="http://schemas.microsoft.com/office/mac/drawingml/2011/main" val="1"/>
             </a:ext>
             <a:ext uri="{909E8E84-426E-40dd-AFC4-6F175D3DCCD1}">
-              <a14:hiddenFill xmlns="" xmlns:a14="http://schemas.microsoft.com/office/drawing/2010/main">
+              <a14:hiddenFill xmlns:a14="http://schemas.microsoft.com/office/drawing/2010/main" xmlns="">
                 <a:solidFill>
                   <a:srgbClr val="FFFFFF"/>
                 </a:solidFill>
               </a14:hiddenFill>
             </a:ext>
             <a:ext uri="{91240B29-F687-4f45-9708-019B960494DF}">
-              <a14:hiddenLine xmlns="" xmlns:a14="http://schemas.microsoft.com/office/drawing/2010/main" w="9525">
+              <a14:hiddenLine xmlns:a14="http://schemas.microsoft.com/office/drawing/2010/main" xmlns="" w="9525">
                 <a:solidFill>
                   <a:srgbClr val="000000"/>
                 </a:solidFill>
@@ -3759,6 +3677,196 @@
         <p:spPr>
           <a:xfrm>
             <a:off x="506027" y="857928"/>
+            <a:ext cx="8043169" cy="677108"/>
+          </a:xfrm>
+          <a:prstGeom prst="rect">
+            <a:avLst/>
+          </a:prstGeom>
+          <a:noFill/>
+        </p:spPr>
+        <p:txBody>
+          <a:bodyPr wrap="square">
+            <a:spAutoFit/>
+          </a:bodyPr>
+          <a:lstStyle/>
+          <a:p>
+            <a:pPr algn="ctr"/>
+            <a:r>
+              <a:rPr lang="en-US" sz="2000" b="1" dirty="0">
+                <a:latin typeface="+mn-lt"/>
+                <a:cs typeface="Arial" panose="020B0604020202020204" pitchFamily="34" charset="0"/>
+              </a:rPr>
+              <a:t>Developing Model </a:t>
+            </a:r>
+          </a:p>
+          <a:p>
+            <a:pPr algn="ctr"/>
+            <a:endParaRPr lang="en-US" sz="1800" b="1" dirty="0">
+              <a:latin typeface="+mn-lt"/>
+              <a:cs typeface="Arial" panose="020B0604020202020204" pitchFamily="34" charset="0"/>
+            </a:endParaRPr>
+          </a:p>
+        </p:txBody>
+      </p:sp>
+    </p:spTree>
+    <p:extLst>
+      <p:ext uri="{BB962C8B-B14F-4D97-AF65-F5344CB8AC3E}">
+        <p14:creationId xmlns:p14="http://schemas.microsoft.com/office/powerpoint/2010/main" val="88845361"/>
+      </p:ext>
+    </p:extLst>
+  </p:cSld>
+  <p:clrMapOvr>
+    <a:masterClrMapping/>
+  </p:clrMapOvr>
+</p:sld>
+</file>
+
+<file path=ppt/slides/slide11.xml><?xml version="1.0" encoding="utf-8"?>
+<p:sld xmlns:a="http://schemas.openxmlformats.org/drawingml/2006/main" xmlns:r="http://schemas.openxmlformats.org/officeDocument/2006/relationships" xmlns:p="http://schemas.openxmlformats.org/presentationml/2006/main">
+  <p:cSld>
+    <p:spTree>
+      <p:nvGrpSpPr>
+        <p:cNvPr id="1" name=""/>
+        <p:cNvGrpSpPr/>
+        <p:nvPr/>
+      </p:nvGrpSpPr>
+      <p:grpSpPr>
+        <a:xfrm>
+          <a:off x="0" y="0"/>
+          <a:ext cx="0" cy="0"/>
+          <a:chOff x="0" y="0"/>
+          <a:chExt cx="0" cy="0"/>
+        </a:xfrm>
+      </p:grpSpPr>
+      <p:sp>
+        <p:nvSpPr>
+          <p:cNvPr id="9" name="TextBox 8">
+            <a:extLst>
+              <a:ext uri="{FF2B5EF4-FFF2-40B4-BE49-F238E27FC236}">
+                <a16:creationId xmlns:a16="http://schemas.microsoft.com/office/drawing/2014/main" id="{C3CAC856-1BBB-45BD-8E9F-47D8B49C9EFA}"/>
+              </a:ext>
+            </a:extLst>
+          </p:cNvPr>
+          <p:cNvSpPr txBox="1"/>
+          <p:nvPr/>
+        </p:nvSpPr>
+        <p:spPr>
+          <a:xfrm>
+            <a:off x="506027" y="857928"/>
+            <a:ext cx="8043169" cy="2677656"/>
+          </a:xfrm>
+          <a:prstGeom prst="rect">
+            <a:avLst/>
+          </a:prstGeom>
+          <a:noFill/>
+        </p:spPr>
+        <p:txBody>
+          <a:bodyPr wrap="square">
+            <a:spAutoFit/>
+          </a:bodyPr>
+          <a:lstStyle/>
+          <a:p>
+            <a:pPr algn="ctr"/>
+            <a:r>
+              <a:rPr lang="en-US" sz="2800" b="1" dirty="0">
+                <a:latin typeface="+mn-lt"/>
+                <a:cs typeface="Arial" panose="020B0604020202020204" pitchFamily="34" charset="0"/>
+              </a:rPr>
+              <a:t>Results and Discussions</a:t>
+            </a:r>
+          </a:p>
+          <a:p>
+            <a:pPr algn="ctr"/>
+            <a:endParaRPr lang="en-US" sz="2000" b="1" dirty="0">
+              <a:latin typeface="+mn-lt"/>
+              <a:cs typeface="Arial" panose="020B0604020202020204" pitchFamily="34" charset="0"/>
+            </a:endParaRPr>
+          </a:p>
+          <a:p>
+            <a:pPr algn="ctr"/>
+            <a:endParaRPr lang="en-US" sz="2000" b="1" dirty="0">
+              <a:latin typeface="+mn-lt"/>
+              <a:cs typeface="Arial" panose="020B0604020202020204" pitchFamily="34" charset="0"/>
+            </a:endParaRPr>
+          </a:p>
+          <a:p>
+            <a:pPr algn="ctr"/>
+            <a:r>
+              <a:rPr lang="en-US" sz="2000" b="1" dirty="0">
+                <a:latin typeface="+mn-lt"/>
+                <a:cs typeface="Arial" panose="020B0604020202020204" pitchFamily="34" charset="0"/>
+              </a:rPr>
+              <a:t>Present your 3 infill well locations (location map) and predicted 2 year production for your wells. </a:t>
+            </a:r>
+          </a:p>
+          <a:p>
+            <a:pPr algn="ctr"/>
+            <a:endParaRPr lang="en-US" sz="2000" b="1" dirty="0">
+              <a:latin typeface="+mn-lt"/>
+              <a:cs typeface="Arial" panose="020B0604020202020204" pitchFamily="34" charset="0"/>
+            </a:endParaRPr>
+          </a:p>
+          <a:p>
+            <a:pPr algn="ctr"/>
+            <a:r>
+              <a:rPr lang="en-US" sz="2000" b="1" dirty="0">
+                <a:latin typeface="+mn-lt"/>
+                <a:cs typeface="Arial" panose="020B0604020202020204" pitchFamily="34" charset="0"/>
+              </a:rPr>
+              <a:t>Use table / map / distributions to communicate the model predictions, modeling tuning etc.</a:t>
+            </a:r>
+            <a:endParaRPr lang="en-US" sz="1800" b="1" dirty="0">
+              <a:latin typeface="+mn-lt"/>
+              <a:cs typeface="Arial" panose="020B0604020202020204" pitchFamily="34" charset="0"/>
+            </a:endParaRPr>
+          </a:p>
+        </p:txBody>
+      </p:sp>
+    </p:spTree>
+    <p:extLst>
+      <p:ext uri="{BB962C8B-B14F-4D97-AF65-F5344CB8AC3E}">
+        <p14:creationId xmlns:p14="http://schemas.microsoft.com/office/powerpoint/2010/main" val="2036120476"/>
+      </p:ext>
+    </p:extLst>
+  </p:cSld>
+  <p:clrMapOvr>
+    <a:masterClrMapping/>
+  </p:clrMapOvr>
+</p:sld>
+</file>
+
+<file path=ppt/slides/slide12.xml><?xml version="1.0" encoding="utf-8"?>
+<p:sld xmlns:a="http://schemas.openxmlformats.org/drawingml/2006/main" xmlns:r="http://schemas.openxmlformats.org/officeDocument/2006/relationships" xmlns:p="http://schemas.openxmlformats.org/presentationml/2006/main">
+  <p:cSld>
+    <p:spTree>
+      <p:nvGrpSpPr>
+        <p:cNvPr id="1" name=""/>
+        <p:cNvGrpSpPr/>
+        <p:nvPr/>
+      </p:nvGrpSpPr>
+      <p:grpSpPr>
+        <a:xfrm>
+          <a:off x="0" y="0"/>
+          <a:ext cx="0" cy="0"/>
+          <a:chOff x="0" y="0"/>
+          <a:chExt cx="0" cy="0"/>
+        </a:xfrm>
+      </p:grpSpPr>
+      <p:sp>
+        <p:nvSpPr>
+          <p:cNvPr id="9" name="TextBox 8">
+            <a:extLst>
+              <a:ext uri="{FF2B5EF4-FFF2-40B4-BE49-F238E27FC236}">
+                <a16:creationId xmlns:a16="http://schemas.microsoft.com/office/drawing/2014/main" id="{C3CAC856-1BBB-45BD-8E9F-47D8B49C9EFA}"/>
+              </a:ext>
+            </a:extLst>
+          </p:cNvPr>
+          <p:cNvSpPr txBox="1"/>
+          <p:nvPr/>
+        </p:nvSpPr>
+        <p:spPr>
+          <a:xfrm>
+            <a:off x="506027" y="857928"/>
             <a:ext cx="8043169" cy="5447645"/>
           </a:xfrm>
           <a:prstGeom prst="rect">
@@ -4390,7 +4498,7 @@
         <p:spPr>
           <a:xfrm>
             <a:off x="506027" y="857928"/>
-            <a:ext cx="8043169" cy="677108"/>
+            <a:ext cx="8043169" cy="1415772"/>
           </a:xfrm>
           <a:prstGeom prst="rect">
             <a:avLst/>
@@ -4405,12 +4513,26 @@
           <a:p>
             <a:pPr algn="ctr"/>
             <a:r>
-              <a:rPr lang="en-US" sz="2000" b="1" dirty="0">
+              <a:rPr lang="en-US" sz="2800" b="1" dirty="0">
                 <a:latin typeface="+mn-lt"/>
                 <a:cs typeface="Arial" panose="020B0604020202020204" pitchFamily="34" charset="0"/>
               </a:rPr>
-              <a:t>Examining AI Data</a:t>
-            </a:r>
+              <a:t>Impedance values for lower and upper interval</a:t>
+            </a:r>
+          </a:p>
+          <a:p>
+            <a:pPr algn="ctr"/>
+            <a:endParaRPr lang="en-US" sz="2000" b="1" dirty="0">
+              <a:latin typeface="+mn-lt"/>
+              <a:cs typeface="Arial" panose="020B0604020202020204" pitchFamily="34" charset="0"/>
+            </a:endParaRPr>
+          </a:p>
+          <a:p>
+            <a:pPr algn="ctr"/>
+            <a:endParaRPr lang="en-US" sz="2000" b="1" dirty="0">
+              <a:latin typeface="+mn-lt"/>
+              <a:cs typeface="Arial" panose="020B0604020202020204" pitchFamily="34" charset="0"/>
+            </a:endParaRPr>
           </a:p>
           <a:p>
             <a:pPr algn="ctr"/>
@@ -4421,10 +4543,146 @@
           </a:p>
         </p:txBody>
       </p:sp>
+      <p:pic>
+        <p:nvPicPr>
+          <p:cNvPr id="3" name="Picture 2">
+            <a:extLst>
+              <a:ext uri="{FF2B5EF4-FFF2-40B4-BE49-F238E27FC236}">
+                <a16:creationId xmlns:a16="http://schemas.microsoft.com/office/drawing/2014/main" id="{219A9A7C-A4AB-4953-91B4-E188491AFD98}"/>
+              </a:ext>
+            </a:extLst>
+          </p:cNvPr>
+          <p:cNvPicPr>
+            <a:picLocks noChangeAspect="1"/>
+          </p:cNvPicPr>
+          <p:nvPr/>
+        </p:nvPicPr>
+        <p:blipFill rotWithShape="1">
+          <a:blip r:embed="rId2"/>
+          <a:srcRect l="14690" t="34779" r="43186" b="18968"/>
+          <a:stretch/>
+        </p:blipFill>
+        <p:spPr>
+          <a:xfrm>
+            <a:off x="562026" y="1541374"/>
+            <a:ext cx="3914302" cy="2471445"/>
+          </a:xfrm>
+          <a:prstGeom prst="rect">
+            <a:avLst/>
+          </a:prstGeom>
+          <a:ln>
+            <a:solidFill>
+              <a:schemeClr val="accent1"/>
+            </a:solidFill>
+          </a:ln>
+        </p:spPr>
+      </p:pic>
+      <p:pic>
+        <p:nvPicPr>
+          <p:cNvPr id="7" name="Picture 6">
+            <a:extLst>
+              <a:ext uri="{FF2B5EF4-FFF2-40B4-BE49-F238E27FC236}">
+                <a16:creationId xmlns:a16="http://schemas.microsoft.com/office/drawing/2014/main" id="{5A7B2D3B-DAAF-4890-AA1F-42A658B96A14}"/>
+              </a:ext>
+            </a:extLst>
+          </p:cNvPr>
+          <p:cNvPicPr>
+            <a:picLocks noChangeAspect="1"/>
+          </p:cNvPicPr>
+          <p:nvPr/>
+        </p:nvPicPr>
+        <p:blipFill rotWithShape="1">
+          <a:blip r:embed="rId3"/>
+          <a:srcRect l="14036" t="34873" r="46055" b="19134"/>
+          <a:stretch/>
+        </p:blipFill>
+        <p:spPr>
+          <a:xfrm>
+            <a:off x="4626210" y="1541374"/>
+            <a:ext cx="3812333" cy="2471445"/>
+          </a:xfrm>
+          <a:prstGeom prst="rect">
+            <a:avLst/>
+          </a:prstGeom>
+          <a:ln>
+            <a:solidFill>
+              <a:schemeClr val="accent1"/>
+            </a:solidFill>
+          </a:ln>
+        </p:spPr>
+      </p:pic>
+      <p:pic>
+        <p:nvPicPr>
+          <p:cNvPr id="10" name="Picture 9">
+            <a:extLst>
+              <a:ext uri="{FF2B5EF4-FFF2-40B4-BE49-F238E27FC236}">
+                <a16:creationId xmlns:a16="http://schemas.microsoft.com/office/drawing/2014/main" id="{74AA2A23-FA33-4BAD-9C28-3B25C0636C1E}"/>
+              </a:ext>
+            </a:extLst>
+          </p:cNvPr>
+          <p:cNvPicPr>
+            <a:picLocks noChangeAspect="1"/>
+          </p:cNvPicPr>
+          <p:nvPr/>
+        </p:nvPicPr>
+        <p:blipFill rotWithShape="1">
+          <a:blip r:embed="rId4"/>
+          <a:srcRect l="14690" t="34779" r="46549" b="18968"/>
+          <a:stretch/>
+        </p:blipFill>
+        <p:spPr>
+          <a:xfrm>
+            <a:off x="562026" y="4177360"/>
+            <a:ext cx="3914301" cy="2477837"/>
+          </a:xfrm>
+          <a:prstGeom prst="rect">
+            <a:avLst/>
+          </a:prstGeom>
+          <a:ln>
+            <a:solidFill>
+              <a:schemeClr val="accent1"/>
+            </a:solidFill>
+          </a:ln>
+        </p:spPr>
+      </p:pic>
+      <p:pic>
+        <p:nvPicPr>
+          <p:cNvPr id="12" name="Picture 11">
+            <a:extLst>
+              <a:ext uri="{FF2B5EF4-FFF2-40B4-BE49-F238E27FC236}">
+                <a16:creationId xmlns:a16="http://schemas.microsoft.com/office/drawing/2014/main" id="{A1240283-1C75-42AB-ACFA-6565436B15AC}"/>
+              </a:ext>
+            </a:extLst>
+          </p:cNvPr>
+          <p:cNvPicPr>
+            <a:picLocks noChangeAspect="1"/>
+          </p:cNvPicPr>
+          <p:nvPr/>
+        </p:nvPicPr>
+        <p:blipFill rotWithShape="1">
+          <a:blip r:embed="rId5"/>
+          <a:srcRect l="13805" t="34149" r="45399" b="20541"/>
+          <a:stretch/>
+        </p:blipFill>
+        <p:spPr>
+          <a:xfrm>
+            <a:off x="4674537" y="4166507"/>
+            <a:ext cx="3983629" cy="2488690"/>
+          </a:xfrm>
+          <a:prstGeom prst="rect">
+            <a:avLst/>
+          </a:prstGeom>
+          <a:ln>
+            <a:solidFill>
+              <a:schemeClr val="accent1"/>
+            </a:solidFill>
+          </a:ln>
+        </p:spPr>
+      </p:pic>
     </p:spTree>
     <p:extLst>
       <p:ext uri="{BB962C8B-B14F-4D97-AF65-F5344CB8AC3E}">
-        <p14:creationId xmlns:p14="http://schemas.microsoft.com/office/powerpoint/2010/main" val="1926691204"/>
+        <p14:creationId xmlns:p14="http://schemas.microsoft.com/office/powerpoint/2010/main" val="1865312401"/>
       </p:ext>
     </p:extLst>
   </p:cSld>
@@ -4465,8 +4723,8 @@
         </p:nvSpPr>
         <p:spPr>
           <a:xfrm>
-            <a:off x="506027" y="857928"/>
-            <a:ext cx="8043169" cy="677108"/>
+            <a:off x="506027" y="720421"/>
+            <a:ext cx="8043169" cy="523220"/>
           </a:xfrm>
           <a:prstGeom prst="rect">
             <a:avLst/>
@@ -4481,7 +4739,310 @@
           <a:p>
             <a:pPr algn="ctr"/>
             <a:r>
-              <a:rPr lang="en-US" sz="2000" b="1" dirty="0">
+              <a:rPr lang="en-US" sz="2800" b="1" dirty="0">
+                <a:latin typeface="+mn-lt"/>
+                <a:cs typeface="Arial" panose="020B0604020202020204" pitchFamily="34" charset="0"/>
+              </a:rPr>
+              <a:t>Comparing Impedance difference</a:t>
+            </a:r>
+            <a:endParaRPr lang="en-US" sz="2000" b="1" dirty="0">
+              <a:latin typeface="+mn-lt"/>
+              <a:cs typeface="Arial" panose="020B0604020202020204" pitchFamily="34" charset="0"/>
+            </a:endParaRPr>
+          </a:p>
+        </p:txBody>
+      </p:sp>
+      <p:pic>
+        <p:nvPicPr>
+          <p:cNvPr id="4" name="Picture 3">
+            <a:extLst>
+              <a:ext uri="{FF2B5EF4-FFF2-40B4-BE49-F238E27FC236}">
+                <a16:creationId xmlns:a16="http://schemas.microsoft.com/office/drawing/2014/main" id="{D85782AD-EEC8-4ED6-8F33-7094E8012CEE}"/>
+              </a:ext>
+            </a:extLst>
+          </p:cNvPr>
+          <p:cNvPicPr>
+            <a:picLocks noChangeAspect="1"/>
+          </p:cNvPicPr>
+          <p:nvPr/>
+        </p:nvPicPr>
+        <p:blipFill rotWithShape="1">
+          <a:blip r:embed="rId2"/>
+          <a:srcRect l="13805" t="34778" r="41947" b="19126"/>
+          <a:stretch/>
+        </p:blipFill>
+        <p:spPr>
+          <a:xfrm>
+            <a:off x="417015" y="1298777"/>
+            <a:ext cx="4639802" cy="2658228"/>
+          </a:xfrm>
+          <a:prstGeom prst="rect">
+            <a:avLst/>
+          </a:prstGeom>
+          <a:ln>
+            <a:solidFill>
+              <a:schemeClr val="accent1"/>
+            </a:solidFill>
+          </a:ln>
+        </p:spPr>
+      </p:pic>
+      <p:pic>
+        <p:nvPicPr>
+          <p:cNvPr id="6" name="Picture 5">
+            <a:extLst>
+              <a:ext uri="{FF2B5EF4-FFF2-40B4-BE49-F238E27FC236}">
+                <a16:creationId xmlns:a16="http://schemas.microsoft.com/office/drawing/2014/main" id="{E3A4AF92-ED22-4F5C-8041-DEA405E430EC}"/>
+              </a:ext>
+            </a:extLst>
+          </p:cNvPr>
+          <p:cNvPicPr>
+            <a:picLocks noChangeAspect="1"/>
+          </p:cNvPicPr>
+          <p:nvPr/>
+        </p:nvPicPr>
+        <p:blipFill rotWithShape="1">
+          <a:blip r:embed="rId3"/>
+          <a:srcRect l="12039" t="35566" r="40442" b="20854"/>
+          <a:stretch/>
+        </p:blipFill>
+        <p:spPr>
+          <a:xfrm>
+            <a:off x="3981281" y="4009621"/>
+            <a:ext cx="5025154" cy="2658227"/>
+          </a:xfrm>
+          <a:prstGeom prst="rect">
+            <a:avLst/>
+          </a:prstGeom>
+          <a:ln>
+            <a:solidFill>
+              <a:schemeClr val="accent1"/>
+            </a:solidFill>
+          </a:ln>
+        </p:spPr>
+      </p:pic>
+      <p:sp>
+        <p:nvSpPr>
+          <p:cNvPr id="11" name="TextBox 10">
+            <a:extLst>
+              <a:ext uri="{FF2B5EF4-FFF2-40B4-BE49-F238E27FC236}">
+                <a16:creationId xmlns:a16="http://schemas.microsoft.com/office/drawing/2014/main" id="{9DC18658-7DF7-4738-A822-B8DAFE8978D0}"/>
+              </a:ext>
+            </a:extLst>
+          </p:cNvPr>
+          <p:cNvSpPr txBox="1"/>
+          <p:nvPr/>
+        </p:nvSpPr>
+        <p:spPr>
+          <a:xfrm>
+            <a:off x="5356927" y="1577947"/>
+            <a:ext cx="3370058" cy="1569660"/>
+          </a:xfrm>
+          <a:prstGeom prst="rect">
+            <a:avLst/>
+          </a:prstGeom>
+          <a:noFill/>
+        </p:spPr>
+        <p:txBody>
+          <a:bodyPr wrap="square" rtlCol="0">
+            <a:spAutoFit/>
+          </a:bodyPr>
+          <a:lstStyle/>
+          <a:p>
+            <a:r>
+              <a:rPr lang="en-US" dirty="0"/>
+              <a:t>The top map shows high impedance difference between 2012 and 2021 in the lower interval</a:t>
+            </a:r>
+          </a:p>
+        </p:txBody>
+      </p:sp>
+    </p:spTree>
+    <p:extLst>
+      <p:ext uri="{BB962C8B-B14F-4D97-AF65-F5344CB8AC3E}">
+        <p14:creationId xmlns:p14="http://schemas.microsoft.com/office/powerpoint/2010/main" val="4180984208"/>
+      </p:ext>
+    </p:extLst>
+  </p:cSld>
+  <p:clrMapOvr>
+    <a:masterClrMapping/>
+  </p:clrMapOvr>
+</p:sld>
+</file>
+
+<file path=ppt/slides/slide6.xml><?xml version="1.0" encoding="utf-8"?>
+<p:sld xmlns:a="http://schemas.openxmlformats.org/drawingml/2006/main" xmlns:r="http://schemas.openxmlformats.org/officeDocument/2006/relationships" xmlns:p="http://schemas.openxmlformats.org/presentationml/2006/main">
+  <p:cSld>
+    <p:spTree>
+      <p:nvGrpSpPr>
+        <p:cNvPr id="1" name=""/>
+        <p:cNvGrpSpPr/>
+        <p:nvPr/>
+      </p:nvGrpSpPr>
+      <p:grpSpPr>
+        <a:xfrm>
+          <a:off x="0" y="0"/>
+          <a:ext cx="0" cy="0"/>
+          <a:chOff x="0" y="0"/>
+          <a:chExt cx="0" cy="0"/>
+        </a:xfrm>
+      </p:grpSpPr>
+      <p:sp>
+        <p:nvSpPr>
+          <p:cNvPr id="9" name="TextBox 8">
+            <a:extLst>
+              <a:ext uri="{FF2B5EF4-FFF2-40B4-BE49-F238E27FC236}">
+                <a16:creationId xmlns:a16="http://schemas.microsoft.com/office/drawing/2014/main" id="{C3CAC856-1BBB-45BD-8E9F-47D8B49C9EFA}"/>
+              </a:ext>
+            </a:extLst>
+          </p:cNvPr>
+          <p:cNvSpPr txBox="1"/>
+          <p:nvPr/>
+        </p:nvSpPr>
+        <p:spPr>
+          <a:xfrm>
+            <a:off x="506027" y="857928"/>
+            <a:ext cx="8043169" cy="461665"/>
+          </a:xfrm>
+          <a:prstGeom prst="rect">
+            <a:avLst/>
+          </a:prstGeom>
+          <a:noFill/>
+        </p:spPr>
+        <p:txBody>
+          <a:bodyPr wrap="square">
+            <a:spAutoFit/>
+          </a:bodyPr>
+          <a:lstStyle/>
+          <a:p>
+            <a:pPr algn="ctr"/>
+            <a:r>
+              <a:rPr lang="en-US" b="1" dirty="0">
+                <a:latin typeface="+mn-lt"/>
+                <a:cs typeface="Arial" panose="020B0604020202020204" pitchFamily="34" charset="0"/>
+              </a:rPr>
+              <a:t>Potentially depleted wells in the Lower interval   </a:t>
+            </a:r>
+          </a:p>
+        </p:txBody>
+      </p:sp>
+      <p:pic>
+        <p:nvPicPr>
+          <p:cNvPr id="3" name="Picture 2">
+            <a:extLst>
+              <a:ext uri="{FF2B5EF4-FFF2-40B4-BE49-F238E27FC236}">
+                <a16:creationId xmlns:a16="http://schemas.microsoft.com/office/drawing/2014/main" id="{39A01483-5111-4124-8F69-BCD50D1AFE89}"/>
+              </a:ext>
+            </a:extLst>
+          </p:cNvPr>
+          <p:cNvPicPr>
+            <a:picLocks noChangeAspect="1"/>
+          </p:cNvPicPr>
+          <p:nvPr/>
+        </p:nvPicPr>
+        <p:blipFill rotWithShape="1">
+          <a:blip r:embed="rId2"/>
+          <a:srcRect l="13805" t="30688" r="48053" b="27538"/>
+          <a:stretch/>
+        </p:blipFill>
+        <p:spPr>
+          <a:xfrm>
+            <a:off x="-187962" y="1572768"/>
+            <a:ext cx="5211126" cy="3499104"/>
+          </a:xfrm>
+          <a:prstGeom prst="rect">
+            <a:avLst/>
+          </a:prstGeom>
+        </p:spPr>
+      </p:pic>
+      <p:pic>
+        <p:nvPicPr>
+          <p:cNvPr id="7" name="Picture 6">
+            <a:extLst>
+              <a:ext uri="{FF2B5EF4-FFF2-40B4-BE49-F238E27FC236}">
+                <a16:creationId xmlns:a16="http://schemas.microsoft.com/office/drawing/2014/main" id="{666F2881-093B-4822-A21F-E239101027F4}"/>
+              </a:ext>
+            </a:extLst>
+          </p:cNvPr>
+          <p:cNvPicPr>
+            <a:picLocks noChangeAspect="1"/>
+          </p:cNvPicPr>
+          <p:nvPr/>
+        </p:nvPicPr>
+        <p:blipFill rotWithShape="1">
+          <a:blip r:embed="rId3"/>
+          <a:srcRect l="13717" t="29901" r="49026" b="30924"/>
+          <a:stretch/>
+        </p:blipFill>
+        <p:spPr>
+          <a:xfrm>
+            <a:off x="4264711" y="3096768"/>
+            <a:ext cx="4787318" cy="3267456"/>
+          </a:xfrm>
+          <a:prstGeom prst="rect">
+            <a:avLst/>
+          </a:prstGeom>
+        </p:spPr>
+      </p:pic>
+    </p:spTree>
+    <p:extLst>
+      <p:ext uri="{BB962C8B-B14F-4D97-AF65-F5344CB8AC3E}">
+        <p14:creationId xmlns:p14="http://schemas.microsoft.com/office/powerpoint/2010/main" val="1275981128"/>
+      </p:ext>
+    </p:extLst>
+  </p:cSld>
+  <p:clrMapOvr>
+    <a:masterClrMapping/>
+  </p:clrMapOvr>
+</p:sld>
+</file>
+
+<file path=ppt/slides/slide7.xml><?xml version="1.0" encoding="utf-8"?>
+<p:sld xmlns:a="http://schemas.openxmlformats.org/drawingml/2006/main" xmlns:r="http://schemas.openxmlformats.org/officeDocument/2006/relationships" xmlns:p="http://schemas.openxmlformats.org/presentationml/2006/main">
+  <p:cSld>
+    <p:spTree>
+      <p:nvGrpSpPr>
+        <p:cNvPr id="1" name=""/>
+        <p:cNvGrpSpPr/>
+        <p:nvPr/>
+      </p:nvGrpSpPr>
+      <p:grpSpPr>
+        <a:xfrm>
+          <a:off x="0" y="0"/>
+          <a:ext cx="0" cy="0"/>
+          <a:chOff x="0" y="0"/>
+          <a:chExt cx="0" cy="0"/>
+        </a:xfrm>
+      </p:grpSpPr>
+      <p:sp>
+        <p:nvSpPr>
+          <p:cNvPr id="9" name="TextBox 8">
+            <a:extLst>
+              <a:ext uri="{FF2B5EF4-FFF2-40B4-BE49-F238E27FC236}">
+                <a16:creationId xmlns:a16="http://schemas.microsoft.com/office/drawing/2014/main" id="{C3CAC856-1BBB-45BD-8E9F-47D8B49C9EFA}"/>
+              </a:ext>
+            </a:extLst>
+          </p:cNvPr>
+          <p:cNvSpPr txBox="1"/>
+          <p:nvPr/>
+        </p:nvSpPr>
+        <p:spPr>
+          <a:xfrm>
+            <a:off x="506027" y="796968"/>
+            <a:ext cx="8043169" cy="738664"/>
+          </a:xfrm>
+          <a:prstGeom prst="rect">
+            <a:avLst/>
+          </a:prstGeom>
+          <a:noFill/>
+        </p:spPr>
+        <p:txBody>
+          <a:bodyPr wrap="square">
+            <a:spAutoFit/>
+          </a:bodyPr>
+          <a:lstStyle/>
+          <a:p>
+            <a:pPr algn="ctr"/>
+            <a:r>
+              <a:rPr lang="en-US" b="1" dirty="0">
                 <a:latin typeface="+mn-lt"/>
                 <a:cs typeface="Arial" panose="020B0604020202020204" pitchFamily="34" charset="0"/>
               </a:rPr>
@@ -4868,7 +5429,7 @@
 </p:sld>
 </file>
 
-<file path=ppt/slides/slide6.xml><?xml version="1.0" encoding="utf-8"?>
+<file path=ppt/slides/slide8.xml><?xml version="1.0" encoding="utf-8"?>
 <p:sld xmlns:a="http://schemas.openxmlformats.org/drawingml/2006/main" xmlns:r="http://schemas.openxmlformats.org/officeDocument/2006/relationships" xmlns:p="http://schemas.openxmlformats.org/presentationml/2006/main">
   <p:cSld>
     <p:spTree>
@@ -5102,7 +5663,7 @@
 </p:sld>
 </file>
 
-<file path=ppt/slides/slide7.xml><?xml version="1.0" encoding="utf-8"?>
+<file path=ppt/slides/slide9.xml><?xml version="1.0" encoding="utf-8"?>
 <p:sld xmlns:a="http://schemas.openxmlformats.org/drawingml/2006/main" xmlns:r="http://schemas.openxmlformats.org/officeDocument/2006/relationships" xmlns:p="http://schemas.openxmlformats.org/presentationml/2006/main">
   <p:cSld>
     <p:spTree>
@@ -5285,196 +5846,6 @@
     <p:extLst>
       <p:ext uri="{BB962C8B-B14F-4D97-AF65-F5344CB8AC3E}">
         <p14:creationId xmlns:p14="http://schemas.microsoft.com/office/powerpoint/2010/main" val="811780624"/>
-      </p:ext>
-    </p:extLst>
-  </p:cSld>
-  <p:clrMapOvr>
-    <a:masterClrMapping/>
-  </p:clrMapOvr>
-</p:sld>
-</file>
-
-<file path=ppt/slides/slide8.xml><?xml version="1.0" encoding="utf-8"?>
-<p:sld xmlns:a="http://schemas.openxmlformats.org/drawingml/2006/main" xmlns:r="http://schemas.openxmlformats.org/officeDocument/2006/relationships" xmlns:p="http://schemas.openxmlformats.org/presentationml/2006/main">
-  <p:cSld>
-    <p:spTree>
-      <p:nvGrpSpPr>
-        <p:cNvPr id="1" name=""/>
-        <p:cNvGrpSpPr/>
-        <p:nvPr/>
-      </p:nvGrpSpPr>
-      <p:grpSpPr>
-        <a:xfrm>
-          <a:off x="0" y="0"/>
-          <a:ext cx="0" cy="0"/>
-          <a:chOff x="0" y="0"/>
-          <a:chExt cx="0" cy="0"/>
-        </a:xfrm>
-      </p:grpSpPr>
-      <p:sp>
-        <p:nvSpPr>
-          <p:cNvPr id="9" name="TextBox 8">
-            <a:extLst>
-              <a:ext uri="{FF2B5EF4-FFF2-40B4-BE49-F238E27FC236}">
-                <a16:creationId xmlns:a16="http://schemas.microsoft.com/office/drawing/2014/main" id="{C3CAC856-1BBB-45BD-8E9F-47D8B49C9EFA}"/>
-              </a:ext>
-            </a:extLst>
-          </p:cNvPr>
-          <p:cNvSpPr txBox="1"/>
-          <p:nvPr/>
-        </p:nvSpPr>
-        <p:spPr>
-          <a:xfrm>
-            <a:off x="506027" y="857928"/>
-            <a:ext cx="8043169" cy="677108"/>
-          </a:xfrm>
-          <a:prstGeom prst="rect">
-            <a:avLst/>
-          </a:prstGeom>
-          <a:noFill/>
-        </p:spPr>
-        <p:txBody>
-          <a:bodyPr wrap="square">
-            <a:spAutoFit/>
-          </a:bodyPr>
-          <a:lstStyle/>
-          <a:p>
-            <a:pPr algn="ctr"/>
-            <a:r>
-              <a:rPr lang="en-US" sz="2000" b="1" dirty="0">
-                <a:latin typeface="+mn-lt"/>
-                <a:cs typeface="Arial" panose="020B0604020202020204" pitchFamily="34" charset="0"/>
-              </a:rPr>
-              <a:t>Developing Model </a:t>
-            </a:r>
-          </a:p>
-          <a:p>
-            <a:pPr algn="ctr"/>
-            <a:endParaRPr lang="en-US" sz="1800" b="1" dirty="0">
-              <a:latin typeface="+mn-lt"/>
-              <a:cs typeface="Arial" panose="020B0604020202020204" pitchFamily="34" charset="0"/>
-            </a:endParaRPr>
-          </a:p>
-        </p:txBody>
-      </p:sp>
-    </p:spTree>
-    <p:extLst>
-      <p:ext uri="{BB962C8B-B14F-4D97-AF65-F5344CB8AC3E}">
-        <p14:creationId xmlns:p14="http://schemas.microsoft.com/office/powerpoint/2010/main" val="88845361"/>
-      </p:ext>
-    </p:extLst>
-  </p:cSld>
-  <p:clrMapOvr>
-    <a:masterClrMapping/>
-  </p:clrMapOvr>
-</p:sld>
-</file>
-
-<file path=ppt/slides/slide9.xml><?xml version="1.0" encoding="utf-8"?>
-<p:sld xmlns:a="http://schemas.openxmlformats.org/drawingml/2006/main" xmlns:r="http://schemas.openxmlformats.org/officeDocument/2006/relationships" xmlns:p="http://schemas.openxmlformats.org/presentationml/2006/main">
-  <p:cSld>
-    <p:spTree>
-      <p:nvGrpSpPr>
-        <p:cNvPr id="1" name=""/>
-        <p:cNvGrpSpPr/>
-        <p:nvPr/>
-      </p:nvGrpSpPr>
-      <p:grpSpPr>
-        <a:xfrm>
-          <a:off x="0" y="0"/>
-          <a:ext cx="0" cy="0"/>
-          <a:chOff x="0" y="0"/>
-          <a:chExt cx="0" cy="0"/>
-        </a:xfrm>
-      </p:grpSpPr>
-      <p:sp>
-        <p:nvSpPr>
-          <p:cNvPr id="9" name="TextBox 8">
-            <a:extLst>
-              <a:ext uri="{FF2B5EF4-FFF2-40B4-BE49-F238E27FC236}">
-                <a16:creationId xmlns:a16="http://schemas.microsoft.com/office/drawing/2014/main" id="{C3CAC856-1BBB-45BD-8E9F-47D8B49C9EFA}"/>
-              </a:ext>
-            </a:extLst>
-          </p:cNvPr>
-          <p:cNvSpPr txBox="1"/>
-          <p:nvPr/>
-        </p:nvSpPr>
-        <p:spPr>
-          <a:xfrm>
-            <a:off x="506027" y="857928"/>
-            <a:ext cx="8043169" cy="2677656"/>
-          </a:xfrm>
-          <a:prstGeom prst="rect">
-            <a:avLst/>
-          </a:prstGeom>
-          <a:noFill/>
-        </p:spPr>
-        <p:txBody>
-          <a:bodyPr wrap="square">
-            <a:spAutoFit/>
-          </a:bodyPr>
-          <a:lstStyle/>
-          <a:p>
-            <a:pPr algn="ctr"/>
-            <a:r>
-              <a:rPr lang="en-US" sz="2800" b="1" dirty="0">
-                <a:latin typeface="+mn-lt"/>
-                <a:cs typeface="Arial" panose="020B0604020202020204" pitchFamily="34" charset="0"/>
-              </a:rPr>
-              <a:t>Results and Discussions</a:t>
-            </a:r>
-          </a:p>
-          <a:p>
-            <a:pPr algn="ctr"/>
-            <a:endParaRPr lang="en-US" sz="2000" b="1" dirty="0">
-              <a:latin typeface="+mn-lt"/>
-              <a:cs typeface="Arial" panose="020B0604020202020204" pitchFamily="34" charset="0"/>
-            </a:endParaRPr>
-          </a:p>
-          <a:p>
-            <a:pPr algn="ctr"/>
-            <a:endParaRPr lang="en-US" sz="2000" b="1" dirty="0">
-              <a:latin typeface="+mn-lt"/>
-              <a:cs typeface="Arial" panose="020B0604020202020204" pitchFamily="34" charset="0"/>
-            </a:endParaRPr>
-          </a:p>
-          <a:p>
-            <a:pPr algn="ctr"/>
-            <a:r>
-              <a:rPr lang="en-US" sz="2000" b="1" dirty="0">
-                <a:latin typeface="+mn-lt"/>
-                <a:cs typeface="Arial" panose="020B0604020202020204" pitchFamily="34" charset="0"/>
-              </a:rPr>
-              <a:t>Present your 3 infill well locations (location map) and predicted 2 year production for your wells. </a:t>
-            </a:r>
-          </a:p>
-          <a:p>
-            <a:pPr algn="ctr"/>
-            <a:endParaRPr lang="en-US" sz="2000" b="1" dirty="0">
-              <a:latin typeface="+mn-lt"/>
-              <a:cs typeface="Arial" panose="020B0604020202020204" pitchFamily="34" charset="0"/>
-            </a:endParaRPr>
-          </a:p>
-          <a:p>
-            <a:pPr algn="ctr"/>
-            <a:r>
-              <a:rPr lang="en-US" sz="2000" b="1" dirty="0">
-                <a:latin typeface="+mn-lt"/>
-                <a:cs typeface="Arial" panose="020B0604020202020204" pitchFamily="34" charset="0"/>
-              </a:rPr>
-              <a:t>Use table / map / distributions to communicate the model predictions, modeling tuning etc.</a:t>
-            </a:r>
-            <a:endParaRPr lang="en-US" sz="1800" b="1" dirty="0">
-              <a:latin typeface="+mn-lt"/>
-              <a:cs typeface="Arial" panose="020B0604020202020204" pitchFamily="34" charset="0"/>
-            </a:endParaRPr>
-          </a:p>
-        </p:txBody>
-      </p:sp>
-    </p:spTree>
-    <p:extLst>
-      <p:ext uri="{BB962C8B-B14F-4D97-AF65-F5344CB8AC3E}">
-        <p14:creationId xmlns:p14="http://schemas.microsoft.com/office/powerpoint/2010/main" val="2036120476"/>
       </p:ext>
     </p:extLst>
   </p:cSld>
